--- a/스크립트언어 팀플.pptx
+++ b/스크립트언어 팀플.pptx
@@ -3864,7 +3864,61 @@
             </a:r>
             <a:r>
               <a:rPr lang="ko-KR" altLang="en-US" dirty="0" smtClean="0"/>
-              <a:t>의 정보를 조회</a:t>
+              <a:t>의 정보를 </a:t>
+            </a:r>
+            <a:r>
+              <a:rPr lang="ko-KR" altLang="en-US" dirty="0" smtClean="0"/>
+              <a:t>조회</a:t>
+            </a:r>
+            <a:endParaRPr lang="en-US" altLang="ko-KR" dirty="0"/>
+          </a:p>
+          <a:p>
+            <a:pPr marL="0" indent="0">
+              <a:buNone/>
+            </a:pPr>
+            <a:r>
+              <a:rPr lang="en-US" altLang="ko-KR" dirty="0" smtClean="0"/>
+              <a:t>	</a:t>
+            </a:r>
+            <a:r>
+              <a:rPr lang="ko-KR" altLang="en-US" dirty="0" smtClean="0"/>
+              <a:t>정보 </a:t>
+            </a:r>
+            <a:r>
+              <a:rPr lang="ko-KR" altLang="en-US" dirty="0"/>
+              <a:t>조회</a:t>
+            </a:r>
+            <a:r>
+              <a:rPr lang="en-US" altLang="ko-KR" dirty="0"/>
+              <a:t>, </a:t>
+            </a:r>
+            <a:r>
+              <a:rPr lang="ko-KR" altLang="en-US" dirty="0"/>
+              <a:t>품종 조건</a:t>
+            </a:r>
+            <a:r>
+              <a:rPr lang="en-US" altLang="ko-KR" dirty="0"/>
+              <a:t>, </a:t>
+            </a:r>
+            <a:r>
+              <a:rPr lang="ko-KR" altLang="en-US" dirty="0"/>
+              <a:t>보호소 조건</a:t>
+            </a:r>
+            <a:r>
+              <a:rPr lang="en-US" altLang="ko-KR" dirty="0"/>
+              <a:t>, </a:t>
+            </a:r>
+            <a:r>
+              <a:rPr lang="ko-KR" altLang="en-US" dirty="0" err="1"/>
+              <a:t>시군구</a:t>
+            </a:r>
+            <a:r>
+              <a:rPr lang="en-US" altLang="ko-KR" dirty="0"/>
+              <a:t>/</a:t>
+            </a:r>
+            <a:r>
+              <a:rPr lang="ko-KR" altLang="en-US" dirty="0"/>
+              <a:t>시도 조건</a:t>
             </a:r>
             <a:endParaRPr lang="en-US" altLang="ko-KR" dirty="0" smtClean="0"/>
           </a:p>
@@ -4222,7 +4276,12 @@
             <p:ph type="title"/>
           </p:nvPr>
         </p:nvSpPr>
-        <p:spPr/>
+        <p:spPr>
+          <a:xfrm>
+            <a:off x="539552" y="-459432"/>
+            <a:ext cx="7924800" cy="1143000"/>
+          </a:xfrm>
+        </p:spPr>
         <p:txBody>
           <a:bodyPr/>
           <a:lstStyle/>
@@ -4235,25 +4294,783 @@
           </a:p>
         </p:txBody>
       </p:sp>
-      <p:sp>
-        <p:nvSpPr>
-          <p:cNvPr id="3" name="내용 개체 틀 2"/>
-          <p:cNvSpPr>
-            <a:spLocks noGrp="1"/>
-          </p:cNvSpPr>
+      <p:graphicFrame>
+        <p:nvGraphicFramePr>
+          <p:cNvPr id="4" name="내용 개체 틀 3"/>
+          <p:cNvGraphicFramePr>
+            <a:graphicFrameLocks noGrp="1"/>
+          </p:cNvGraphicFramePr>
           <p:nvPr>
             <p:ph sz="quarter" idx="13"/>
-          </p:nvPr>
-        </p:nvSpPr>
-        <p:spPr/>
-        <p:txBody>
-          <a:bodyPr/>
-          <a:lstStyle/>
-          <a:p>
-            <a:endParaRPr lang="ko-KR" altLang="en-US"/>
-          </a:p>
-        </p:txBody>
-      </p:sp>
+            <p:extLst>
+              <p:ext uri="{D42A27DB-BD31-4B8C-83A1-F6EECF244321}">
+                <p14:modId xmlns:p14="http://schemas.microsoft.com/office/powerpoint/2010/main" val="2834201247"/>
+              </p:ext>
+            </p:extLst>
+          </p:nvPr>
+        </p:nvGraphicFramePr>
+        <p:xfrm>
+          <a:off x="611560" y="980728"/>
+          <a:ext cx="8066856" cy="5557232"/>
+        </p:xfrm>
+        <a:graphic>
+          <a:graphicData uri="http://schemas.openxmlformats.org/drawingml/2006/table">
+            <a:tbl>
+              <a:tblPr firstRow="1" bandRow="1">
+                <a:tableStyleId>{5C22544A-7EE6-4342-B048-85BDC9FD1C3A}</a:tableStyleId>
+              </a:tblPr>
+              <a:tblGrid>
+                <a:gridCol w="1321373"/>
+                <a:gridCol w="3371743"/>
+                <a:gridCol w="3373740"/>
+              </a:tblGrid>
+              <a:tr h="370840">
+                <a:tc>
+                  <a:txBody>
+                    <a:bodyPr/>
+                    <a:lstStyle/>
+                    <a:p>
+                      <a:pPr latinLnBrk="1"/>
+                      <a:r>
+                        <a:rPr lang="ko-KR" altLang="en-US" dirty="0" smtClean="0"/>
+                        <a:t>주차</a:t>
+                      </a:r>
+                      <a:endParaRPr lang="ko-KR" altLang="en-US" dirty="0"/>
+                    </a:p>
+                  </a:txBody>
+                  <a:tcPr/>
+                </a:tc>
+                <a:tc>
+                  <a:txBody>
+                    <a:bodyPr/>
+                    <a:lstStyle/>
+                    <a:p>
+                      <a:pPr latinLnBrk="1"/>
+                      <a:r>
+                        <a:rPr lang="ko-KR" altLang="en-US" dirty="0" smtClean="0"/>
+                        <a:t>계획</a:t>
+                      </a:r>
+                      <a:endParaRPr lang="ko-KR" altLang="en-US" dirty="0"/>
+                    </a:p>
+                  </a:txBody>
+                  <a:tcPr/>
+                </a:tc>
+                <a:tc>
+                  <a:txBody>
+                    <a:bodyPr/>
+                    <a:lstStyle/>
+                    <a:p>
+                      <a:pPr latinLnBrk="1"/>
+                      <a:r>
+                        <a:rPr lang="ko-KR" altLang="en-US" dirty="0" smtClean="0"/>
+                        <a:t>세부계획</a:t>
+                      </a:r>
+                      <a:endParaRPr lang="ko-KR" altLang="en-US" dirty="0"/>
+                    </a:p>
+                  </a:txBody>
+                  <a:tcPr/>
+                </a:tc>
+              </a:tr>
+              <a:tr h="370840">
+                <a:tc>
+                  <a:txBody>
+                    <a:bodyPr/>
+                    <a:lstStyle/>
+                    <a:p>
+                      <a:pPr latinLnBrk="1"/>
+                      <a:r>
+                        <a:rPr lang="en-US" altLang="ko-KR" dirty="0" smtClean="0"/>
+                        <a:t>1</a:t>
+                      </a:r>
+                      <a:r>
+                        <a:rPr lang="ko-KR" altLang="en-US" dirty="0" smtClean="0"/>
+                        <a:t>주</a:t>
+                      </a:r>
+                      <a:r>
+                        <a:rPr lang="en-US" altLang="ko-KR" dirty="0" smtClean="0"/>
+                        <a:t>(5.01~5.04)</a:t>
+                      </a:r>
+                      <a:endParaRPr lang="ko-KR" altLang="en-US" dirty="0"/>
+                    </a:p>
+                  </a:txBody>
+                  <a:tcPr/>
+                </a:tc>
+                <a:tc>
+                  <a:txBody>
+                    <a:bodyPr/>
+                    <a:lstStyle/>
+                    <a:p>
+                      <a:pPr latinLnBrk="1"/>
+                      <a:r>
+                        <a:rPr lang="ko-KR" altLang="en-US" dirty="0" err="1" smtClean="0"/>
+                        <a:t>파이썬</a:t>
+                      </a:r>
+                      <a:r>
+                        <a:rPr lang="ko-KR" altLang="en-US" dirty="0" smtClean="0"/>
+                        <a:t> 모듈</a:t>
+                      </a:r>
+                      <a:r>
+                        <a:rPr lang="en-US" altLang="ko-KR" dirty="0" smtClean="0"/>
+                        <a:t>,Open API</a:t>
+                      </a:r>
+                      <a:r>
+                        <a:rPr lang="ko-KR" altLang="en-US" dirty="0" smtClean="0"/>
+                        <a:t>조사</a:t>
+                      </a:r>
+                      <a:endParaRPr lang="en-US" altLang="ko-KR" dirty="0" smtClean="0"/>
+                    </a:p>
+                    <a:p>
+                      <a:pPr latinLnBrk="1"/>
+                      <a:r>
+                        <a:rPr lang="ko-KR" altLang="en-US" dirty="0" smtClean="0"/>
+                        <a:t>응용 </a:t>
+                      </a:r>
+                      <a:r>
+                        <a:rPr lang="ko-KR" altLang="en-US" dirty="0" err="1" smtClean="0"/>
+                        <a:t>앱</a:t>
+                      </a:r>
+                      <a:r>
+                        <a:rPr lang="ko-KR" altLang="en-US" dirty="0" smtClean="0"/>
+                        <a:t> 개발 예시 조사</a:t>
+                      </a:r>
+                      <a:endParaRPr lang="ko-KR" altLang="en-US" dirty="0"/>
+                    </a:p>
+                  </a:txBody>
+                  <a:tcPr/>
+                </a:tc>
+                <a:tc>
+                  <a:txBody>
+                    <a:bodyPr/>
+                    <a:lstStyle/>
+                    <a:p>
+                      <a:pPr latinLnBrk="1"/>
+                      <a:r>
+                        <a:rPr lang="ko-KR" altLang="en-US" dirty="0" smtClean="0"/>
+                        <a:t>국가 공공 데이터 포털 활용 사례 조사</a:t>
+                      </a:r>
+                      <a:endParaRPr lang="ko-KR" altLang="en-US" dirty="0"/>
+                    </a:p>
+                  </a:txBody>
+                  <a:tcPr/>
+                </a:tc>
+              </a:tr>
+              <a:tr h="370840">
+                <a:tc>
+                  <a:txBody>
+                    <a:bodyPr/>
+                    <a:lstStyle/>
+                    <a:p>
+                      <a:pPr latinLnBrk="1"/>
+                      <a:r>
+                        <a:rPr lang="en-US" altLang="ko-KR" dirty="0" smtClean="0"/>
+                        <a:t>2</a:t>
+                      </a:r>
+                      <a:r>
+                        <a:rPr lang="ko-KR" altLang="en-US" dirty="0" smtClean="0"/>
+                        <a:t>주</a:t>
+                      </a:r>
+                      <a:endParaRPr lang="en-US" altLang="ko-KR" dirty="0" smtClean="0"/>
+                    </a:p>
+                    <a:p>
+                      <a:pPr latinLnBrk="1"/>
+                      <a:r>
+                        <a:rPr lang="en-US" altLang="ko-KR" dirty="0" smtClean="0"/>
+                        <a:t>(5.05~5.11)</a:t>
+                      </a:r>
+                      <a:endParaRPr lang="ko-KR" altLang="en-US" dirty="0"/>
+                    </a:p>
+                  </a:txBody>
+                  <a:tcPr/>
+                </a:tc>
+                <a:tc>
+                  <a:txBody>
+                    <a:bodyPr/>
+                    <a:lstStyle/>
+                    <a:p>
+                      <a:pPr latinLnBrk="1"/>
+                      <a:r>
+                        <a:rPr lang="ko-KR" altLang="en-US" dirty="0" smtClean="0"/>
+                        <a:t>상세 기능 확인 및 구현 가능 기능</a:t>
+                      </a:r>
+                      <a:endParaRPr lang="ko-KR" altLang="en-US" dirty="0"/>
+                    </a:p>
+                  </a:txBody>
+                  <a:tcPr/>
+                </a:tc>
+                <a:tc>
+                  <a:txBody>
+                    <a:bodyPr/>
+                    <a:lstStyle/>
+                    <a:p>
+                      <a:pPr latinLnBrk="1"/>
+                      <a:r>
+                        <a:rPr lang="ko-KR" altLang="en-US" dirty="0" smtClean="0"/>
+                        <a:t>유기동물 정보 서비스 </a:t>
+                      </a:r>
+                      <a:r>
+                        <a:rPr lang="en-US" altLang="ko-KR" dirty="0" smtClean="0"/>
+                        <a:t>API</a:t>
+                      </a:r>
+                      <a:r>
+                        <a:rPr lang="ko-KR" altLang="en-US" dirty="0" smtClean="0"/>
+                        <a:t>를 동해 구현 가능한 기능조사</a:t>
+                      </a:r>
+                      <a:endParaRPr lang="ko-KR" altLang="en-US" dirty="0"/>
+                    </a:p>
+                  </a:txBody>
+                  <a:tcPr/>
+                </a:tc>
+              </a:tr>
+              <a:tr h="370840">
+                <a:tc>
+                  <a:txBody>
+                    <a:bodyPr/>
+                    <a:lstStyle/>
+                    <a:p>
+                      <a:pPr latinLnBrk="1"/>
+                      <a:r>
+                        <a:rPr lang="en-US" altLang="ko-KR" dirty="0" smtClean="0"/>
+                        <a:t>3</a:t>
+                      </a:r>
+                      <a:r>
+                        <a:rPr lang="ko-KR" altLang="en-US" dirty="0" smtClean="0"/>
+                        <a:t>주</a:t>
+                      </a:r>
+                      <a:endParaRPr lang="en-US" altLang="ko-KR" dirty="0" smtClean="0"/>
+                    </a:p>
+                    <a:p>
+                      <a:pPr latinLnBrk="1"/>
+                      <a:r>
+                        <a:rPr lang="en-US" altLang="ko-KR" dirty="0" smtClean="0"/>
+                        <a:t>(5.12~5.18)</a:t>
+                      </a:r>
+                      <a:endParaRPr lang="ko-KR" altLang="en-US" dirty="0"/>
+                    </a:p>
+                  </a:txBody>
+                  <a:tcPr/>
+                </a:tc>
+                <a:tc>
+                  <a:txBody>
+                    <a:bodyPr/>
+                    <a:lstStyle/>
+                    <a:p>
+                      <a:pPr latinLnBrk="1"/>
+                      <a:r>
+                        <a:rPr lang="ko-KR" altLang="en-US" dirty="0" smtClean="0"/>
+                        <a:t>기획발표 </a:t>
+                      </a:r>
+                      <a:r>
+                        <a:rPr lang="en-US" altLang="ko-KR" dirty="0" smtClean="0"/>
+                        <a:t>5.16</a:t>
+                      </a:r>
+                    </a:p>
+                    <a:p>
+                      <a:pPr latinLnBrk="1"/>
+                      <a:r>
+                        <a:rPr lang="en-US" altLang="ko-KR" dirty="0" smtClean="0"/>
+                        <a:t>Open</a:t>
+                      </a:r>
+                      <a:r>
+                        <a:rPr lang="en-US" altLang="ko-KR" baseline="0" dirty="0" smtClean="0"/>
+                        <a:t> API </a:t>
+                      </a:r>
+                      <a:r>
+                        <a:rPr lang="ko-KR" altLang="en-US" baseline="0" dirty="0" smtClean="0"/>
+                        <a:t>연동 구현</a:t>
+                      </a:r>
+                      <a:endParaRPr lang="ko-KR" altLang="en-US" dirty="0"/>
+                    </a:p>
+                  </a:txBody>
+                  <a:tcPr/>
+                </a:tc>
+                <a:tc>
+                  <a:txBody>
+                    <a:bodyPr/>
+                    <a:lstStyle/>
+                    <a:p>
+                      <a:pPr latinLnBrk="1"/>
+                      <a:r>
+                        <a:rPr lang="ko-KR" altLang="en-US" dirty="0" smtClean="0"/>
+                        <a:t>국가 공공 데이터 포털 </a:t>
+                      </a:r>
+                      <a:r>
+                        <a:rPr lang="en-US" altLang="ko-KR" dirty="0" smtClean="0"/>
+                        <a:t>Open</a:t>
+                      </a:r>
+                      <a:r>
+                        <a:rPr lang="en-US" altLang="ko-KR" baseline="0" dirty="0" smtClean="0"/>
+                        <a:t> API </a:t>
+                      </a:r>
+                      <a:r>
+                        <a:rPr lang="ko-KR" altLang="en-US" baseline="0" dirty="0" smtClean="0"/>
+                        <a:t>활용</a:t>
+                      </a:r>
+                      <a:endParaRPr lang="ko-KR" altLang="en-US" dirty="0"/>
+                    </a:p>
+                  </a:txBody>
+                  <a:tcPr/>
+                </a:tc>
+              </a:tr>
+              <a:tr h="370840">
+                <a:tc>
+                  <a:txBody>
+                    <a:bodyPr/>
+                    <a:lstStyle/>
+                    <a:p>
+                      <a:pPr latinLnBrk="1"/>
+                      <a:r>
+                        <a:rPr lang="en-US" altLang="ko-KR" dirty="0" smtClean="0"/>
+                        <a:t>4</a:t>
+                      </a:r>
+                      <a:r>
+                        <a:rPr lang="ko-KR" altLang="en-US" dirty="0" smtClean="0"/>
+                        <a:t>주</a:t>
+                      </a:r>
+                      <a:endParaRPr lang="en-US" altLang="ko-KR" dirty="0" smtClean="0"/>
+                    </a:p>
+                    <a:p>
+                      <a:pPr latinLnBrk="1"/>
+                      <a:r>
+                        <a:rPr lang="en-US" altLang="ko-KR" dirty="0" smtClean="0"/>
+                        <a:t>(5.19~5.25)</a:t>
+                      </a:r>
+                      <a:endParaRPr lang="ko-KR" altLang="en-US" dirty="0"/>
+                    </a:p>
+                  </a:txBody>
+                  <a:tcPr/>
+                </a:tc>
+                <a:tc>
+                  <a:txBody>
+                    <a:bodyPr/>
+                    <a:lstStyle/>
+                    <a:p>
+                      <a:pPr latinLnBrk="1"/>
+                      <a:r>
+                        <a:rPr lang="ko-KR" altLang="en-US" dirty="0" smtClean="0"/>
+                        <a:t>다양한 검색 및 조회 기능 구현</a:t>
+                      </a:r>
+                      <a:endParaRPr lang="ko-KR" altLang="en-US" dirty="0"/>
+                    </a:p>
+                  </a:txBody>
+                  <a:tcPr/>
+                </a:tc>
+                <a:tc>
+                  <a:txBody>
+                    <a:bodyPr/>
+                    <a:lstStyle/>
+                    <a:p>
+                      <a:pPr latinLnBrk="1"/>
+                      <a:r>
+                        <a:rPr lang="ko-KR" altLang="en-US" dirty="0" smtClean="0"/>
+                        <a:t>유기동물 정보 조회</a:t>
+                      </a:r>
+                      <a:r>
+                        <a:rPr lang="en-US" altLang="ko-KR" dirty="0" smtClean="0"/>
+                        <a:t>, </a:t>
+                      </a:r>
+                      <a:r>
+                        <a:rPr lang="ko-KR" altLang="en-US" dirty="0" smtClean="0"/>
+                        <a:t>보호소 조회</a:t>
+                      </a:r>
+                      <a:endParaRPr lang="ko-KR" altLang="en-US" dirty="0"/>
+                    </a:p>
+                  </a:txBody>
+                  <a:tcPr/>
+                </a:tc>
+              </a:tr>
+              <a:tr h="370840">
+                <a:tc>
+                  <a:txBody>
+                    <a:bodyPr/>
+                    <a:lstStyle/>
+                    <a:p>
+                      <a:pPr latinLnBrk="1"/>
+                      <a:r>
+                        <a:rPr lang="en-US" altLang="ko-KR" dirty="0" smtClean="0"/>
+                        <a:t>5</a:t>
+                      </a:r>
+                      <a:r>
+                        <a:rPr lang="ko-KR" altLang="en-US" dirty="0" smtClean="0"/>
+                        <a:t>주</a:t>
+                      </a:r>
+                      <a:endParaRPr lang="en-US" altLang="ko-KR" dirty="0" smtClean="0"/>
+                    </a:p>
+                    <a:p>
+                      <a:pPr latinLnBrk="1"/>
+                      <a:r>
+                        <a:rPr lang="en-US" altLang="ko-KR" dirty="0" smtClean="0"/>
+                        <a:t>(5.26~6.01)</a:t>
+                      </a:r>
+                      <a:endParaRPr lang="ko-KR" altLang="en-US" dirty="0"/>
+                    </a:p>
+                  </a:txBody>
+                  <a:tcPr/>
+                </a:tc>
+                <a:tc>
+                  <a:txBody>
+                    <a:bodyPr/>
+                    <a:lstStyle/>
+                    <a:p>
+                      <a:pPr latinLnBrk="1"/>
+                      <a:r>
+                        <a:rPr lang="ko-KR" altLang="en-US" dirty="0" smtClean="0"/>
+                        <a:t>중간발표 </a:t>
+                      </a:r>
+                      <a:r>
+                        <a:rPr lang="en-US" altLang="ko-KR" dirty="0" smtClean="0"/>
+                        <a:t>5.29</a:t>
+                      </a:r>
+                    </a:p>
+                    <a:p>
+                      <a:pPr marL="0" marR="0" indent="0" algn="l" defTabSz="914400" rtl="0" eaLnBrk="1" fontAlgn="auto" latinLnBrk="1" hangingPunct="1">
+                        <a:lnSpc>
+                          <a:spcPct val="100000"/>
+                        </a:lnSpc>
+                        <a:spcBef>
+                          <a:spcPts val="0"/>
+                        </a:spcBef>
+                        <a:spcAft>
+                          <a:spcPts val="0"/>
+                        </a:spcAft>
+                        <a:buClrTx/>
+                        <a:buSzTx/>
+                        <a:buFontTx/>
+                        <a:buNone/>
+                        <a:tabLst/>
+                        <a:defRPr/>
+                      </a:pPr>
+                      <a:r>
+                        <a:rPr lang="ko-KR" altLang="en-US" dirty="0" smtClean="0"/>
+                        <a:t>검색 </a:t>
+                      </a:r>
+                      <a:r>
+                        <a:rPr lang="ko-KR" altLang="en-US" dirty="0" err="1" smtClean="0"/>
+                        <a:t>필터링</a:t>
+                      </a:r>
+                      <a:r>
+                        <a:rPr lang="ko-KR" altLang="en-US" dirty="0" smtClean="0"/>
+                        <a:t> 기능</a:t>
+                      </a:r>
+                      <a:r>
+                        <a:rPr lang="ko-KR" altLang="en-US" baseline="0" dirty="0" smtClean="0"/>
+                        <a:t> 구현</a:t>
+                      </a:r>
+                      <a:endParaRPr lang="ko-KR" altLang="en-US" dirty="0" smtClean="0"/>
+                    </a:p>
+                  </a:txBody>
+                  <a:tcPr/>
+                </a:tc>
+                <a:tc>
+                  <a:txBody>
+                    <a:bodyPr/>
+                    <a:lstStyle/>
+                    <a:p>
+                      <a:r>
+                        <a:rPr lang="en-US" altLang="ko-KR" dirty="0" err="1" smtClean="0"/>
+                        <a:t>Youtube</a:t>
+                      </a:r>
+                      <a:r>
+                        <a:rPr lang="en-US" altLang="ko-KR" baseline="0" dirty="0" smtClean="0"/>
+                        <a:t> </a:t>
+                      </a:r>
+                      <a:r>
+                        <a:rPr lang="ko-KR" altLang="en-US" baseline="0" dirty="0" smtClean="0"/>
+                        <a:t>활용 중간 시연 발표</a:t>
+                      </a:r>
+                      <a:r>
+                        <a:rPr lang="en-US" altLang="ko-KR" baseline="0" dirty="0" smtClean="0"/>
+                        <a:t> , </a:t>
+                      </a:r>
+                      <a:r>
+                        <a:rPr lang="ko-KR" altLang="en-US" baseline="0" dirty="0" smtClean="0"/>
+                        <a:t>검색 </a:t>
+                      </a:r>
+                      <a:r>
+                        <a:rPr lang="ko-KR" altLang="en-US" baseline="0" dirty="0" err="1" smtClean="0"/>
+                        <a:t>필터링</a:t>
+                      </a:r>
+                      <a:r>
+                        <a:rPr lang="ko-KR" altLang="en-US" baseline="0" dirty="0" smtClean="0"/>
+                        <a:t> 기능 구현</a:t>
+                      </a:r>
+                      <a:endParaRPr lang="ko-KR" altLang="en-US" dirty="0"/>
+                    </a:p>
+                  </a:txBody>
+                  <a:tcPr/>
+                </a:tc>
+              </a:tr>
+              <a:tr h="705832">
+                <a:tc>
+                  <a:txBody>
+                    <a:bodyPr/>
+                    <a:lstStyle/>
+                    <a:p>
+                      <a:pPr latinLnBrk="1"/>
+                      <a:r>
+                        <a:rPr lang="en-US" altLang="ko-KR" dirty="0" smtClean="0"/>
+                        <a:t>6</a:t>
+                      </a:r>
+                      <a:r>
+                        <a:rPr lang="ko-KR" altLang="en-US" dirty="0" smtClean="0"/>
+                        <a:t>주</a:t>
+                      </a:r>
+                      <a:endParaRPr lang="en-US" altLang="ko-KR" dirty="0" smtClean="0"/>
+                    </a:p>
+                    <a:p>
+                      <a:pPr latinLnBrk="1"/>
+                      <a:r>
+                        <a:rPr lang="en-US" altLang="ko-KR" dirty="0" smtClean="0"/>
+                        <a:t>(6.02~6.08)</a:t>
+                      </a:r>
+                      <a:endParaRPr lang="ko-KR" altLang="en-US" dirty="0"/>
+                    </a:p>
+                  </a:txBody>
+                  <a:tcPr/>
+                </a:tc>
+                <a:tc>
+                  <a:txBody>
+                    <a:bodyPr/>
+                    <a:lstStyle/>
+                    <a:p>
+                      <a:pPr latinLnBrk="1"/>
+                      <a:r>
+                        <a:rPr lang="en-US" altLang="ko-KR" dirty="0" err="1" smtClean="0"/>
+                        <a:t>tkinter</a:t>
+                      </a:r>
+                      <a:r>
+                        <a:rPr lang="en-US" altLang="ko-KR" dirty="0" smtClean="0"/>
+                        <a:t> GUI </a:t>
+                      </a:r>
+                      <a:r>
+                        <a:rPr lang="ko-KR" altLang="en-US" dirty="0" smtClean="0"/>
+                        <a:t>구현</a:t>
+                      </a:r>
+                      <a:endParaRPr lang="ko-KR" altLang="en-US" dirty="0"/>
+                    </a:p>
+                  </a:txBody>
+                  <a:tcPr/>
+                </a:tc>
+                <a:tc>
+                  <a:txBody>
+                    <a:bodyPr/>
+                    <a:lstStyle/>
+                    <a:p>
+                      <a:r>
+                        <a:rPr lang="en-US" altLang="ko-KR" dirty="0" err="1" smtClean="0"/>
+                        <a:t>tkinter</a:t>
+                      </a:r>
+                      <a:r>
+                        <a:rPr lang="en-US" altLang="ko-KR" dirty="0" smtClean="0"/>
+                        <a:t> GUI </a:t>
+                      </a:r>
+                      <a:r>
+                        <a:rPr lang="ko-KR" altLang="en-US" dirty="0" smtClean="0"/>
+                        <a:t>를 통해 인터페이스를 구현</a:t>
+                      </a:r>
+                      <a:endParaRPr lang="ko-KR" altLang="en-US" dirty="0"/>
+                    </a:p>
+                  </a:txBody>
+                  <a:tcPr/>
+                </a:tc>
+              </a:tr>
+              <a:tr h="619472">
+                <a:tc>
+                  <a:txBody>
+                    <a:bodyPr/>
+                    <a:lstStyle/>
+                    <a:p>
+                      <a:pPr latinLnBrk="1"/>
+                      <a:r>
+                        <a:rPr lang="en-US" altLang="ko-KR" dirty="0" smtClean="0"/>
+                        <a:t>7</a:t>
+                      </a:r>
+                      <a:r>
+                        <a:rPr lang="ko-KR" altLang="en-US" dirty="0" smtClean="0"/>
+                        <a:t>주</a:t>
+                      </a:r>
+                      <a:endParaRPr lang="en-US" altLang="ko-KR" dirty="0" smtClean="0"/>
+                    </a:p>
+                    <a:p>
+                      <a:pPr latinLnBrk="1"/>
+                      <a:r>
+                        <a:rPr lang="en-US" altLang="ko-KR" dirty="0" smtClean="0"/>
+                        <a:t>(6.09~6.15)</a:t>
+                      </a:r>
+                      <a:endParaRPr lang="ko-KR" altLang="en-US" dirty="0"/>
+                    </a:p>
+                  </a:txBody>
+                  <a:tcPr/>
+                </a:tc>
+                <a:tc>
+                  <a:txBody>
+                    <a:bodyPr/>
+                    <a:lstStyle/>
+                    <a:p>
+                      <a:pPr marL="0" marR="0" indent="0" algn="l" defTabSz="914400" rtl="0" eaLnBrk="1" fontAlgn="auto" latinLnBrk="1" hangingPunct="1">
+                        <a:lnSpc>
+                          <a:spcPct val="100000"/>
+                        </a:lnSpc>
+                        <a:spcBef>
+                          <a:spcPts val="0"/>
+                        </a:spcBef>
+                        <a:spcAft>
+                          <a:spcPts val="0"/>
+                        </a:spcAft>
+                        <a:buClrTx/>
+                        <a:buSzTx/>
+                        <a:buFontTx/>
+                        <a:buNone/>
+                        <a:tabLst/>
+                        <a:defRPr/>
+                      </a:pPr>
+                      <a:r>
+                        <a:rPr lang="ko-KR" altLang="en-US" dirty="0" err="1" smtClean="0"/>
+                        <a:t>이메일</a:t>
+                      </a:r>
+                      <a:r>
+                        <a:rPr lang="en-US" altLang="ko-KR" dirty="0" smtClean="0"/>
+                        <a:t>,</a:t>
+                      </a:r>
+                      <a:r>
+                        <a:rPr lang="en-US" altLang="ko-KR" baseline="0" dirty="0" smtClean="0"/>
+                        <a:t> </a:t>
+                      </a:r>
+                      <a:r>
+                        <a:rPr lang="ko-KR" altLang="en-US" baseline="0" dirty="0" smtClean="0"/>
+                        <a:t>정렬기능</a:t>
+                      </a:r>
+                      <a:endParaRPr lang="ko-KR" altLang="en-US" dirty="0" smtClean="0"/>
+                    </a:p>
+                    <a:p>
+                      <a:pPr latinLnBrk="1"/>
+                      <a:endParaRPr lang="ko-KR" altLang="en-US" dirty="0"/>
+                    </a:p>
+                  </a:txBody>
+                  <a:tcPr/>
+                </a:tc>
+                <a:tc>
+                  <a:txBody>
+                    <a:bodyPr/>
+                    <a:lstStyle/>
+                    <a:p>
+                      <a:pPr marL="0" marR="0" indent="0" algn="l" defTabSz="914400" rtl="0" eaLnBrk="1" fontAlgn="auto" latinLnBrk="1" hangingPunct="1">
+                        <a:lnSpc>
+                          <a:spcPct val="100000"/>
+                        </a:lnSpc>
+                        <a:spcBef>
+                          <a:spcPts val="0"/>
+                        </a:spcBef>
+                        <a:spcAft>
+                          <a:spcPts val="0"/>
+                        </a:spcAft>
+                        <a:buClrTx/>
+                        <a:buSzTx/>
+                        <a:buFontTx/>
+                        <a:buNone/>
+                        <a:tabLst/>
+                        <a:defRPr/>
+                      </a:pPr>
+                      <a:r>
+                        <a:rPr lang="ko-KR" altLang="en-US" baseline="0" dirty="0" smtClean="0"/>
+                        <a:t>정렬 기능</a:t>
+                      </a:r>
+                      <a:r>
+                        <a:rPr lang="en-US" altLang="ko-KR" baseline="0" dirty="0" smtClean="0"/>
+                        <a:t>, </a:t>
+                      </a:r>
+                      <a:r>
+                        <a:rPr lang="ko-KR" altLang="en-US" baseline="0" dirty="0" err="1" smtClean="0"/>
+                        <a:t>이메일</a:t>
+                      </a:r>
+                      <a:r>
+                        <a:rPr lang="ko-KR" altLang="en-US" baseline="0" dirty="0" smtClean="0"/>
+                        <a:t> 전송 등 추가 기능 구현</a:t>
+                      </a:r>
+                      <a:endParaRPr lang="ko-KR" altLang="en-US" dirty="0" smtClean="0"/>
+                    </a:p>
+                  </a:txBody>
+                  <a:tcPr/>
+                </a:tc>
+              </a:tr>
+              <a:tr h="370840">
+                <a:tc>
+                  <a:txBody>
+                    <a:bodyPr/>
+                    <a:lstStyle/>
+                    <a:p>
+                      <a:pPr latinLnBrk="1"/>
+                      <a:r>
+                        <a:rPr lang="en-US" altLang="ko-KR" dirty="0" smtClean="0"/>
+                        <a:t>8</a:t>
+                      </a:r>
+                      <a:r>
+                        <a:rPr lang="ko-KR" altLang="en-US" dirty="0" smtClean="0"/>
+                        <a:t>주</a:t>
+                      </a:r>
+                      <a:endParaRPr lang="en-US" altLang="ko-KR" dirty="0" smtClean="0"/>
+                    </a:p>
+                    <a:p>
+                      <a:pPr latinLnBrk="1"/>
+                      <a:r>
+                        <a:rPr lang="en-US" altLang="ko-KR" dirty="0" smtClean="0"/>
+                        <a:t>(6.16~6.22)</a:t>
+                      </a:r>
+                      <a:endParaRPr lang="ko-KR" altLang="en-US" dirty="0"/>
+                    </a:p>
+                  </a:txBody>
+                  <a:tcPr/>
+                </a:tc>
+                <a:tc>
+                  <a:txBody>
+                    <a:bodyPr/>
+                    <a:lstStyle/>
+                    <a:p>
+                      <a:pPr latinLnBrk="1"/>
+                      <a:r>
+                        <a:rPr lang="ko-KR" altLang="en-US" dirty="0" smtClean="0"/>
+                        <a:t>최종발표 </a:t>
+                      </a:r>
+                      <a:r>
+                        <a:rPr lang="en-US" altLang="ko-KR" dirty="0" smtClean="0"/>
+                        <a:t>6.20</a:t>
+                      </a:r>
+                      <a:endParaRPr lang="ko-KR" altLang="en-US" dirty="0"/>
+                    </a:p>
+                  </a:txBody>
+                  <a:tcPr/>
+                </a:tc>
+                <a:tc>
+                  <a:txBody>
+                    <a:bodyPr/>
+                    <a:lstStyle/>
+                    <a:p>
+                      <a:pPr latinLnBrk="1"/>
+                      <a:r>
+                        <a:rPr lang="en-US" altLang="ko-KR" dirty="0" err="1" smtClean="0"/>
+                        <a:t>Youtube</a:t>
+                      </a:r>
+                      <a:r>
+                        <a:rPr lang="en-US" altLang="ko-KR" baseline="0" dirty="0" smtClean="0"/>
+                        <a:t> </a:t>
+                      </a:r>
+                      <a:r>
+                        <a:rPr lang="ko-KR" altLang="en-US" baseline="0" dirty="0" smtClean="0"/>
+                        <a:t>활용 최종 시연 발표</a:t>
+                      </a:r>
+                      <a:r>
+                        <a:rPr lang="en-US" altLang="ko-KR" baseline="0" dirty="0" smtClean="0"/>
+                        <a:t> </a:t>
+                      </a:r>
+                      <a:endParaRPr lang="ko-KR" altLang="en-US" dirty="0"/>
+                    </a:p>
+                  </a:txBody>
+                  <a:tcPr/>
+                </a:tc>
+              </a:tr>
+            </a:tbl>
+          </a:graphicData>
+        </a:graphic>
+      </p:graphicFrame>
     </p:spTree>
     <p:extLst>
       <p:ext uri="{BB962C8B-B14F-4D97-AF65-F5344CB8AC3E}">

--- a/스크립트언어 팀플.pptx
+++ b/스크립트언어 팀플.pptx
@@ -10,7 +10,8 @@
     <p:sldId id="258" r:id="rId4"/>
     <p:sldId id="259" r:id="rId5"/>
     <p:sldId id="260" r:id="rId6"/>
-    <p:sldId id="261" r:id="rId7"/>
+    <p:sldId id="262" r:id="rId7"/>
+    <p:sldId id="261" r:id="rId8"/>
   </p:sldIdLst>
   <p:sldSz cx="9144000" cy="6858000" type="screen4x3"/>
   <p:notesSz cx="6858000" cy="9144000"/>
@@ -3694,7 +3695,7 @@
         </p:spPr>
         <p:txBody>
           <a:bodyPr>
-            <a:normAutofit fontScale="92500" lnSpcReduction="10000"/>
+            <a:normAutofit fontScale="77500" lnSpcReduction="20000"/>
           </a:bodyPr>
           <a:lstStyle/>
           <a:p>
@@ -3737,6 +3738,24 @@
             <a:r>
               <a:rPr lang="ko-KR" altLang="en-US" sz="3600" dirty="0" smtClean="0"/>
               <a:t>구현기능</a:t>
+            </a:r>
+            <a:endParaRPr lang="en-US" altLang="ko-KR" sz="3600" dirty="0" smtClean="0"/>
+          </a:p>
+          <a:p>
+            <a:endParaRPr lang="en-US" altLang="ko-KR" sz="3600" dirty="0"/>
+          </a:p>
+          <a:p>
+            <a:r>
+              <a:rPr lang="en-US" altLang="ko-KR" sz="3600" dirty="0" err="1" smtClean="0"/>
+              <a:t>Tkinter</a:t>
+            </a:r>
+            <a:r>
+              <a:rPr lang="en-US" altLang="ko-KR" sz="3600" dirty="0"/>
+              <a:t> </a:t>
+            </a:r>
+            <a:r>
+              <a:rPr lang="en-US" altLang="ko-KR" sz="3600" dirty="0" smtClean="0"/>
+              <a:t>GUI </a:t>
             </a:r>
             <a:endParaRPr lang="en-US" altLang="ko-KR" sz="3600" dirty="0" smtClean="0"/>
           </a:p>
@@ -3864,53 +3883,65 @@
             </a:r>
             <a:r>
               <a:rPr lang="ko-KR" altLang="en-US" dirty="0" smtClean="0"/>
-              <a:t>의 정보를 </a:t>
+              <a:t>의 정보를 조회</a:t>
+            </a:r>
+            <a:endParaRPr lang="en-US" altLang="ko-KR" dirty="0"/>
+          </a:p>
+          <a:p>
+            <a:pPr marL="0" indent="0">
+              <a:buNone/>
+            </a:pPr>
+            <a:r>
+              <a:rPr lang="en-US" altLang="ko-KR" dirty="0" smtClean="0"/>
+              <a:t>	</a:t>
+            </a:r>
+            <a:r>
+              <a:rPr lang="ko-KR" altLang="en-US" dirty="0" smtClean="0"/>
+              <a:t>정보 </a:t>
+            </a:r>
+            <a:r>
+              <a:rPr lang="ko-KR" altLang="en-US" dirty="0"/>
+              <a:t>조회</a:t>
+            </a:r>
+            <a:r>
+              <a:rPr lang="en-US" altLang="ko-KR" dirty="0"/>
+              <a:t>, </a:t>
+            </a:r>
+            <a:r>
+              <a:rPr lang="ko-KR" altLang="en-US" dirty="0"/>
+              <a:t>품종 </a:t>
+            </a:r>
+            <a:r>
+              <a:rPr lang="ko-KR" altLang="en-US" dirty="0" smtClean="0"/>
+              <a:t>조</a:t>
+            </a:r>
+            <a:r>
+              <a:rPr lang="ko-KR" altLang="en-US" dirty="0"/>
+              <a:t>회</a:t>
+            </a:r>
+            <a:r>
+              <a:rPr lang="en-US" altLang="ko-KR" dirty="0" smtClean="0"/>
+              <a:t>, </a:t>
+            </a:r>
+            <a:r>
+              <a:rPr lang="ko-KR" altLang="en-US" dirty="0"/>
+              <a:t>보호소 </a:t>
             </a:r>
             <a:r>
               <a:rPr lang="ko-KR" altLang="en-US" dirty="0" smtClean="0"/>
               <a:t>조회</a:t>
             </a:r>
-            <a:endParaRPr lang="en-US" altLang="ko-KR" dirty="0"/>
-          </a:p>
-          <a:p>
-            <a:pPr marL="0" indent="0">
-              <a:buNone/>
-            </a:pPr>
             <a:r>
               <a:rPr lang="en-US" altLang="ko-KR" dirty="0" smtClean="0"/>
-              <a:t>	</a:t>
+              <a:t>, </a:t>
             </a:r>
             <a:r>
               <a:rPr lang="ko-KR" altLang="en-US" dirty="0" smtClean="0"/>
-              <a:t>정보 </a:t>
-            </a:r>
-            <a:r>
-              <a:rPr lang="ko-KR" altLang="en-US" dirty="0"/>
-              <a:t>조회</a:t>
-            </a:r>
-            <a:r>
-              <a:rPr lang="en-US" altLang="ko-KR" dirty="0"/>
-              <a:t>, </a:t>
-            </a:r>
-            <a:r>
-              <a:rPr lang="ko-KR" altLang="en-US" dirty="0"/>
-              <a:t>품종 조건</a:t>
-            </a:r>
-            <a:r>
-              <a:rPr lang="en-US" altLang="ko-KR" dirty="0"/>
-              <a:t>, </a:t>
-            </a:r>
-            <a:r>
-              <a:rPr lang="ko-KR" altLang="en-US" dirty="0"/>
-              <a:t>보호소 조건</a:t>
-            </a:r>
-            <a:r>
-              <a:rPr lang="en-US" altLang="ko-KR" dirty="0"/>
-              <a:t>, </a:t>
-            </a:r>
-            <a:r>
-              <a:rPr lang="ko-KR" altLang="en-US" dirty="0" err="1"/>
-              <a:t>시군구</a:t>
+              <a:t>시 </a:t>
+            </a:r>
+            <a:r>
+              <a:rPr lang="ko-KR" altLang="en-US" dirty="0" err="1" smtClean="0"/>
+              <a:t>군구</a:t>
             </a:r>
             <a:r>
               <a:rPr lang="en-US" altLang="ko-KR" dirty="0"/>
@@ -3918,7 +3949,11 @@
             </a:r>
             <a:r>
               <a:rPr lang="ko-KR" altLang="en-US" dirty="0"/>
-              <a:t>시도 조건</a:t>
+              <a:t>시도 </a:t>
+            </a:r>
+            <a:r>
+              <a:rPr lang="ko-KR" altLang="en-US" dirty="0" smtClean="0"/>
+              <a:t>조회</a:t>
             </a:r>
             <a:endParaRPr lang="en-US" altLang="ko-KR" dirty="0" smtClean="0"/>
           </a:p>
@@ -4278,6 +4313,877 @@
         </p:nvSpPr>
         <p:spPr>
           <a:xfrm>
+            <a:off x="395536" y="-459432"/>
+            <a:ext cx="7924800" cy="1143000"/>
+          </a:xfrm>
+        </p:spPr>
+        <p:txBody>
+          <a:bodyPr/>
+          <a:lstStyle/>
+          <a:p>
+            <a:r>
+              <a:rPr lang="en-US" altLang="ko-KR" sz="3200" dirty="0" err="1"/>
+              <a:t>Tkinter</a:t>
+            </a:r>
+            <a:r>
+              <a:rPr lang="en-US" altLang="ko-KR" sz="3200" dirty="0"/>
+              <a:t> GUI </a:t>
+            </a:r>
+          </a:p>
+        </p:txBody>
+      </p:sp>
+      <p:sp>
+        <p:nvSpPr>
+          <p:cNvPr id="3" name="내용 개체 틀 2"/>
+          <p:cNvSpPr>
+            <a:spLocks noGrp="1"/>
+          </p:cNvSpPr>
+          <p:nvPr>
+            <p:ph sz="quarter" idx="13"/>
+          </p:nvPr>
+        </p:nvSpPr>
+        <p:spPr>
+          <a:xfrm>
+            <a:off x="5700856" y="1527249"/>
+            <a:ext cx="3419872" cy="4091860"/>
+          </a:xfrm>
+        </p:spPr>
+        <p:txBody>
+          <a:bodyPr>
+            <a:normAutofit fontScale="92500" lnSpcReduction="20000"/>
+          </a:bodyPr>
+          <a:lstStyle/>
+          <a:p>
+            <a:r>
+              <a:rPr lang="ko-KR" altLang="en-US" dirty="0" smtClean="0"/>
+              <a:t>유기 동물의 검색결과가 나온다</a:t>
+            </a:r>
+            <a:endParaRPr lang="en-US" altLang="ko-KR" dirty="0"/>
+          </a:p>
+          <a:p>
+            <a:r>
+              <a:rPr lang="ko-KR" altLang="en-US" dirty="0" smtClean="0"/>
+              <a:t>보호소 주소</a:t>
+            </a:r>
+            <a:endParaRPr lang="en-US" altLang="ko-KR" dirty="0" smtClean="0"/>
+          </a:p>
+          <a:p>
+            <a:r>
+              <a:rPr lang="ko-KR" altLang="en-US" dirty="0" smtClean="0"/>
+              <a:t>보호소 </a:t>
+            </a:r>
+            <a:r>
+              <a:rPr lang="ko-KR" altLang="en-US" dirty="0"/>
+              <a:t>이름</a:t>
+            </a:r>
+          </a:p>
+          <a:p>
+            <a:r>
+              <a:rPr lang="ko-KR" altLang="en-US" dirty="0" smtClean="0"/>
+              <a:t>보호소 번호</a:t>
+            </a:r>
+            <a:endParaRPr lang="en-US" altLang="ko-KR" dirty="0" smtClean="0"/>
+          </a:p>
+          <a:p>
+            <a:r>
+              <a:rPr lang="ko-KR" altLang="en-US" dirty="0" smtClean="0"/>
+              <a:t>나이</a:t>
+            </a:r>
+            <a:endParaRPr lang="ko-KR" altLang="en-US" dirty="0"/>
+          </a:p>
+          <a:p>
+            <a:r>
+              <a:rPr lang="ko-KR" altLang="en-US" dirty="0" smtClean="0"/>
+              <a:t>털 색깔</a:t>
+            </a:r>
+            <a:endParaRPr lang="en-US" altLang="ko-KR" dirty="0"/>
+          </a:p>
+          <a:p>
+            <a:r>
+              <a:rPr lang="ko-KR" altLang="en-US" dirty="0" smtClean="0"/>
+              <a:t>유기날짜</a:t>
+            </a:r>
+            <a:endParaRPr lang="ko-KR" altLang="en-US" dirty="0"/>
+          </a:p>
+          <a:p>
+            <a:r>
+              <a:rPr lang="ko-KR" altLang="en-US" dirty="0" smtClean="0"/>
+              <a:t>종</a:t>
+            </a:r>
+            <a:endParaRPr lang="ko-KR" altLang="en-US" dirty="0"/>
+          </a:p>
+          <a:p>
+            <a:r>
+              <a:rPr lang="ko-KR" altLang="en-US" dirty="0" smtClean="0"/>
+              <a:t>성별</a:t>
+            </a:r>
+            <a:endParaRPr lang="ko-KR" altLang="en-US" dirty="0"/>
+          </a:p>
+          <a:p>
+            <a:r>
+              <a:rPr lang="ko-KR" altLang="en-US" dirty="0" smtClean="0"/>
+              <a:t>상태 </a:t>
+            </a:r>
+            <a:r>
+              <a:rPr lang="ko-KR" altLang="en-US" dirty="0"/>
+              <a:t>안락사</a:t>
+            </a:r>
+            <a:r>
+              <a:rPr lang="en-US" altLang="ko-KR" dirty="0"/>
+              <a:t>,</a:t>
+            </a:r>
+            <a:r>
+              <a:rPr lang="ko-KR" altLang="en-US" dirty="0"/>
+              <a:t>반환</a:t>
+            </a:r>
+            <a:r>
+              <a:rPr lang="en-US" altLang="ko-KR" dirty="0"/>
+              <a:t>,</a:t>
+            </a:r>
+            <a:r>
+              <a:rPr lang="ko-KR" altLang="en-US" dirty="0"/>
+              <a:t>입양 등</a:t>
+            </a:r>
+            <a:r>
+              <a:rPr lang="en-US" altLang="ko-KR" dirty="0"/>
+              <a:t>.</a:t>
+            </a:r>
+          </a:p>
+          <a:p>
+            <a:r>
+              <a:rPr lang="ko-KR" altLang="en-US" dirty="0" smtClean="0"/>
+              <a:t>특징</a:t>
+            </a:r>
+            <a:endParaRPr lang="ko-KR" altLang="en-US" dirty="0"/>
+          </a:p>
+          <a:p>
+            <a:r>
+              <a:rPr lang="ko-KR" altLang="en-US" dirty="0" smtClean="0"/>
+              <a:t>몸무게</a:t>
+            </a:r>
+            <a:endParaRPr lang="en-US" altLang="ko-KR" dirty="0" smtClean="0"/>
+          </a:p>
+        </p:txBody>
+      </p:sp>
+      <p:pic>
+        <p:nvPicPr>
+          <p:cNvPr id="1026" name="Picture 2" descr="C:\Users\jsy\Desktop\제목 없음.png"/>
+          <p:cNvPicPr>
+            <a:picLocks noChangeAspect="1" noChangeArrowheads="1"/>
+          </p:cNvPicPr>
+          <p:nvPr/>
+        </p:nvPicPr>
+        <p:blipFill>
+          <a:blip r:embed="rId2">
+            <a:extLst>
+              <a:ext uri="{28A0092B-C50C-407E-A947-70E740481C1C}">
+                <a14:useLocalDpi xmlns:a14="http://schemas.microsoft.com/office/drawing/2010/main" val="0"/>
+              </a:ext>
+            </a:extLst>
+          </a:blip>
+          <a:srcRect/>
+          <a:stretch>
+            <a:fillRect/>
+          </a:stretch>
+        </p:blipFill>
+        <p:spPr bwMode="auto">
+          <a:xfrm>
+            <a:off x="395536" y="908720"/>
+            <a:ext cx="4962526" cy="5543550"/>
+          </a:xfrm>
+          <a:prstGeom prst="rect">
+            <a:avLst/>
+          </a:prstGeom>
+          <a:noFill/>
+          <a:extLst>
+            <a:ext uri="{909E8E84-426E-40DD-AFC4-6F175D3DCCD1}">
+              <a14:hiddenFill xmlns:a14="http://schemas.microsoft.com/office/drawing/2010/main">
+                <a:solidFill>
+                  <a:srgbClr val="FFFFFF"/>
+                </a:solidFill>
+              </a14:hiddenFill>
+            </a:ext>
+          </a:extLst>
+        </p:spPr>
+      </p:pic>
+      <p:sp>
+        <p:nvSpPr>
+          <p:cNvPr id="4" name="TextBox 3"/>
+          <p:cNvSpPr txBox="1"/>
+          <p:nvPr/>
+        </p:nvSpPr>
+        <p:spPr>
+          <a:xfrm>
+            <a:off x="1691680" y="908720"/>
+            <a:ext cx="2880320" cy="369332"/>
+          </a:xfrm>
+          <a:prstGeom prst="rect">
+            <a:avLst/>
+          </a:prstGeom>
+          <a:noFill/>
+        </p:spPr>
+        <p:txBody>
+          <a:bodyPr wrap="square" rtlCol="0">
+            <a:spAutoFit/>
+          </a:bodyPr>
+          <a:lstStyle/>
+          <a:p>
+            <a:r>
+              <a:rPr lang="ko-KR" altLang="en-US" dirty="0" smtClean="0">
+                <a:solidFill>
+                  <a:schemeClr val="bg1"/>
+                </a:solidFill>
+              </a:rPr>
+              <a:t>유기 동물 조회</a:t>
+            </a:r>
+            <a:endParaRPr lang="ko-KR" altLang="en-US" dirty="0">
+              <a:solidFill>
+                <a:schemeClr val="bg1"/>
+              </a:solidFill>
+            </a:endParaRPr>
+          </a:p>
+        </p:txBody>
+      </p:sp>
+      <p:sp>
+        <p:nvSpPr>
+          <p:cNvPr id="6" name="TextBox 5"/>
+          <p:cNvSpPr txBox="1"/>
+          <p:nvPr/>
+        </p:nvSpPr>
+        <p:spPr>
+          <a:xfrm>
+            <a:off x="611560" y="1380838"/>
+            <a:ext cx="2880320" cy="369332"/>
+          </a:xfrm>
+          <a:prstGeom prst="rect">
+            <a:avLst/>
+          </a:prstGeom>
+          <a:noFill/>
+        </p:spPr>
+        <p:txBody>
+          <a:bodyPr wrap="square" rtlCol="0">
+            <a:spAutoFit/>
+          </a:bodyPr>
+          <a:lstStyle/>
+          <a:p>
+            <a:r>
+              <a:rPr lang="ko-KR" altLang="en-US" dirty="0" smtClean="0">
+                <a:solidFill>
+                  <a:schemeClr val="bg1"/>
+                </a:solidFill>
+              </a:rPr>
+              <a:t>검색옵션</a:t>
+            </a:r>
+            <a:endParaRPr lang="ko-KR" altLang="en-US" dirty="0">
+              <a:solidFill>
+                <a:schemeClr val="bg1"/>
+              </a:solidFill>
+            </a:endParaRPr>
+          </a:p>
+        </p:txBody>
+      </p:sp>
+      <p:sp>
+        <p:nvSpPr>
+          <p:cNvPr id="7" name="TextBox 6"/>
+          <p:cNvSpPr txBox="1"/>
+          <p:nvPr/>
+        </p:nvSpPr>
+        <p:spPr>
+          <a:xfrm>
+            <a:off x="611560" y="1611670"/>
+            <a:ext cx="792088" cy="276999"/>
+          </a:xfrm>
+          <a:prstGeom prst="rect">
+            <a:avLst/>
+          </a:prstGeom>
+          <a:noFill/>
+        </p:spPr>
+        <p:txBody>
+          <a:bodyPr wrap="square" rtlCol="0">
+            <a:spAutoFit/>
+          </a:bodyPr>
+          <a:lstStyle/>
+          <a:p>
+            <a:r>
+              <a:rPr lang="ko-KR" altLang="en-US" sz="1200" dirty="0" smtClean="0">
+                <a:solidFill>
+                  <a:schemeClr val="bg1"/>
+                </a:solidFill>
+              </a:rPr>
+              <a:t>   강아지 </a:t>
+            </a:r>
+            <a:endParaRPr lang="ko-KR" altLang="en-US" sz="1200" dirty="0">
+              <a:solidFill>
+                <a:schemeClr val="bg1"/>
+              </a:solidFill>
+            </a:endParaRPr>
+          </a:p>
+        </p:txBody>
+      </p:sp>
+      <p:sp>
+        <p:nvSpPr>
+          <p:cNvPr id="8" name="TextBox 7"/>
+          <p:cNvSpPr txBox="1"/>
+          <p:nvPr/>
+        </p:nvSpPr>
+        <p:spPr>
+          <a:xfrm>
+            <a:off x="1295636" y="1623140"/>
+            <a:ext cx="792088" cy="276999"/>
+          </a:xfrm>
+          <a:prstGeom prst="rect">
+            <a:avLst/>
+          </a:prstGeom>
+          <a:noFill/>
+        </p:spPr>
+        <p:txBody>
+          <a:bodyPr wrap="square" rtlCol="0">
+            <a:spAutoFit/>
+          </a:bodyPr>
+          <a:lstStyle/>
+          <a:p>
+            <a:r>
+              <a:rPr lang="ko-KR" altLang="en-US" sz="1200" dirty="0" smtClean="0">
+                <a:solidFill>
+                  <a:schemeClr val="bg1"/>
+                </a:solidFill>
+              </a:rPr>
+              <a:t>   고양이 </a:t>
+            </a:r>
+            <a:endParaRPr lang="ko-KR" altLang="en-US" sz="1200" dirty="0">
+              <a:solidFill>
+                <a:schemeClr val="bg1"/>
+              </a:solidFill>
+            </a:endParaRPr>
+          </a:p>
+        </p:txBody>
+      </p:sp>
+      <p:sp>
+        <p:nvSpPr>
+          <p:cNvPr id="9" name="TextBox 8"/>
+          <p:cNvSpPr txBox="1"/>
+          <p:nvPr/>
+        </p:nvSpPr>
+        <p:spPr>
+          <a:xfrm>
+            <a:off x="2104532" y="1607900"/>
+            <a:ext cx="792088" cy="276999"/>
+          </a:xfrm>
+          <a:prstGeom prst="rect">
+            <a:avLst/>
+          </a:prstGeom>
+          <a:noFill/>
+        </p:spPr>
+        <p:txBody>
+          <a:bodyPr wrap="square" rtlCol="0">
+            <a:spAutoFit/>
+          </a:bodyPr>
+          <a:lstStyle/>
+          <a:p>
+            <a:r>
+              <a:rPr lang="ko-KR" altLang="en-US" sz="1200" dirty="0" smtClean="0">
+                <a:solidFill>
+                  <a:schemeClr val="bg1"/>
+                </a:solidFill>
+              </a:rPr>
+              <a:t>  전체 </a:t>
+            </a:r>
+            <a:endParaRPr lang="ko-KR" altLang="en-US" sz="1200" dirty="0">
+              <a:solidFill>
+                <a:schemeClr val="bg1"/>
+              </a:solidFill>
+            </a:endParaRPr>
+          </a:p>
+        </p:txBody>
+      </p:sp>
+      <p:sp>
+        <p:nvSpPr>
+          <p:cNvPr id="10" name="TextBox 9"/>
+          <p:cNvSpPr txBox="1"/>
+          <p:nvPr/>
+        </p:nvSpPr>
+        <p:spPr>
+          <a:xfrm>
+            <a:off x="640944" y="1900139"/>
+            <a:ext cx="1050736" cy="307777"/>
+          </a:xfrm>
+          <a:prstGeom prst="rect">
+            <a:avLst/>
+          </a:prstGeom>
+          <a:noFill/>
+        </p:spPr>
+        <p:txBody>
+          <a:bodyPr wrap="square" rtlCol="0">
+            <a:spAutoFit/>
+          </a:bodyPr>
+          <a:lstStyle/>
+          <a:p>
+            <a:r>
+              <a:rPr lang="ko-KR" altLang="en-US" sz="1400" dirty="0" smtClean="0">
+                <a:solidFill>
+                  <a:schemeClr val="bg1"/>
+                </a:solidFill>
+              </a:rPr>
+              <a:t>지</a:t>
+            </a:r>
+            <a:r>
+              <a:rPr lang="ko-KR" altLang="en-US" sz="1400" dirty="0">
+                <a:solidFill>
+                  <a:schemeClr val="bg1"/>
+                </a:solidFill>
+              </a:rPr>
+              <a:t>역</a:t>
+            </a:r>
+            <a:r>
+              <a:rPr lang="ko-KR" altLang="en-US" sz="1400" dirty="0" smtClean="0">
+                <a:solidFill>
+                  <a:schemeClr val="bg1"/>
+                </a:solidFill>
+              </a:rPr>
+              <a:t> </a:t>
+            </a:r>
+            <a:endParaRPr lang="ko-KR" altLang="en-US" sz="1400" dirty="0">
+              <a:solidFill>
+                <a:schemeClr val="bg1"/>
+              </a:solidFill>
+            </a:endParaRPr>
+          </a:p>
+        </p:txBody>
+      </p:sp>
+      <p:sp>
+        <p:nvSpPr>
+          <p:cNvPr id="11" name="TextBox 10"/>
+          <p:cNvSpPr txBox="1"/>
+          <p:nvPr/>
+        </p:nvSpPr>
+        <p:spPr>
+          <a:xfrm>
+            <a:off x="4175956" y="2420888"/>
+            <a:ext cx="792088" cy="276999"/>
+          </a:xfrm>
+          <a:prstGeom prst="rect">
+            <a:avLst/>
+          </a:prstGeom>
+          <a:noFill/>
+        </p:spPr>
+        <p:txBody>
+          <a:bodyPr wrap="square" rtlCol="0">
+            <a:spAutoFit/>
+          </a:bodyPr>
+          <a:lstStyle/>
+          <a:p>
+            <a:r>
+              <a:rPr lang="ko-KR" altLang="en-US" sz="1200" dirty="0" smtClean="0">
+                <a:solidFill>
+                  <a:schemeClr val="bg1"/>
+                </a:solidFill>
+              </a:rPr>
+              <a:t>   검색 </a:t>
+            </a:r>
+            <a:endParaRPr lang="ko-KR" altLang="en-US" sz="1200" dirty="0">
+              <a:solidFill>
+                <a:schemeClr val="bg1"/>
+              </a:solidFill>
+            </a:endParaRPr>
+          </a:p>
+        </p:txBody>
+      </p:sp>
+      <p:sp>
+        <p:nvSpPr>
+          <p:cNvPr id="12" name="TextBox 11"/>
+          <p:cNvSpPr txBox="1"/>
+          <p:nvPr/>
+        </p:nvSpPr>
+        <p:spPr>
+          <a:xfrm>
+            <a:off x="611560" y="2852936"/>
+            <a:ext cx="792088" cy="338554"/>
+          </a:xfrm>
+          <a:prstGeom prst="rect">
+            <a:avLst/>
+          </a:prstGeom>
+          <a:noFill/>
+        </p:spPr>
+        <p:txBody>
+          <a:bodyPr wrap="square" rtlCol="0">
+            <a:spAutoFit/>
+          </a:bodyPr>
+          <a:lstStyle/>
+          <a:p>
+            <a:r>
+              <a:rPr lang="ko-KR" altLang="en-US" sz="1600" b="1" dirty="0" smtClean="0">
+                <a:solidFill>
+                  <a:schemeClr val="bg1"/>
+                </a:solidFill>
+              </a:rPr>
+              <a:t>정렬</a:t>
+            </a:r>
+            <a:endParaRPr lang="ko-KR" altLang="en-US" sz="1600" b="1" dirty="0">
+              <a:solidFill>
+                <a:schemeClr val="bg1"/>
+              </a:solidFill>
+            </a:endParaRPr>
+          </a:p>
+        </p:txBody>
+      </p:sp>
+      <p:sp>
+        <p:nvSpPr>
+          <p:cNvPr id="13" name="TextBox 12"/>
+          <p:cNvSpPr txBox="1"/>
+          <p:nvPr/>
+        </p:nvSpPr>
+        <p:spPr>
+          <a:xfrm>
+            <a:off x="2500576" y="2836058"/>
+            <a:ext cx="792088" cy="307777"/>
+          </a:xfrm>
+          <a:prstGeom prst="rect">
+            <a:avLst/>
+          </a:prstGeom>
+          <a:noFill/>
+        </p:spPr>
+        <p:txBody>
+          <a:bodyPr wrap="square" rtlCol="0">
+            <a:spAutoFit/>
+          </a:bodyPr>
+          <a:lstStyle/>
+          <a:p>
+            <a:r>
+              <a:rPr lang="ko-KR" altLang="en-US" sz="1400" smtClean="0">
+                <a:solidFill>
+                  <a:schemeClr val="bg1"/>
+                </a:solidFill>
+              </a:rPr>
+              <a:t>날짜순</a:t>
+            </a:r>
+            <a:endParaRPr lang="ko-KR" altLang="en-US" sz="1400" dirty="0">
+              <a:solidFill>
+                <a:schemeClr val="bg1"/>
+              </a:solidFill>
+            </a:endParaRPr>
+          </a:p>
+        </p:txBody>
+      </p:sp>
+      <p:sp>
+        <p:nvSpPr>
+          <p:cNvPr id="14" name="TextBox 13"/>
+          <p:cNvSpPr txBox="1"/>
+          <p:nvPr/>
+        </p:nvSpPr>
+        <p:spPr>
+          <a:xfrm>
+            <a:off x="3887416" y="2836058"/>
+            <a:ext cx="792088" cy="307777"/>
+          </a:xfrm>
+          <a:prstGeom prst="rect">
+            <a:avLst/>
+          </a:prstGeom>
+          <a:noFill/>
+        </p:spPr>
+        <p:txBody>
+          <a:bodyPr wrap="square" rtlCol="0">
+            <a:spAutoFit/>
+          </a:bodyPr>
+          <a:lstStyle/>
+          <a:p>
+            <a:r>
+              <a:rPr lang="ko-KR" altLang="en-US" sz="1400" dirty="0" err="1" smtClean="0">
+                <a:solidFill>
+                  <a:schemeClr val="bg1"/>
+                </a:solidFill>
+              </a:rPr>
+              <a:t>지역순</a:t>
+            </a:r>
+            <a:endParaRPr lang="ko-KR" altLang="en-US" sz="1400" dirty="0">
+              <a:solidFill>
+                <a:schemeClr val="bg1"/>
+              </a:solidFill>
+            </a:endParaRPr>
+          </a:p>
+        </p:txBody>
+      </p:sp>
+      <p:sp>
+        <p:nvSpPr>
+          <p:cNvPr id="16" name="TextBox 15"/>
+          <p:cNvSpPr txBox="1"/>
+          <p:nvPr/>
+        </p:nvSpPr>
+        <p:spPr>
+          <a:xfrm>
+            <a:off x="1070328" y="5351472"/>
+            <a:ext cx="792088" cy="307777"/>
+          </a:xfrm>
+          <a:prstGeom prst="rect">
+            <a:avLst/>
+          </a:prstGeom>
+          <a:noFill/>
+        </p:spPr>
+        <p:txBody>
+          <a:bodyPr wrap="square" rtlCol="0">
+            <a:spAutoFit/>
+          </a:bodyPr>
+          <a:lstStyle/>
+          <a:p>
+            <a:r>
+              <a:rPr lang="ko-KR" altLang="en-US" sz="1400" dirty="0" smtClean="0">
+                <a:solidFill>
+                  <a:schemeClr val="bg1"/>
+                </a:solidFill>
+              </a:rPr>
+              <a:t>이미</a:t>
+            </a:r>
+            <a:r>
+              <a:rPr lang="ko-KR" altLang="en-US" sz="1400" dirty="0">
+                <a:solidFill>
+                  <a:schemeClr val="bg1"/>
+                </a:solidFill>
+              </a:rPr>
+              <a:t>지</a:t>
+            </a:r>
+          </a:p>
+        </p:txBody>
+      </p:sp>
+      <p:sp>
+        <p:nvSpPr>
+          <p:cNvPr id="17" name="TextBox 16"/>
+          <p:cNvSpPr txBox="1"/>
+          <p:nvPr/>
+        </p:nvSpPr>
+        <p:spPr>
+          <a:xfrm>
+            <a:off x="3131840" y="4797152"/>
+            <a:ext cx="792088" cy="307777"/>
+          </a:xfrm>
+          <a:prstGeom prst="rect">
+            <a:avLst/>
+          </a:prstGeom>
+          <a:noFill/>
+        </p:spPr>
+        <p:txBody>
+          <a:bodyPr wrap="square" rtlCol="0">
+            <a:spAutoFit/>
+          </a:bodyPr>
+          <a:lstStyle/>
+          <a:p>
+            <a:r>
+              <a:rPr lang="ko-KR" altLang="en-US" sz="1400" smtClean="0">
+                <a:solidFill>
+                  <a:schemeClr val="bg1"/>
+                </a:solidFill>
+              </a:rPr>
+              <a:t>이메</a:t>
+            </a:r>
+            <a:r>
+              <a:rPr lang="ko-KR" altLang="en-US" sz="1400">
+                <a:solidFill>
+                  <a:schemeClr val="bg1"/>
+                </a:solidFill>
+              </a:rPr>
+              <a:t>일</a:t>
+            </a:r>
+            <a:endParaRPr lang="ko-KR" altLang="en-US" sz="1400" dirty="0">
+              <a:solidFill>
+                <a:schemeClr val="bg1"/>
+              </a:solidFill>
+            </a:endParaRPr>
+          </a:p>
+        </p:txBody>
+      </p:sp>
+      <p:sp>
+        <p:nvSpPr>
+          <p:cNvPr id="18" name="TextBox 17"/>
+          <p:cNvSpPr txBox="1"/>
+          <p:nvPr/>
+        </p:nvSpPr>
+        <p:spPr>
+          <a:xfrm>
+            <a:off x="2896620" y="5325314"/>
+            <a:ext cx="1795692" cy="307777"/>
+          </a:xfrm>
+          <a:prstGeom prst="rect">
+            <a:avLst/>
+          </a:prstGeom>
+          <a:noFill/>
+        </p:spPr>
+        <p:txBody>
+          <a:bodyPr wrap="square" rtlCol="0">
+            <a:spAutoFit/>
+          </a:bodyPr>
+          <a:lstStyle/>
+          <a:p>
+            <a:r>
+              <a:rPr lang="ko-KR" altLang="en-US" sz="1400" smtClean="0">
+                <a:solidFill>
+                  <a:schemeClr val="bg1"/>
+                </a:solidFill>
+              </a:rPr>
+              <a:t>보호소 위치보기</a:t>
+            </a:r>
+            <a:endParaRPr lang="ko-KR" altLang="en-US" sz="1400" dirty="0">
+              <a:solidFill>
+                <a:schemeClr val="bg1"/>
+              </a:solidFill>
+            </a:endParaRPr>
+          </a:p>
+        </p:txBody>
+      </p:sp>
+      <p:cxnSp>
+        <p:nvCxnSpPr>
+          <p:cNvPr id="19" name="구부러진 연결선 18"/>
+          <p:cNvCxnSpPr/>
+          <p:nvPr/>
+        </p:nvCxnSpPr>
+        <p:spPr>
+          <a:xfrm rot="10800000" flipV="1">
+            <a:off x="4067944" y="1761637"/>
+            <a:ext cx="2016224" cy="1918857"/>
+          </a:xfrm>
+          <a:prstGeom prst="curvedConnector3">
+            <a:avLst>
+              <a:gd name="adj1" fmla="val 50000"/>
+            </a:avLst>
+          </a:prstGeom>
+          <a:ln>
+            <a:solidFill>
+              <a:schemeClr val="tx1">
+                <a:lumMod val="50000"/>
+              </a:schemeClr>
+            </a:solidFill>
+            <a:tailEnd type="arrow"/>
+          </a:ln>
+        </p:spPr>
+        <p:style>
+          <a:lnRef idx="1">
+            <a:schemeClr val="accent1"/>
+          </a:lnRef>
+          <a:fillRef idx="0">
+            <a:schemeClr val="accent1"/>
+          </a:fillRef>
+          <a:effectRef idx="0">
+            <a:schemeClr val="accent1"/>
+          </a:effectRef>
+          <a:fontRef idx="minor">
+            <a:schemeClr val="tx1"/>
+          </a:fontRef>
+        </p:style>
+      </p:cxnSp>
+      <p:cxnSp>
+        <p:nvCxnSpPr>
+          <p:cNvPr id="25" name="직선 화살표 연결선 24"/>
+          <p:cNvCxnSpPr/>
+          <p:nvPr/>
+        </p:nvCxnSpPr>
+        <p:spPr>
+          <a:xfrm>
+            <a:off x="3794466" y="5505360"/>
+            <a:ext cx="2289702" cy="235039"/>
+          </a:xfrm>
+          <a:prstGeom prst="straightConnector1">
+            <a:avLst/>
+          </a:prstGeom>
+          <a:ln>
+            <a:solidFill>
+              <a:schemeClr val="tx1">
+                <a:lumMod val="50000"/>
+              </a:schemeClr>
+            </a:solidFill>
+            <a:tailEnd type="arrow"/>
+          </a:ln>
+        </p:spPr>
+        <p:style>
+          <a:lnRef idx="1">
+            <a:schemeClr val="accent1"/>
+          </a:lnRef>
+          <a:fillRef idx="0">
+            <a:schemeClr val="accent1"/>
+          </a:fillRef>
+          <a:effectRef idx="0">
+            <a:schemeClr val="accent1"/>
+          </a:effectRef>
+          <a:fontRef idx="minor">
+            <a:schemeClr val="tx1"/>
+          </a:fontRef>
+        </p:style>
+      </p:cxnSp>
+      <p:sp>
+        <p:nvSpPr>
+          <p:cNvPr id="26" name="TextBox 25"/>
+          <p:cNvSpPr txBox="1"/>
+          <p:nvPr/>
+        </p:nvSpPr>
+        <p:spPr>
+          <a:xfrm>
+            <a:off x="6135060" y="5555733"/>
+            <a:ext cx="2664296" cy="369332"/>
+          </a:xfrm>
+          <a:prstGeom prst="rect">
+            <a:avLst/>
+          </a:prstGeom>
+          <a:noFill/>
+        </p:spPr>
+        <p:txBody>
+          <a:bodyPr wrap="square" rtlCol="0">
+            <a:spAutoFit/>
+          </a:bodyPr>
+          <a:lstStyle/>
+          <a:p>
+            <a:r>
+              <a:rPr lang="ko-KR" altLang="en-US" dirty="0" smtClean="0"/>
+              <a:t>웹 사이트가 나온다</a:t>
+            </a:r>
+            <a:endParaRPr lang="ko-KR" altLang="en-US" dirty="0"/>
+          </a:p>
+        </p:txBody>
+      </p:sp>
+    </p:spTree>
+    <p:extLst>
+      <p:ext uri="{BB962C8B-B14F-4D97-AF65-F5344CB8AC3E}">
+        <p14:creationId xmlns:p14="http://schemas.microsoft.com/office/powerpoint/2010/main" val="1122222052"/>
+      </p:ext>
+    </p:extLst>
+  </p:cSld>
+  <p:clrMapOvr>
+    <a:masterClrMapping/>
+  </p:clrMapOvr>
+  <p:timing>
+    <p:tnLst>
+      <p:par>
+        <p:cTn id="1" dur="indefinite" restart="never" nodeType="tmRoot"/>
+      </p:par>
+    </p:tnLst>
+  </p:timing>
+</p:sld>
+</file>
+
+<file path=ppt/slides/slide7.xml><?xml version="1.0" encoding="utf-8"?>
+<p:sld xmlns:a="http://schemas.openxmlformats.org/drawingml/2006/main" xmlns:r="http://schemas.openxmlformats.org/officeDocument/2006/relationships" xmlns:p="http://schemas.openxmlformats.org/presentationml/2006/main">
+  <p:cSld>
+    <p:spTree>
+      <p:nvGrpSpPr>
+        <p:cNvPr id="1" name=""/>
+        <p:cNvGrpSpPr/>
+        <p:nvPr/>
+      </p:nvGrpSpPr>
+      <p:grpSpPr>
+        <a:xfrm>
+          <a:off x="0" y="0"/>
+          <a:ext cx="0" cy="0"/>
+          <a:chOff x="0" y="0"/>
+          <a:chExt cx="0" cy="0"/>
+        </a:xfrm>
+      </p:grpSpPr>
+      <p:sp>
+        <p:nvSpPr>
+          <p:cNvPr id="2" name="제목 1"/>
+          <p:cNvSpPr>
+            <a:spLocks noGrp="1"/>
+          </p:cNvSpPr>
+          <p:nvPr>
+            <p:ph type="title"/>
+          </p:nvPr>
+        </p:nvSpPr>
+        <p:spPr>
+          <a:xfrm>
             <a:off x="539552" y="-459432"/>
             <a:ext cx="7924800" cy="1143000"/>
           </a:xfrm>
@@ -4304,7 +5210,7 @@
             <p:ph sz="quarter" idx="13"/>
             <p:extLst>
               <p:ext uri="{D42A27DB-BD31-4B8C-83A1-F6EECF244321}">
-                <p14:modId xmlns:p14="http://schemas.microsoft.com/office/powerpoint/2010/main" val="2834201247"/>
+                <p14:modId xmlns:p14="http://schemas.microsoft.com/office/powerpoint/2010/main" val="2952982147"/>
               </p:ext>
             </p:extLst>
           </p:nvPr>
@@ -4670,7 +5576,39 @@
                       </a:r>
                       <a:r>
                         <a:rPr lang="ko-KR" altLang="en-US" dirty="0" smtClean="0"/>
-                        <a:t>보호소 조회</a:t>
+                        <a:t>보호소 </a:t>
+                      </a:r>
+                      <a:r>
+                        <a:rPr lang="ko-KR" altLang="en-US" dirty="0" smtClean="0"/>
+                        <a:t>조회</a:t>
+                      </a:r>
+                      <a:r>
+                        <a:rPr lang="en-US" altLang="ko-KR" dirty="0" smtClean="0"/>
+                        <a:t>,</a:t>
+                      </a:r>
+                      <a:r>
+                        <a:rPr lang="ko-KR" altLang="en-US" dirty="0" smtClean="0"/>
+                        <a:t>품종 </a:t>
+                      </a:r>
+                      <a:r>
+                        <a:rPr lang="en-US" altLang="ko-KR" dirty="0" smtClean="0"/>
+                        <a:t>,</a:t>
+                      </a:r>
+                      <a:r>
+                        <a:rPr lang="ko-KR" altLang="en-US" dirty="0" smtClean="0"/>
+                        <a:t>마리 수</a:t>
+                      </a:r>
+                      <a:r>
+                        <a:rPr lang="en-US" altLang="ko-KR" dirty="0" smtClean="0"/>
+                        <a:t>,</a:t>
+                      </a:r>
+                      <a:r>
+                        <a:rPr lang="en-US" altLang="ko-KR" baseline="0" dirty="0" smtClean="0"/>
+                        <a:t> </a:t>
+                      </a:r>
+                      <a:r>
+                        <a:rPr lang="ko-KR" altLang="en-US" dirty="0" smtClean="0"/>
+                        <a:t>전화번호 조회</a:t>
                       </a:r>
                       <a:endParaRPr lang="ko-KR" altLang="en-US" dirty="0"/>
                     </a:p>
@@ -4873,7 +5811,7 @@
                   <a:tcPr/>
                 </a:tc>
               </a:tr>
-              <a:tr h="619472">
+              <a:tr h="475456">
                 <a:tc>
                   <a:txBody>
                     <a:bodyPr/>
@@ -4924,26 +5862,10 @@
                         <a:defRPr/>
                       </a:pPr>
                       <a:r>
-                        <a:rPr lang="ko-KR" altLang="en-US" dirty="0" err="1" smtClean="0"/>
-                        <a:t>이메일</a:t>
-                      </a:r>
-                      <a:r>
-                        <a:rPr lang="en-US" altLang="ko-KR" dirty="0" smtClean="0"/>
-                        <a:t>,</a:t>
-                      </a:r>
-                      <a:r>
-                        <a:rPr lang="en-US" altLang="ko-KR" baseline="0" dirty="0" smtClean="0"/>
-                        <a:t> </a:t>
-                      </a:r>
-                      <a:r>
-                        <a:rPr lang="ko-KR" altLang="en-US" baseline="0" dirty="0" smtClean="0"/>
-                        <a:t>정렬기능</a:t>
+                        <a:rPr lang="ko-KR" altLang="en-US" dirty="0" smtClean="0"/>
+                        <a:t>추가 기능 구현</a:t>
                       </a:r>
                       <a:endParaRPr lang="ko-KR" altLang="en-US" dirty="0" smtClean="0"/>
-                    </a:p>
-                    <a:p>
-                      <a:pPr latinLnBrk="1"/>
-                      <a:endParaRPr lang="ko-KR" altLang="en-US" dirty="0"/>
                     </a:p>
                   </a:txBody>
                   <a:tcPr/>
@@ -4971,20 +5893,40 @@
                         <a:defRPr/>
                       </a:pPr>
                       <a:r>
+                        <a:rPr lang="ko-KR" altLang="en-US" dirty="0" err="1" smtClean="0"/>
+                        <a:t>이메일</a:t>
+                      </a:r>
+                      <a:r>
+                        <a:rPr lang="ko-KR" altLang="en-US" dirty="0" smtClean="0"/>
+                        <a:t> 전송</a:t>
+                      </a:r>
+                      <a:r>
+                        <a:rPr lang="en-US" altLang="ko-KR" dirty="0" smtClean="0"/>
+                        <a:t>,</a:t>
+                      </a:r>
+                      <a:r>
+                        <a:rPr lang="en-US" altLang="ko-KR" baseline="0" dirty="0" smtClean="0"/>
+                        <a:t> </a:t>
+                      </a:r>
+                      <a:r>
                         <a:rPr lang="ko-KR" altLang="en-US" baseline="0" dirty="0" smtClean="0"/>
-                        <a:t>정렬 기능</a:t>
+                        <a:t>정렬기능</a:t>
                       </a:r>
                       <a:r>
                         <a:rPr lang="en-US" altLang="ko-KR" baseline="0" dirty="0" smtClean="0"/>
                         <a:t>, </a:t>
                       </a:r>
                       <a:r>
-                        <a:rPr lang="ko-KR" altLang="en-US" baseline="0" dirty="0" err="1" smtClean="0"/>
-                        <a:t>이메일</a:t>
-                      </a:r>
-                      <a:r>
                         <a:rPr lang="ko-KR" altLang="en-US" baseline="0" dirty="0" smtClean="0"/>
-                        <a:t> 전송 등 추가 기능 구현</a:t>
+                        <a:t>위치 지도</a:t>
+                      </a:r>
+                      <a:r>
+                        <a:rPr lang="en-US" altLang="ko-KR" baseline="0" dirty="0" smtClean="0"/>
+                        <a:t>, </a:t>
+                      </a:r>
+                      <a:r>
+                        <a:rPr lang="ko-KR" altLang="en-US" baseline="0" dirty="0" smtClean="0"/>
+                        <a:t>동물 이미지</a:t>
                       </a:r>
                       <a:endParaRPr lang="ko-KR" altLang="en-US" dirty="0" smtClean="0"/>
                     </a:p>

--- a/스크립트언어 팀플.pptx
+++ b/스크립트언어 팀플.pptx
@@ -3757,7 +3757,6 @@
               <a:rPr lang="en-US" altLang="ko-KR" sz="3600" dirty="0" smtClean="0"/>
               <a:t>GUI </a:t>
             </a:r>
-            <a:endParaRPr lang="en-US" altLang="ko-KR" sz="3600" dirty="0" smtClean="0"/>
           </a:p>
           <a:p>
             <a:pPr marL="0" indent="0">
@@ -5210,7 +5209,7 @@
             <p:ph sz="quarter" idx="13"/>
             <p:extLst>
               <p:ext uri="{D42A27DB-BD31-4B8C-83A1-F6EECF244321}">
-                <p14:modId xmlns:p14="http://schemas.microsoft.com/office/powerpoint/2010/main" val="2952982147"/>
+                <p14:modId xmlns:p14="http://schemas.microsoft.com/office/powerpoint/2010/main" val="2121440214"/>
               </p:ext>
             </p:extLst>
           </p:nvPr>
@@ -5396,7 +5395,11 @@
                       <a:pPr latinLnBrk="1"/>
                       <a:r>
                         <a:rPr lang="ko-KR" altLang="en-US" dirty="0" smtClean="0"/>
-                        <a:t>상세 기능 확인 및 구현 가능 기능</a:t>
+                        <a:t>상세 기능 확인 및 구현 가능 </a:t>
+                      </a:r>
+                      <a:r>
+                        <a:rPr lang="ko-KR" altLang="en-US" dirty="0" smtClean="0"/>
+                        <a:t>기능조사</a:t>
                       </a:r>
                       <a:endParaRPr lang="ko-KR" altLang="en-US" dirty="0"/>
                     </a:p>
@@ -5468,195 +5471,6 @@
                       <a:r>
                         <a:rPr lang="en-US" altLang="ko-KR" dirty="0" smtClean="0"/>
                         <a:t>5.16</a:t>
-                      </a:r>
-                    </a:p>
-                    <a:p>
-                      <a:pPr latinLnBrk="1"/>
-                      <a:r>
-                        <a:rPr lang="en-US" altLang="ko-KR" dirty="0" smtClean="0"/>
-                        <a:t>Open</a:t>
-                      </a:r>
-                      <a:r>
-                        <a:rPr lang="en-US" altLang="ko-KR" baseline="0" dirty="0" smtClean="0"/>
-                        <a:t> API </a:t>
-                      </a:r>
-                      <a:r>
-                        <a:rPr lang="ko-KR" altLang="en-US" baseline="0" dirty="0" smtClean="0"/>
-                        <a:t>연동 구현</a:t>
-                      </a:r>
-                      <a:endParaRPr lang="ko-KR" altLang="en-US" dirty="0"/>
-                    </a:p>
-                  </a:txBody>
-                  <a:tcPr/>
-                </a:tc>
-                <a:tc>
-                  <a:txBody>
-                    <a:bodyPr/>
-                    <a:lstStyle/>
-                    <a:p>
-                      <a:pPr latinLnBrk="1"/>
-                      <a:r>
-                        <a:rPr lang="ko-KR" altLang="en-US" dirty="0" smtClean="0"/>
-                        <a:t>국가 공공 데이터 포털 </a:t>
-                      </a:r>
-                      <a:r>
-                        <a:rPr lang="en-US" altLang="ko-KR" dirty="0" smtClean="0"/>
-                        <a:t>Open</a:t>
-                      </a:r>
-                      <a:r>
-                        <a:rPr lang="en-US" altLang="ko-KR" baseline="0" dirty="0" smtClean="0"/>
-                        <a:t> API </a:t>
-                      </a:r>
-                      <a:r>
-                        <a:rPr lang="ko-KR" altLang="en-US" baseline="0" dirty="0" smtClean="0"/>
-                        <a:t>활용</a:t>
-                      </a:r>
-                      <a:endParaRPr lang="ko-KR" altLang="en-US" dirty="0"/>
-                    </a:p>
-                  </a:txBody>
-                  <a:tcPr/>
-                </a:tc>
-              </a:tr>
-              <a:tr h="370840">
-                <a:tc>
-                  <a:txBody>
-                    <a:bodyPr/>
-                    <a:lstStyle/>
-                    <a:p>
-                      <a:pPr latinLnBrk="1"/>
-                      <a:r>
-                        <a:rPr lang="en-US" altLang="ko-KR" dirty="0" smtClean="0"/>
-                        <a:t>4</a:t>
-                      </a:r>
-                      <a:r>
-                        <a:rPr lang="ko-KR" altLang="en-US" dirty="0" smtClean="0"/>
-                        <a:t>주</a:t>
-                      </a:r>
-                      <a:endParaRPr lang="en-US" altLang="ko-KR" dirty="0" smtClean="0"/>
-                    </a:p>
-                    <a:p>
-                      <a:pPr latinLnBrk="1"/>
-                      <a:r>
-                        <a:rPr lang="en-US" altLang="ko-KR" dirty="0" smtClean="0"/>
-                        <a:t>(5.19~5.25)</a:t>
-                      </a:r>
-                      <a:endParaRPr lang="ko-KR" altLang="en-US" dirty="0"/>
-                    </a:p>
-                  </a:txBody>
-                  <a:tcPr/>
-                </a:tc>
-                <a:tc>
-                  <a:txBody>
-                    <a:bodyPr/>
-                    <a:lstStyle/>
-                    <a:p>
-                      <a:pPr latinLnBrk="1"/>
-                      <a:r>
-                        <a:rPr lang="ko-KR" altLang="en-US" dirty="0" smtClean="0"/>
-                        <a:t>다양한 검색 및 조회 기능 구현</a:t>
-                      </a:r>
-                      <a:endParaRPr lang="ko-KR" altLang="en-US" dirty="0"/>
-                    </a:p>
-                  </a:txBody>
-                  <a:tcPr/>
-                </a:tc>
-                <a:tc>
-                  <a:txBody>
-                    <a:bodyPr/>
-                    <a:lstStyle/>
-                    <a:p>
-                      <a:pPr latinLnBrk="1"/>
-                      <a:r>
-                        <a:rPr lang="ko-KR" altLang="en-US" dirty="0" smtClean="0"/>
-                        <a:t>유기동물 정보 조회</a:t>
-                      </a:r>
-                      <a:r>
-                        <a:rPr lang="en-US" altLang="ko-KR" dirty="0" smtClean="0"/>
-                        <a:t>, </a:t>
-                      </a:r>
-                      <a:r>
-                        <a:rPr lang="ko-KR" altLang="en-US" dirty="0" smtClean="0"/>
-                        <a:t>보호소 </a:t>
-                      </a:r>
-                      <a:r>
-                        <a:rPr lang="ko-KR" altLang="en-US" dirty="0" smtClean="0"/>
-                        <a:t>조회</a:t>
-                      </a:r>
-                      <a:r>
-                        <a:rPr lang="en-US" altLang="ko-KR" dirty="0" smtClean="0"/>
-                        <a:t>,</a:t>
-                      </a:r>
-                      <a:r>
-                        <a:rPr lang="ko-KR" altLang="en-US" dirty="0" smtClean="0"/>
-                        <a:t>품종 </a:t>
-                      </a:r>
-                      <a:r>
-                        <a:rPr lang="en-US" altLang="ko-KR" dirty="0" smtClean="0"/>
-                        <a:t>,</a:t>
-                      </a:r>
-                      <a:r>
-                        <a:rPr lang="ko-KR" altLang="en-US" dirty="0" smtClean="0"/>
-                        <a:t>마리 수</a:t>
-                      </a:r>
-                      <a:r>
-                        <a:rPr lang="en-US" altLang="ko-KR" dirty="0" smtClean="0"/>
-                        <a:t>,</a:t>
-                      </a:r>
-                      <a:r>
-                        <a:rPr lang="en-US" altLang="ko-KR" baseline="0" dirty="0" smtClean="0"/>
-                        <a:t> </a:t>
-                      </a:r>
-                      <a:r>
-                        <a:rPr lang="ko-KR" altLang="en-US" dirty="0" smtClean="0"/>
-                        <a:t>전화번호 조회</a:t>
-                      </a:r>
-                      <a:endParaRPr lang="ko-KR" altLang="en-US" dirty="0"/>
-                    </a:p>
-                  </a:txBody>
-                  <a:tcPr/>
-                </a:tc>
-              </a:tr>
-              <a:tr h="370840">
-                <a:tc>
-                  <a:txBody>
-                    <a:bodyPr/>
-                    <a:lstStyle/>
-                    <a:p>
-                      <a:pPr latinLnBrk="1"/>
-                      <a:r>
-                        <a:rPr lang="en-US" altLang="ko-KR" dirty="0" smtClean="0"/>
-                        <a:t>5</a:t>
-                      </a:r>
-                      <a:r>
-                        <a:rPr lang="ko-KR" altLang="en-US" dirty="0" smtClean="0"/>
-                        <a:t>주</a:t>
-                      </a:r>
-                      <a:endParaRPr lang="en-US" altLang="ko-KR" dirty="0" smtClean="0"/>
-                    </a:p>
-                    <a:p>
-                      <a:pPr latinLnBrk="1"/>
-                      <a:r>
-                        <a:rPr lang="en-US" altLang="ko-KR" dirty="0" smtClean="0"/>
-                        <a:t>(5.26~6.01)</a:t>
-                      </a:r>
-                      <a:endParaRPr lang="ko-KR" altLang="en-US" dirty="0"/>
-                    </a:p>
-                  </a:txBody>
-                  <a:tcPr/>
-                </a:tc>
-                <a:tc>
-                  <a:txBody>
-                    <a:bodyPr/>
-                    <a:lstStyle/>
-                    <a:p>
-                      <a:pPr latinLnBrk="1"/>
-                      <a:r>
-                        <a:rPr lang="ko-KR" altLang="en-US" dirty="0" smtClean="0"/>
-                        <a:t>중간발표 </a:t>
-                      </a:r>
-                      <a:r>
-                        <a:rPr lang="en-US" altLang="ko-KR" dirty="0" smtClean="0"/>
-                        <a:t>5.29</a:t>
                       </a:r>
                     </a:p>
                     <a:p>
@@ -5678,22 +5492,17 @@
                         <a:defRPr/>
                       </a:pPr>
                       <a:r>
+                        <a:rPr lang="en-US" altLang="ko-KR" dirty="0" err="1" smtClean="0"/>
+                        <a:t>tkinter</a:t>
+                      </a:r>
+                      <a:r>
+                        <a:rPr lang="en-US" altLang="ko-KR" dirty="0" smtClean="0"/>
+                        <a:t> GUI </a:t>
+                      </a:r>
+                      <a:r>
                         <a:rPr lang="ko-KR" altLang="en-US" dirty="0" smtClean="0"/>
-                        <a:t>검색 </a:t>
-                      </a:r>
-                      <a:r>
-                        <a:rPr lang="ko-KR" altLang="en-US" dirty="0" err="1" smtClean="0"/>
-                        <a:t>필터링</a:t>
-                      </a:r>
-                      <a:r>
-                        <a:rPr lang="ko-KR" altLang="en-US" dirty="0" smtClean="0"/>
-                        <a:t> 기능</a:t>
-                      </a:r>
-                      <a:r>
-                        <a:rPr lang="ko-KR" altLang="en-US" baseline="0" dirty="0" smtClean="0"/>
-                        <a:t> 구현</a:t>
-                      </a:r>
-                      <a:endParaRPr lang="ko-KR" altLang="en-US" dirty="0" smtClean="0"/>
+                        <a:t>구현</a:t>
+                      </a:r>
                     </a:p>
                   </a:txBody>
                   <a:tcPr/>
@@ -5703,41 +5512,41 @@
                     <a:bodyPr/>
                     <a:lstStyle/>
                     <a:p>
+                      <a:pPr marL="0" marR="0" indent="0" algn="l" defTabSz="914400" rtl="0" eaLnBrk="1" fontAlgn="auto" latinLnBrk="1" hangingPunct="1">
+                        <a:lnSpc>
+                          <a:spcPct val="100000"/>
+                        </a:lnSpc>
+                        <a:spcBef>
+                          <a:spcPts val="0"/>
+                        </a:spcBef>
+                        <a:spcAft>
+                          <a:spcPts val="0"/>
+                        </a:spcAft>
+                        <a:buClrTx/>
+                        <a:buSzTx/>
+                        <a:buFontTx/>
+                        <a:buNone/>
+                        <a:tabLst/>
+                        <a:defRPr/>
+                      </a:pPr>
                       <a:r>
                         <a:rPr lang="en-US" altLang="ko-KR" dirty="0" err="1" smtClean="0"/>
-                        <a:t>Youtube</a:t>
-                      </a:r>
-                      <a:r>
-                        <a:rPr lang="en-US" altLang="ko-KR" baseline="0" dirty="0" smtClean="0"/>
-                        <a:t> </a:t>
-                      </a:r>
-                      <a:r>
-                        <a:rPr lang="ko-KR" altLang="en-US" baseline="0" dirty="0" smtClean="0"/>
-                        <a:t>활용 중간 시연 발표</a:t>
-                      </a:r>
-                      <a:r>
-                        <a:rPr lang="en-US" altLang="ko-KR" baseline="0" dirty="0" smtClean="0"/>
-                        <a:t> , </a:t>
-                      </a:r>
-                      <a:r>
-                        <a:rPr lang="ko-KR" altLang="en-US" baseline="0" dirty="0" smtClean="0"/>
-                        <a:t>검색 </a:t>
-                      </a:r>
-                      <a:r>
-                        <a:rPr lang="ko-KR" altLang="en-US" baseline="0" dirty="0" err="1" smtClean="0"/>
-                        <a:t>필터링</a:t>
-                      </a:r>
-                      <a:r>
-                        <a:rPr lang="ko-KR" altLang="en-US" baseline="0" dirty="0" smtClean="0"/>
-                        <a:t> 기능 구현</a:t>
-                      </a:r>
-                      <a:endParaRPr lang="ko-KR" altLang="en-US" dirty="0"/>
+                        <a:t>tkinter</a:t>
+                      </a:r>
+                      <a:r>
+                        <a:rPr lang="en-US" altLang="ko-KR" dirty="0" smtClean="0"/>
+                        <a:t> GUI </a:t>
+                      </a:r>
+                      <a:r>
+                        <a:rPr lang="ko-KR" altLang="en-US" dirty="0" smtClean="0"/>
+                        <a:t>를 통해 인터페이스를 구현</a:t>
+                      </a:r>
                     </a:p>
                   </a:txBody>
                   <a:tcPr/>
                 </a:tc>
               </a:tr>
-              <a:tr h="705832">
+              <a:tr h="370840">
                 <a:tc>
                   <a:txBody>
                     <a:bodyPr/>
@@ -5746,7 +5555,7 @@
                       <a:pPr latinLnBrk="1"/>
                       <a:r>
                         <a:rPr lang="en-US" altLang="ko-KR" dirty="0" smtClean="0"/>
-                        <a:t>6</a:t>
+                        <a:t>4</a:t>
                       </a:r>
                       <a:r>
                         <a:rPr lang="ko-KR" altLang="en-US" dirty="0" smtClean="0"/>
@@ -5758,81 +5567,7 @@
                       <a:pPr latinLnBrk="1"/>
                       <a:r>
                         <a:rPr lang="en-US" altLang="ko-KR" dirty="0" smtClean="0"/>
-                        <a:t>(6.02~6.08)</a:t>
-                      </a:r>
-                      <a:endParaRPr lang="ko-KR" altLang="en-US" dirty="0"/>
-                    </a:p>
-                  </a:txBody>
-                  <a:tcPr/>
-                </a:tc>
-                <a:tc>
-                  <a:txBody>
-                    <a:bodyPr/>
-                    <a:lstStyle/>
-                    <a:p>
-                      <a:pPr latinLnBrk="1"/>
-                      <a:r>
-                        <a:rPr lang="en-US" altLang="ko-KR" dirty="0" err="1" smtClean="0"/>
-                        <a:t>tkinter</a:t>
-                      </a:r>
-                      <a:r>
-                        <a:rPr lang="en-US" altLang="ko-KR" dirty="0" smtClean="0"/>
-                        <a:t> GUI </a:t>
-                      </a:r>
-                      <a:r>
-                        <a:rPr lang="ko-KR" altLang="en-US" dirty="0" smtClean="0"/>
-                        <a:t>구현</a:t>
-                      </a:r>
-                      <a:endParaRPr lang="ko-KR" altLang="en-US" dirty="0"/>
-                    </a:p>
-                  </a:txBody>
-                  <a:tcPr/>
-                </a:tc>
-                <a:tc>
-                  <a:txBody>
-                    <a:bodyPr/>
-                    <a:lstStyle/>
-                    <a:p>
-                      <a:r>
-                        <a:rPr lang="en-US" altLang="ko-KR" dirty="0" err="1" smtClean="0"/>
-                        <a:t>tkinter</a:t>
-                      </a:r>
-                      <a:r>
-                        <a:rPr lang="en-US" altLang="ko-KR" dirty="0" smtClean="0"/>
-                        <a:t> GUI </a:t>
-                      </a:r>
-                      <a:r>
-                        <a:rPr lang="ko-KR" altLang="en-US" dirty="0" smtClean="0"/>
-                        <a:t>를 통해 인터페이스를 구현</a:t>
-                      </a:r>
-                      <a:endParaRPr lang="ko-KR" altLang="en-US" dirty="0"/>
-                    </a:p>
-                  </a:txBody>
-                  <a:tcPr/>
-                </a:tc>
-              </a:tr>
-              <a:tr h="475456">
-                <a:tc>
-                  <a:txBody>
-                    <a:bodyPr/>
-                    <a:lstStyle/>
-                    <a:p>
-                      <a:pPr latinLnBrk="1"/>
-                      <a:r>
-                        <a:rPr lang="en-US" altLang="ko-KR" dirty="0" smtClean="0"/>
-                        <a:t>7</a:t>
-                      </a:r>
-                      <a:r>
-                        <a:rPr lang="ko-KR" altLang="en-US" dirty="0" smtClean="0"/>
-                        <a:t>주</a:t>
-                      </a:r>
-                      <a:endParaRPr lang="en-US" altLang="ko-KR" dirty="0" smtClean="0"/>
-                    </a:p>
-                    <a:p>
-                      <a:pPr latinLnBrk="1"/>
-                      <a:r>
-                        <a:rPr lang="en-US" altLang="ko-KR" dirty="0" smtClean="0"/>
-                        <a:t>(6.09~6.15)</a:t>
+                        <a:t>(5.19~5.25)</a:t>
                       </a:r>
                       <a:endParaRPr lang="ko-KR" altLang="en-US" dirty="0"/>
                     </a:p>
@@ -5863,9 +5598,297 @@
                       </a:pPr>
                       <a:r>
                         <a:rPr lang="ko-KR" altLang="en-US" dirty="0" smtClean="0"/>
+                        <a:t>다양한 검색 및 조회 기능 구현</a:t>
+                      </a:r>
+                    </a:p>
+                    <a:p>
+                      <a:pPr latinLnBrk="1"/>
+                      <a:endParaRPr lang="ko-KR" altLang="en-US" dirty="0"/>
+                    </a:p>
+                  </a:txBody>
+                  <a:tcPr/>
+                </a:tc>
+                <a:tc>
+                  <a:txBody>
+                    <a:bodyPr/>
+                    <a:lstStyle/>
+                    <a:p>
+                      <a:pPr latinLnBrk="1"/>
+                      <a:r>
+                        <a:rPr lang="ko-KR" altLang="en-US" dirty="0" smtClean="0"/>
+                        <a:t>유기동물 정보 조회</a:t>
+                      </a:r>
+                      <a:r>
+                        <a:rPr lang="en-US" altLang="ko-KR" dirty="0" smtClean="0"/>
+                        <a:t>, </a:t>
+                      </a:r>
+                      <a:r>
+                        <a:rPr lang="ko-KR" altLang="en-US" dirty="0" smtClean="0"/>
+                        <a:t>보호소 조회</a:t>
+                      </a:r>
+                      <a:r>
+                        <a:rPr lang="en-US" altLang="ko-KR" dirty="0" smtClean="0"/>
+                        <a:t>,</a:t>
+                      </a:r>
+                      <a:r>
+                        <a:rPr lang="ko-KR" altLang="en-US" dirty="0" smtClean="0"/>
+                        <a:t>품종 </a:t>
+                      </a:r>
+                      <a:r>
+                        <a:rPr lang="en-US" altLang="ko-KR" dirty="0" smtClean="0"/>
+                        <a:t>,</a:t>
+                      </a:r>
+                      <a:r>
+                        <a:rPr lang="ko-KR" altLang="en-US" dirty="0" smtClean="0"/>
+                        <a:t>마리 수</a:t>
+                      </a:r>
+                      <a:r>
+                        <a:rPr lang="en-US" altLang="ko-KR" dirty="0" smtClean="0"/>
+                        <a:t>,</a:t>
+                      </a:r>
+                      <a:r>
+                        <a:rPr lang="en-US" altLang="ko-KR" baseline="0" dirty="0" smtClean="0"/>
+                        <a:t> </a:t>
+                      </a:r>
+                      <a:r>
+                        <a:rPr lang="ko-KR" altLang="en-US" dirty="0" smtClean="0"/>
+                        <a:t>전화번호 조회</a:t>
+                      </a:r>
+                      <a:endParaRPr lang="ko-KR" altLang="en-US" dirty="0"/>
+                    </a:p>
+                  </a:txBody>
+                  <a:tcPr/>
+                </a:tc>
+              </a:tr>
+              <a:tr h="370840">
+                <a:tc>
+                  <a:txBody>
+                    <a:bodyPr/>
+                    <a:lstStyle/>
+                    <a:p>
+                      <a:pPr latinLnBrk="1"/>
+                      <a:r>
+                        <a:rPr lang="en-US" altLang="ko-KR" dirty="0" smtClean="0"/>
+                        <a:t>5</a:t>
+                      </a:r>
+                      <a:r>
+                        <a:rPr lang="ko-KR" altLang="en-US" dirty="0" smtClean="0"/>
+                        <a:t>주</a:t>
+                      </a:r>
+                      <a:endParaRPr lang="en-US" altLang="ko-KR" dirty="0" smtClean="0"/>
+                    </a:p>
+                    <a:p>
+                      <a:pPr latinLnBrk="1"/>
+                      <a:r>
+                        <a:rPr lang="en-US" altLang="ko-KR" dirty="0" smtClean="0"/>
+                        <a:t>(5.26~6.01)</a:t>
+                      </a:r>
+                      <a:endParaRPr lang="ko-KR" altLang="en-US" dirty="0"/>
+                    </a:p>
+                  </a:txBody>
+                  <a:tcPr/>
+                </a:tc>
+                <a:tc>
+                  <a:txBody>
+                    <a:bodyPr/>
+                    <a:lstStyle/>
+                    <a:p>
+                      <a:pPr latinLnBrk="1"/>
+                      <a:r>
+                        <a:rPr lang="ko-KR" altLang="en-US" dirty="0" smtClean="0"/>
+                        <a:t>중간발표 </a:t>
+                      </a:r>
+                      <a:r>
+                        <a:rPr lang="en-US" altLang="ko-KR" dirty="0" smtClean="0"/>
+                        <a:t>5.29</a:t>
+                      </a:r>
+                    </a:p>
+                  </a:txBody>
+                  <a:tcPr/>
+                </a:tc>
+                <a:tc>
+                  <a:txBody>
+                    <a:bodyPr/>
+                    <a:lstStyle/>
+                    <a:p>
+                      <a:r>
+                        <a:rPr lang="en-US" altLang="ko-KR" dirty="0" err="1" smtClean="0"/>
+                        <a:t>Youtube</a:t>
+                      </a:r>
+                      <a:r>
+                        <a:rPr lang="en-US" altLang="ko-KR" baseline="0" dirty="0" smtClean="0"/>
+                        <a:t> </a:t>
+                      </a:r>
+                      <a:r>
+                        <a:rPr lang="ko-KR" altLang="en-US" baseline="0" dirty="0" smtClean="0"/>
+                        <a:t>활용 중간 시연 발표</a:t>
+                      </a:r>
+                      <a:r>
+                        <a:rPr lang="en-US" altLang="ko-KR" baseline="0" dirty="0" smtClean="0"/>
+                        <a:t> </a:t>
+                      </a:r>
+                      <a:r>
+                        <a:rPr lang="en-US" altLang="ko-KR" baseline="0" dirty="0" smtClean="0"/>
+                        <a:t> </a:t>
+                      </a:r>
+                      <a:endParaRPr lang="ko-KR" altLang="en-US" dirty="0"/>
+                    </a:p>
+                  </a:txBody>
+                  <a:tcPr/>
+                </a:tc>
+              </a:tr>
+              <a:tr h="705832">
+                <a:tc>
+                  <a:txBody>
+                    <a:bodyPr/>
+                    <a:lstStyle/>
+                    <a:p>
+                      <a:pPr latinLnBrk="1"/>
+                      <a:r>
+                        <a:rPr lang="en-US" altLang="ko-KR" dirty="0" smtClean="0"/>
+                        <a:t>6</a:t>
+                      </a:r>
+                      <a:r>
+                        <a:rPr lang="ko-KR" altLang="en-US" dirty="0" smtClean="0"/>
+                        <a:t>주</a:t>
+                      </a:r>
+                      <a:endParaRPr lang="en-US" altLang="ko-KR" dirty="0" smtClean="0"/>
+                    </a:p>
+                    <a:p>
+                      <a:pPr latinLnBrk="1"/>
+                      <a:r>
+                        <a:rPr lang="en-US" altLang="ko-KR" dirty="0" smtClean="0"/>
+                        <a:t>(6.02~6.08)</a:t>
+                      </a:r>
+                      <a:endParaRPr lang="ko-KR" altLang="en-US" dirty="0"/>
+                    </a:p>
+                  </a:txBody>
+                  <a:tcPr/>
+                </a:tc>
+                <a:tc>
+                  <a:txBody>
+                    <a:bodyPr/>
+                    <a:lstStyle/>
+                    <a:p>
+                      <a:pPr marL="0" marR="0" indent="0" algn="l" defTabSz="914400" rtl="0" eaLnBrk="1" fontAlgn="auto" latinLnBrk="1" hangingPunct="1">
+                        <a:lnSpc>
+                          <a:spcPct val="100000"/>
+                        </a:lnSpc>
+                        <a:spcBef>
+                          <a:spcPts val="0"/>
+                        </a:spcBef>
+                        <a:spcAft>
+                          <a:spcPts val="0"/>
+                        </a:spcAft>
+                        <a:buClrTx/>
+                        <a:buSzTx/>
+                        <a:buFontTx/>
+                        <a:buNone/>
+                        <a:tabLst/>
+                        <a:defRPr/>
+                      </a:pPr>
+                      <a:r>
+                        <a:rPr lang="ko-KR" altLang="en-US" dirty="0" smtClean="0"/>
+                        <a:t>검색 </a:t>
+                      </a:r>
+                      <a:r>
+                        <a:rPr lang="ko-KR" altLang="en-US" dirty="0" err="1" smtClean="0"/>
+                        <a:t>필터링</a:t>
+                      </a:r>
+                      <a:r>
+                        <a:rPr lang="ko-KR" altLang="en-US" dirty="0" smtClean="0"/>
+                        <a:t> 기능</a:t>
+                      </a:r>
+                      <a:r>
+                        <a:rPr lang="ko-KR" altLang="en-US" baseline="0" dirty="0" smtClean="0"/>
+                        <a:t> 구현</a:t>
+                      </a:r>
+                      <a:endParaRPr lang="ko-KR" altLang="en-US" dirty="0" smtClean="0"/>
+                    </a:p>
+                    <a:p>
+                      <a:pPr latinLnBrk="1"/>
+                      <a:endParaRPr lang="ko-KR" altLang="en-US" dirty="0" smtClean="0"/>
+                    </a:p>
+                  </a:txBody>
+                  <a:tcPr/>
+                </a:tc>
+                <a:tc>
+                  <a:txBody>
+                    <a:bodyPr/>
+                    <a:lstStyle/>
+                    <a:p>
+                      <a:r>
+                        <a:rPr lang="ko-KR" altLang="en-US" dirty="0" smtClean="0"/>
+                        <a:t>검색 </a:t>
+                      </a:r>
+                      <a:r>
+                        <a:rPr lang="ko-KR" altLang="en-US" dirty="0" err="1" smtClean="0"/>
+                        <a:t>필터링</a:t>
+                      </a:r>
+                      <a:r>
+                        <a:rPr lang="ko-KR" altLang="en-US" dirty="0" smtClean="0"/>
+                        <a:t> 기능 구현</a:t>
+                      </a:r>
+                      <a:endParaRPr lang="ko-KR" altLang="en-US" dirty="0"/>
+                    </a:p>
+                  </a:txBody>
+                  <a:tcPr/>
+                </a:tc>
+              </a:tr>
+              <a:tr h="475456">
+                <a:tc>
+                  <a:txBody>
+                    <a:bodyPr/>
+                    <a:lstStyle/>
+                    <a:p>
+                      <a:pPr latinLnBrk="1"/>
+                      <a:r>
+                        <a:rPr lang="en-US" altLang="ko-KR" dirty="0" smtClean="0"/>
+                        <a:t>7</a:t>
+                      </a:r>
+                      <a:r>
+                        <a:rPr lang="ko-KR" altLang="en-US" dirty="0" smtClean="0"/>
+                        <a:t>주</a:t>
+                      </a:r>
+                      <a:endParaRPr lang="en-US" altLang="ko-KR" dirty="0" smtClean="0"/>
+                    </a:p>
+                    <a:p>
+                      <a:pPr latinLnBrk="1"/>
+                      <a:r>
+                        <a:rPr lang="en-US" altLang="ko-KR" dirty="0" smtClean="0"/>
+                        <a:t>(6.09~6.15)</a:t>
+                      </a:r>
+                      <a:endParaRPr lang="ko-KR" altLang="en-US" dirty="0"/>
+                    </a:p>
+                  </a:txBody>
+                  <a:tcPr/>
+                </a:tc>
+                <a:tc>
+                  <a:txBody>
+                    <a:bodyPr/>
+                    <a:lstStyle/>
+                    <a:p>
+                      <a:pPr marL="0" marR="0" indent="0" algn="l" defTabSz="914400" rtl="0" eaLnBrk="1" fontAlgn="auto" latinLnBrk="1" hangingPunct="1">
+                        <a:lnSpc>
+                          <a:spcPct val="100000"/>
+                        </a:lnSpc>
+                        <a:spcBef>
+                          <a:spcPts val="0"/>
+                        </a:spcBef>
+                        <a:spcAft>
+                          <a:spcPts val="0"/>
+                        </a:spcAft>
+                        <a:buClrTx/>
+                        <a:buSzTx/>
+                        <a:buFontTx/>
+                        <a:buNone/>
+                        <a:tabLst/>
+                        <a:defRPr/>
+                      </a:pPr>
+                      <a:r>
+                        <a:rPr lang="ko-KR" altLang="en-US" dirty="0" smtClean="0"/>
                         <a:t>추가 기능 구현</a:t>
                       </a:r>
-                      <a:endParaRPr lang="ko-KR" altLang="en-US" dirty="0" smtClean="0"/>
                     </a:p>
                   </a:txBody>
                   <a:tcPr/>

--- a/스크립트언어 팀플.pptx
+++ b/스크립트언어 팀플.pptx
@@ -110,6 +110,22 @@
       </a:defRPr>
     </a:lvl9pPr>
   </p:defaultTextStyle>
+  <p:extLst>
+    <p:ext uri="{EFAFB233-063F-42B5-8137-9DF3F51BA10A}">
+      <p15:sldGuideLst xmlns:p15="http://schemas.microsoft.com/office/powerpoint/2012/main">
+        <p15:guide id="1" orient="horz" pos="2160">
+          <p15:clr>
+            <a:srgbClr val="A4A3A4"/>
+          </p15:clr>
+        </p15:guide>
+        <p15:guide id="2" pos="2880">
+          <p15:clr>
+            <a:srgbClr val="A4A3A4"/>
+          </p15:clr>
+        </p15:guide>
+      </p15:sldGuideLst>
+    </p:ext>
+  </p:extLst>
 </p:presentation>
 </file>
 
@@ -172,7 +188,7 @@
           <a:p>
             <a:fld id="{852F36A6-A4D8-4A3C-BE6D-40AF0F26CC14}" type="datetimeFigureOut">
               <a:rPr lang="ko-KR" altLang="en-US" smtClean="0"/>
-              <a:t>2019-05-09</a:t>
+              <a:t>2019-05-10</a:t>
             </a:fld>
             <a:endParaRPr lang="ko-KR" altLang="en-US"/>
           </a:p>
@@ -332,7 +348,7 @@
           </a:lstStyle>
           <a:p>
             <a:r>
-              <a:rPr lang="ko-KR" altLang="en-US" smtClean="0"/>
+              <a:rPr lang="ko-KR" altLang="en-US"/>
               <a:t>마스터 부제목 스타일 편집</a:t>
             </a:r>
             <a:endParaRPr lang="en-US" dirty="0"/>
@@ -364,7 +380,7 @@
           </a:lstStyle>
           <a:p>
             <a:r>
-              <a:rPr lang="ko-KR" altLang="en-US" smtClean="0"/>
+              <a:rPr lang="ko-KR" altLang="en-US"/>
               <a:t>마스터 제목 스타일 편집</a:t>
             </a:r>
             <a:endParaRPr lang="en-US" dirty="0"/>
@@ -412,7 +428,7 @@
           <a:lstStyle/>
           <a:p>
             <a:r>
-              <a:rPr lang="ko-KR" altLang="en-US" smtClean="0"/>
+              <a:rPr lang="ko-KR" altLang="en-US"/>
               <a:t>마스터 제목 스타일 편집</a:t>
             </a:r>
             <a:endParaRPr lang="en-US" dirty="0"/>
@@ -436,35 +452,35 @@
           <a:p>
             <a:pPr lvl="0"/>
             <a:r>
-              <a:rPr lang="ko-KR" altLang="en-US" smtClean="0"/>
+              <a:rPr lang="ko-KR" altLang="en-US"/>
               <a:t>마스터 텍스트 스타일을 편집합니다</a:t>
             </a:r>
           </a:p>
           <a:p>
             <a:pPr lvl="1"/>
             <a:r>
-              <a:rPr lang="ko-KR" altLang="en-US" smtClean="0"/>
+              <a:rPr lang="ko-KR" altLang="en-US"/>
               <a:t>둘째 수준</a:t>
             </a:r>
           </a:p>
           <a:p>
             <a:pPr lvl="2"/>
             <a:r>
-              <a:rPr lang="ko-KR" altLang="en-US" smtClean="0"/>
+              <a:rPr lang="ko-KR" altLang="en-US"/>
               <a:t>셋째 수준</a:t>
             </a:r>
           </a:p>
           <a:p>
             <a:pPr lvl="3"/>
             <a:r>
-              <a:rPr lang="ko-KR" altLang="en-US" smtClean="0"/>
+              <a:rPr lang="ko-KR" altLang="en-US"/>
               <a:t>넷째 수준</a:t>
             </a:r>
           </a:p>
           <a:p>
             <a:pPr lvl="4"/>
             <a:r>
-              <a:rPr lang="ko-KR" altLang="en-US" smtClean="0"/>
+              <a:rPr lang="ko-KR" altLang="en-US"/>
               <a:t>다섯째 수준</a:t>
             </a:r>
             <a:endParaRPr lang="en-US"/>
@@ -488,7 +504,7 @@
           <a:p>
             <a:fld id="{852F36A6-A4D8-4A3C-BE6D-40AF0F26CC14}" type="datetimeFigureOut">
               <a:rPr lang="ko-KR" altLang="en-US" smtClean="0"/>
-              <a:t>2019-05-09</a:t>
+              <a:t>2019-05-10</a:t>
             </a:fld>
             <a:endParaRPr lang="ko-KR" altLang="en-US"/>
           </a:p>
@@ -582,7 +598,7 @@
           <a:lstStyle/>
           <a:p>
             <a:r>
-              <a:rPr lang="ko-KR" altLang="en-US" smtClean="0"/>
+              <a:rPr lang="ko-KR" altLang="en-US"/>
               <a:t>마스터 제목 스타일 편집</a:t>
             </a:r>
             <a:endParaRPr lang="en-US" dirty="0"/>
@@ -611,35 +627,35 @@
           <a:p>
             <a:pPr lvl="0"/>
             <a:r>
-              <a:rPr lang="ko-KR" altLang="en-US" smtClean="0"/>
+              <a:rPr lang="ko-KR" altLang="en-US"/>
               <a:t>마스터 텍스트 스타일을 편집합니다</a:t>
             </a:r>
           </a:p>
           <a:p>
             <a:pPr lvl="1"/>
             <a:r>
-              <a:rPr lang="ko-KR" altLang="en-US" smtClean="0"/>
+              <a:rPr lang="ko-KR" altLang="en-US"/>
               <a:t>둘째 수준</a:t>
             </a:r>
           </a:p>
           <a:p>
             <a:pPr lvl="2"/>
             <a:r>
-              <a:rPr lang="ko-KR" altLang="en-US" smtClean="0"/>
+              <a:rPr lang="ko-KR" altLang="en-US"/>
               <a:t>셋째 수준</a:t>
             </a:r>
           </a:p>
           <a:p>
             <a:pPr lvl="3"/>
             <a:r>
-              <a:rPr lang="ko-KR" altLang="en-US" smtClean="0"/>
+              <a:rPr lang="ko-KR" altLang="en-US"/>
               <a:t>넷째 수준</a:t>
             </a:r>
           </a:p>
           <a:p>
             <a:pPr lvl="4"/>
             <a:r>
-              <a:rPr lang="ko-KR" altLang="en-US" smtClean="0"/>
+              <a:rPr lang="ko-KR" altLang="en-US"/>
               <a:t>다섯째 수준</a:t>
             </a:r>
             <a:endParaRPr lang="en-US"/>
@@ -663,7 +679,7 @@
           <a:p>
             <a:fld id="{852F36A6-A4D8-4A3C-BE6D-40AF0F26CC14}" type="datetimeFigureOut">
               <a:rPr lang="ko-KR" altLang="en-US" smtClean="0"/>
-              <a:t>2019-05-09</a:t>
+              <a:t>2019-05-10</a:t>
             </a:fld>
             <a:endParaRPr lang="ko-KR" altLang="en-US"/>
           </a:p>
@@ -757,7 +773,7 @@
           <a:lstStyle/>
           <a:p>
             <a:r>
-              <a:rPr lang="ko-KR" altLang="en-US" smtClean="0"/>
+              <a:rPr lang="ko-KR" altLang="en-US"/>
               <a:t>마스터 제목 스타일 편집</a:t>
             </a:r>
             <a:endParaRPr lang="en-US" dirty="0"/>
@@ -781,7 +797,7 @@
           <a:p>
             <a:fld id="{852F36A6-A4D8-4A3C-BE6D-40AF0F26CC14}" type="datetimeFigureOut">
               <a:rPr lang="ko-KR" altLang="en-US" smtClean="0"/>
-              <a:t>2019-05-09</a:t>
+              <a:t>2019-05-10</a:t>
             </a:fld>
             <a:endParaRPr lang="ko-KR" altLang="en-US"/>
           </a:p>
@@ -851,35 +867,35 @@
           <a:p>
             <a:pPr lvl="0"/>
             <a:r>
-              <a:rPr lang="ko-KR" altLang="en-US" smtClean="0"/>
+              <a:rPr lang="ko-KR" altLang="en-US"/>
               <a:t>마스터 텍스트 스타일을 편집합니다</a:t>
             </a:r>
           </a:p>
           <a:p>
             <a:pPr lvl="1"/>
             <a:r>
-              <a:rPr lang="ko-KR" altLang="en-US" smtClean="0"/>
+              <a:rPr lang="ko-KR" altLang="en-US"/>
               <a:t>둘째 수준</a:t>
             </a:r>
           </a:p>
           <a:p>
             <a:pPr lvl="2"/>
             <a:r>
-              <a:rPr lang="ko-KR" altLang="en-US" smtClean="0"/>
+              <a:rPr lang="ko-KR" altLang="en-US"/>
               <a:t>셋째 수준</a:t>
             </a:r>
           </a:p>
           <a:p>
             <a:pPr lvl="3"/>
             <a:r>
-              <a:rPr lang="ko-KR" altLang="en-US" smtClean="0"/>
+              <a:rPr lang="ko-KR" altLang="en-US"/>
               <a:t>넷째 수준</a:t>
             </a:r>
           </a:p>
           <a:p>
             <a:pPr lvl="4"/>
             <a:r>
-              <a:rPr lang="ko-KR" altLang="en-US" smtClean="0"/>
+              <a:rPr lang="ko-KR" altLang="en-US"/>
               <a:t>다섯째 수준</a:t>
             </a:r>
             <a:endParaRPr lang="en-US" dirty="0"/>
@@ -936,7 +952,7 @@
           </a:lstStyle>
           <a:p>
             <a:r>
-              <a:rPr lang="ko-KR" altLang="en-US" smtClean="0"/>
+              <a:rPr lang="ko-KR" altLang="en-US"/>
               <a:t>마스터 제목 스타일 편집</a:t>
             </a:r>
             <a:endParaRPr lang="en-US" dirty="0"/>
@@ -1056,7 +1072,7 @@
           <a:p>
             <a:pPr lvl="0"/>
             <a:r>
-              <a:rPr lang="ko-KR" altLang="en-US" smtClean="0"/>
+              <a:rPr lang="ko-KR" altLang="en-US"/>
               <a:t>마스터 텍스트 스타일을 편집합니다</a:t>
             </a:r>
           </a:p>
@@ -1079,7 +1095,7 @@
           <a:p>
             <a:fld id="{852F36A6-A4D8-4A3C-BE6D-40AF0F26CC14}" type="datetimeFigureOut">
               <a:rPr lang="ko-KR" altLang="en-US" smtClean="0"/>
-              <a:t>2019-05-09</a:t>
+              <a:t>2019-05-10</a:t>
             </a:fld>
             <a:endParaRPr lang="ko-KR" altLang="en-US"/>
           </a:p>
@@ -1210,38 +1226,38 @@
           <a:p>
             <a:pPr lvl="0"/>
             <a:r>
-              <a:rPr lang="ko-KR" altLang="en-US" smtClean="0"/>
+              <a:rPr lang="ko-KR" altLang="en-US"/>
               <a:t>마스터 텍스트 스타일을 편집합니다</a:t>
             </a:r>
           </a:p>
           <a:p>
             <a:pPr lvl="1"/>
             <a:r>
-              <a:rPr lang="ko-KR" altLang="en-US" smtClean="0"/>
+              <a:rPr lang="ko-KR" altLang="en-US"/>
               <a:t>둘째 수준</a:t>
             </a:r>
           </a:p>
           <a:p>
             <a:pPr lvl="2"/>
             <a:r>
-              <a:rPr lang="ko-KR" altLang="en-US" smtClean="0"/>
+              <a:rPr lang="ko-KR" altLang="en-US"/>
               <a:t>셋째 수준</a:t>
             </a:r>
           </a:p>
           <a:p>
             <a:pPr lvl="3"/>
             <a:r>
-              <a:rPr lang="ko-KR" altLang="en-US" smtClean="0"/>
+              <a:rPr lang="ko-KR" altLang="en-US"/>
               <a:t>넷째 수준</a:t>
             </a:r>
           </a:p>
           <a:p>
             <a:pPr lvl="4"/>
             <a:r>
-              <a:rPr lang="ko-KR" altLang="en-US" smtClean="0"/>
+              <a:rPr lang="ko-KR" altLang="en-US"/>
               <a:t>다섯째 수준</a:t>
             </a:r>
-            <a:endParaRPr lang="en-US" dirty="0" smtClean="0"/>
+            <a:endParaRPr lang="en-US" dirty="0"/>
           </a:p>
         </p:txBody>
       </p:sp>
@@ -1292,38 +1308,38 @@
           <a:p>
             <a:pPr lvl="0"/>
             <a:r>
-              <a:rPr lang="ko-KR" altLang="en-US" smtClean="0"/>
+              <a:rPr lang="ko-KR" altLang="en-US"/>
               <a:t>마스터 텍스트 스타일을 편집합니다</a:t>
             </a:r>
           </a:p>
           <a:p>
             <a:pPr lvl="1"/>
             <a:r>
-              <a:rPr lang="ko-KR" altLang="en-US" smtClean="0"/>
+              <a:rPr lang="ko-KR" altLang="en-US"/>
               <a:t>둘째 수준</a:t>
             </a:r>
           </a:p>
           <a:p>
             <a:pPr lvl="2"/>
             <a:r>
-              <a:rPr lang="ko-KR" altLang="en-US" smtClean="0"/>
+              <a:rPr lang="ko-KR" altLang="en-US"/>
               <a:t>셋째 수준</a:t>
             </a:r>
           </a:p>
           <a:p>
             <a:pPr lvl="3"/>
             <a:r>
-              <a:rPr lang="ko-KR" altLang="en-US" smtClean="0"/>
+              <a:rPr lang="ko-KR" altLang="en-US"/>
               <a:t>넷째 수준</a:t>
             </a:r>
           </a:p>
           <a:p>
             <a:pPr lvl="4"/>
             <a:r>
-              <a:rPr lang="ko-KR" altLang="en-US" smtClean="0"/>
+              <a:rPr lang="ko-KR" altLang="en-US"/>
               <a:t>다섯째 수준</a:t>
             </a:r>
-            <a:endParaRPr lang="en-US" dirty="0" smtClean="0"/>
+            <a:endParaRPr lang="en-US" dirty="0"/>
           </a:p>
         </p:txBody>
       </p:sp>
@@ -1348,7 +1364,7 @@
           <a:lstStyle/>
           <a:p>
             <a:r>
-              <a:rPr lang="ko-KR" altLang="en-US" smtClean="0"/>
+              <a:rPr lang="ko-KR" altLang="en-US"/>
               <a:t>마스터 제목 스타일 편집</a:t>
             </a:r>
             <a:endParaRPr lang="en-US" dirty="0"/>
@@ -1372,7 +1388,7 @@
           <a:p>
             <a:fld id="{852F36A6-A4D8-4A3C-BE6D-40AF0F26CC14}" type="datetimeFigureOut">
               <a:rPr lang="ko-KR" altLang="en-US" smtClean="0"/>
-              <a:t>2019-05-09</a:t>
+              <a:t>2019-05-10</a:t>
             </a:fld>
             <a:endParaRPr lang="ko-KR" altLang="en-US"/>
           </a:p>
@@ -1492,38 +1508,38 @@
           <a:p>
             <a:pPr lvl="0"/>
             <a:r>
-              <a:rPr lang="ko-KR" altLang="en-US" smtClean="0"/>
+              <a:rPr lang="ko-KR" altLang="en-US"/>
               <a:t>마스터 텍스트 스타일을 편집합니다</a:t>
             </a:r>
           </a:p>
           <a:p>
             <a:pPr lvl="1"/>
             <a:r>
-              <a:rPr lang="ko-KR" altLang="en-US" smtClean="0"/>
+              <a:rPr lang="ko-KR" altLang="en-US"/>
               <a:t>둘째 수준</a:t>
             </a:r>
           </a:p>
           <a:p>
             <a:pPr lvl="2"/>
             <a:r>
-              <a:rPr lang="ko-KR" altLang="en-US" smtClean="0"/>
+              <a:rPr lang="ko-KR" altLang="en-US"/>
               <a:t>셋째 수준</a:t>
             </a:r>
           </a:p>
           <a:p>
             <a:pPr lvl="3"/>
             <a:r>
-              <a:rPr lang="ko-KR" altLang="en-US" smtClean="0"/>
+              <a:rPr lang="ko-KR" altLang="en-US"/>
               <a:t>넷째 수준</a:t>
             </a:r>
           </a:p>
           <a:p>
             <a:pPr lvl="4"/>
             <a:r>
-              <a:rPr lang="ko-KR" altLang="en-US" smtClean="0"/>
+              <a:rPr lang="ko-KR" altLang="en-US"/>
               <a:t>다섯째 수준</a:t>
             </a:r>
-            <a:endParaRPr lang="en-US" dirty="0" smtClean="0"/>
+            <a:endParaRPr lang="en-US" dirty="0"/>
           </a:p>
         </p:txBody>
       </p:sp>
@@ -1574,38 +1590,38 @@
           <a:p>
             <a:pPr lvl="0"/>
             <a:r>
-              <a:rPr lang="ko-KR" altLang="en-US" smtClean="0"/>
+              <a:rPr lang="ko-KR" altLang="en-US"/>
               <a:t>마스터 텍스트 스타일을 편집합니다</a:t>
             </a:r>
           </a:p>
           <a:p>
             <a:pPr lvl="1"/>
             <a:r>
-              <a:rPr lang="ko-KR" altLang="en-US" smtClean="0"/>
+              <a:rPr lang="ko-KR" altLang="en-US"/>
               <a:t>둘째 수준</a:t>
             </a:r>
           </a:p>
           <a:p>
             <a:pPr lvl="2"/>
             <a:r>
-              <a:rPr lang="ko-KR" altLang="en-US" smtClean="0"/>
+              <a:rPr lang="ko-KR" altLang="en-US"/>
               <a:t>셋째 수준</a:t>
             </a:r>
           </a:p>
           <a:p>
             <a:pPr lvl="3"/>
             <a:r>
-              <a:rPr lang="ko-KR" altLang="en-US" smtClean="0"/>
+              <a:rPr lang="ko-KR" altLang="en-US"/>
               <a:t>넷째 수준</a:t>
             </a:r>
           </a:p>
           <a:p>
             <a:pPr lvl="4"/>
             <a:r>
-              <a:rPr lang="ko-KR" altLang="en-US" smtClean="0"/>
+              <a:rPr lang="ko-KR" altLang="en-US"/>
               <a:t>다섯째 수준</a:t>
             </a:r>
-            <a:endParaRPr lang="en-US" dirty="0" smtClean="0"/>
+            <a:endParaRPr lang="en-US" dirty="0"/>
           </a:p>
         </p:txBody>
       </p:sp>
@@ -1634,7 +1650,7 @@
           </a:lstStyle>
           <a:p>
             <a:r>
-              <a:rPr lang="ko-KR" altLang="en-US" smtClean="0"/>
+              <a:rPr lang="ko-KR" altLang="en-US"/>
               <a:t>마스터 제목 스타일 편집</a:t>
             </a:r>
             <a:endParaRPr lang="en-US" dirty="0"/>
@@ -1706,7 +1722,7 @@
           <a:p>
             <a:pPr lvl="0"/>
             <a:r>
-              <a:rPr lang="ko-KR" altLang="en-US" smtClean="0"/>
+              <a:rPr lang="ko-KR" altLang="en-US"/>
               <a:t>마스터 텍스트 스타일을 편집합니다</a:t>
             </a:r>
           </a:p>
@@ -1777,7 +1793,7 @@
           <a:p>
             <a:pPr lvl="0"/>
             <a:r>
-              <a:rPr lang="ko-KR" altLang="en-US" smtClean="0"/>
+              <a:rPr lang="ko-KR" altLang="en-US"/>
               <a:t>마스터 텍스트 스타일을 편집합니다</a:t>
             </a:r>
           </a:p>
@@ -1800,7 +1816,7 @@
           <a:p>
             <a:fld id="{852F36A6-A4D8-4A3C-BE6D-40AF0F26CC14}" type="datetimeFigureOut">
               <a:rPr lang="ko-KR" altLang="en-US" smtClean="0"/>
-              <a:t>2019-05-09</a:t>
+              <a:t>2019-05-10</a:t>
             </a:fld>
             <a:endParaRPr lang="ko-KR" altLang="en-US"/>
           </a:p>
@@ -1894,7 +1910,7 @@
           <a:lstStyle/>
           <a:p>
             <a:r>
-              <a:rPr lang="ko-KR" altLang="en-US" smtClean="0"/>
+              <a:rPr lang="ko-KR" altLang="en-US"/>
               <a:t>마스터 제목 스타일 편집</a:t>
             </a:r>
             <a:endParaRPr lang="en-US" dirty="0"/>
@@ -1918,7 +1934,7 @@
           <a:p>
             <a:fld id="{852F36A6-A4D8-4A3C-BE6D-40AF0F26CC14}" type="datetimeFigureOut">
               <a:rPr lang="ko-KR" altLang="en-US" smtClean="0"/>
-              <a:t>2019-05-09</a:t>
+              <a:t>2019-05-10</a:t>
             </a:fld>
             <a:endParaRPr lang="ko-KR" altLang="en-US"/>
           </a:p>
@@ -2008,7 +2024,7 @@
           <a:p>
             <a:fld id="{852F36A6-A4D8-4A3C-BE6D-40AF0F26CC14}" type="datetimeFigureOut">
               <a:rPr lang="ko-KR" altLang="en-US" smtClean="0"/>
-              <a:t>2019-05-09</a:t>
+              <a:t>2019-05-10</a:t>
             </a:fld>
             <a:endParaRPr lang="ko-KR" altLang="en-US"/>
           </a:p>
@@ -2103,35 +2119,35 @@
           <a:p>
             <a:pPr lvl="0"/>
             <a:r>
-              <a:rPr lang="ko-KR" altLang="en-US" smtClean="0"/>
+              <a:rPr lang="ko-KR" altLang="en-US"/>
               <a:t>마스터 텍스트 스타일을 편집합니다</a:t>
             </a:r>
           </a:p>
           <a:p>
             <a:pPr lvl="1"/>
             <a:r>
-              <a:rPr lang="ko-KR" altLang="en-US" smtClean="0"/>
+              <a:rPr lang="ko-KR" altLang="en-US"/>
               <a:t>둘째 수준</a:t>
             </a:r>
           </a:p>
           <a:p>
             <a:pPr lvl="2"/>
             <a:r>
-              <a:rPr lang="ko-KR" altLang="en-US" smtClean="0"/>
+              <a:rPr lang="ko-KR" altLang="en-US"/>
               <a:t>셋째 수준</a:t>
             </a:r>
           </a:p>
           <a:p>
             <a:pPr lvl="3"/>
             <a:r>
-              <a:rPr lang="ko-KR" altLang="en-US" smtClean="0"/>
+              <a:rPr lang="ko-KR" altLang="en-US"/>
               <a:t>넷째 수준</a:t>
             </a:r>
           </a:p>
           <a:p>
             <a:pPr lvl="4"/>
             <a:r>
-              <a:rPr lang="ko-KR" altLang="en-US" smtClean="0"/>
+              <a:rPr lang="ko-KR" altLang="en-US"/>
               <a:t>다섯째 수준</a:t>
             </a:r>
             <a:endParaRPr lang="en-US" dirty="0"/>
@@ -2167,7 +2183,7 @@
           </a:lstStyle>
           <a:p>
             <a:r>
-              <a:rPr lang="ko-KR" altLang="en-US" smtClean="0"/>
+              <a:rPr lang="ko-KR" altLang="en-US"/>
               <a:t>마스터 제목 스타일 편집</a:t>
             </a:r>
             <a:endParaRPr lang="en-US" dirty="0"/>
@@ -2235,7 +2251,7 @@
           <a:p>
             <a:pPr lvl="0"/>
             <a:r>
-              <a:rPr lang="ko-KR" altLang="en-US" smtClean="0"/>
+              <a:rPr lang="ko-KR" altLang="en-US"/>
               <a:t>마스터 텍스트 스타일을 편집합니다</a:t>
             </a:r>
           </a:p>
@@ -2258,7 +2274,7 @@
           <a:p>
             <a:fld id="{852F36A6-A4D8-4A3C-BE6D-40AF0F26CC14}" type="datetimeFigureOut">
               <a:rPr lang="ko-KR" altLang="en-US" smtClean="0"/>
-              <a:t>2019-05-09</a:t>
+              <a:t>2019-05-10</a:t>
             </a:fld>
             <a:endParaRPr lang="ko-KR" altLang="en-US"/>
           </a:p>
@@ -2384,7 +2400,7 @@
           </a:lstStyle>
           <a:p>
             <a:r>
-              <a:rPr lang="ko-KR" altLang="en-US" smtClean="0"/>
+              <a:rPr lang="ko-KR" altLang="en-US"/>
               <a:t>마스터 제목 스타일 편집</a:t>
             </a:r>
             <a:endParaRPr lang="en-US" dirty="0"/>
@@ -2683,7 +2699,7 @@
           </a:lstStyle>
           <a:p>
             <a:r>
-              <a:rPr lang="ko-KR" altLang="en-US" smtClean="0"/>
+              <a:rPr lang="ko-KR" altLang="en-US"/>
               <a:t>그림을 추가하려면 아이콘을 클릭하십시오</a:t>
             </a:r>
             <a:endParaRPr lang="en-US" dirty="0"/>
@@ -2751,7 +2767,7 @@
           <a:p>
             <a:pPr lvl="0"/>
             <a:r>
-              <a:rPr lang="ko-KR" altLang="en-US" smtClean="0"/>
+              <a:rPr lang="ko-KR" altLang="en-US"/>
               <a:t>마스터 텍스트 스타일을 편집합니다</a:t>
             </a:r>
           </a:p>
@@ -2774,7 +2790,7 @@
           <a:p>
             <a:fld id="{852F36A6-A4D8-4A3C-BE6D-40AF0F26CC14}" type="datetimeFigureOut">
               <a:rPr lang="ko-KR" altLang="en-US" smtClean="0"/>
-              <a:t>2019-05-09</a:t>
+              <a:t>2019-05-10</a:t>
             </a:fld>
             <a:endParaRPr lang="ko-KR" altLang="en-US"/>
           </a:p>
@@ -2902,7 +2918,7 @@
           <a:lstStyle/>
           <a:p>
             <a:r>
-              <a:rPr lang="ko-KR" altLang="en-US" smtClean="0"/>
+              <a:rPr lang="ko-KR" altLang="en-US"/>
               <a:t>마스터 제목 스타일 편집</a:t>
             </a:r>
             <a:endParaRPr lang="en-US" dirty="0"/>
@@ -2936,38 +2952,38 @@
           <a:p>
             <a:pPr lvl="0"/>
             <a:r>
-              <a:rPr lang="ko-KR" altLang="en-US" smtClean="0"/>
+              <a:rPr lang="ko-KR" altLang="en-US"/>
               <a:t>마스터 텍스트 스타일을 편집합니다</a:t>
             </a:r>
           </a:p>
           <a:p>
             <a:pPr lvl="1"/>
             <a:r>
-              <a:rPr lang="ko-KR" altLang="en-US" smtClean="0"/>
+              <a:rPr lang="ko-KR" altLang="en-US"/>
               <a:t>둘째 수준</a:t>
             </a:r>
           </a:p>
           <a:p>
             <a:pPr lvl="2"/>
             <a:r>
-              <a:rPr lang="ko-KR" altLang="en-US" smtClean="0"/>
+              <a:rPr lang="ko-KR" altLang="en-US"/>
               <a:t>셋째 수준</a:t>
             </a:r>
           </a:p>
           <a:p>
             <a:pPr lvl="3"/>
             <a:r>
-              <a:rPr lang="ko-KR" altLang="en-US" smtClean="0"/>
+              <a:rPr lang="ko-KR" altLang="en-US"/>
               <a:t>넷째 수준</a:t>
             </a:r>
           </a:p>
           <a:p>
             <a:pPr lvl="4"/>
             <a:r>
-              <a:rPr lang="ko-KR" altLang="en-US" smtClean="0"/>
+              <a:rPr lang="ko-KR" altLang="en-US"/>
               <a:t>다섯째 수준</a:t>
             </a:r>
-            <a:endParaRPr lang="en-US" dirty="0" smtClean="0"/>
+            <a:endParaRPr lang="en-US" dirty="0"/>
           </a:p>
         </p:txBody>
       </p:sp>
@@ -3004,7 +3020,7 @@
           <a:p>
             <a:fld id="{852F36A6-A4D8-4A3C-BE6D-40AF0F26CC14}" type="datetimeFigureOut">
               <a:rPr lang="ko-KR" altLang="en-US" smtClean="0"/>
-              <a:t>2019-05-09</a:t>
+              <a:t>2019-05-10</a:t>
             </a:fld>
             <a:endParaRPr lang="ko-KR" altLang="en-US"/>
           </a:p>
@@ -3530,25 +3546,24 @@
           <a:lstStyle/>
           <a:p>
             <a:r>
-              <a:rPr lang="en-US" altLang="ko-KR" sz="2800" dirty="0" smtClean="0"/>
+              <a:rPr lang="en-US" altLang="ko-KR" sz="2800" dirty="0"/>
               <a:t>2017184024 </a:t>
             </a:r>
             <a:r>
-              <a:rPr lang="ko-KR" altLang="en-US" sz="2800" dirty="0" smtClean="0"/>
+              <a:rPr lang="ko-KR" altLang="en-US" sz="2800" dirty="0"/>
               <a:t>이예지</a:t>
             </a:r>
-            <a:endParaRPr lang="en-US" altLang="ko-KR" sz="2800" dirty="0" smtClean="0"/>
-          </a:p>
-          <a:p>
-            <a:r>
-              <a:rPr lang="en-US" altLang="ko-KR" sz="2800" dirty="0" smtClean="0"/>
+            <a:endParaRPr lang="en-US" altLang="ko-KR" sz="2800" dirty="0"/>
+          </a:p>
+          <a:p>
+            <a:r>
+              <a:rPr lang="en-US" altLang="ko-KR" sz="2800" dirty="0"/>
               <a:t>2017184032 </a:t>
             </a:r>
             <a:r>
-              <a:rPr lang="ko-KR" altLang="en-US" sz="2800" dirty="0" smtClean="0"/>
+              <a:rPr lang="ko-KR" altLang="en-US" sz="2800" dirty="0"/>
               <a:t>진서영</a:t>
             </a:r>
-            <a:endParaRPr lang="ko-KR" altLang="en-US" sz="2800" dirty="0"/>
           </a:p>
         </p:txBody>
       </p:sp>
@@ -3578,32 +3593,21 @@
               </a:lnSpc>
             </a:pPr>
             <a:r>
-              <a:rPr lang="ko-KR" altLang="en-US" dirty="0" smtClean="0"/>
+              <a:rPr lang="ko-KR" altLang="en-US" dirty="0"/>
               <a:t>스크립트 언어 </a:t>
             </a:r>
             <a:r>
-              <a:rPr lang="ko-KR" altLang="en-US" dirty="0" err="1" smtClean="0"/>
+              <a:rPr lang="ko-KR" altLang="en-US" dirty="0" err="1"/>
               <a:t>텀프로젝트</a:t>
             </a:r>
-            <a:r>
-              <a:rPr lang="en-US" altLang="ko-KR" dirty="0" smtClean="0"/>
-              <a:t/>
-            </a:r>
             <a:br>
-              <a:rPr lang="en-US" altLang="ko-KR" dirty="0" smtClean="0"/>
+              <a:rPr lang="en-US" altLang="ko-KR" dirty="0"/>
             </a:br>
             <a:r>
               <a:rPr lang="ko-KR" altLang="en-US" sz="2400" dirty="0">
                 <a:latin typeface="+mj-ea"/>
               </a:rPr>
               <a:t>기획발표</a:t>
-            </a:r>
-            <a:r>
-              <a:rPr lang="ko-KR" altLang="en-US" dirty="0">
-                <a:latin typeface="HY나무L" panose="02030600000101010101" pitchFamily="18" charset="-127"/>
-                <a:ea typeface="HY나무L" panose="02030600000101010101" pitchFamily="18" charset="-127"/>
-              </a:rPr>
-              <a:t/>
             </a:r>
             <a:br>
               <a:rPr lang="ko-KR" altLang="en-US" dirty="0">
@@ -3625,13 +3629,6 @@
   <p:clrMapOvr>
     <a:masterClrMapping/>
   </p:clrMapOvr>
-  <p:timing>
-    <p:tnLst>
-      <p:par>
-        <p:cTn id="1" dur="indefinite" restart="never" nodeType="tmRoot"/>
-      </p:par>
-    </p:tnLst>
-  </p:timing>
 </p:sld>
 </file>
 
@@ -3670,10 +3667,9 @@
           <a:lstStyle/>
           <a:p>
             <a:r>
-              <a:rPr lang="ko-KR" altLang="en-US" sz="6000" dirty="0" smtClean="0"/>
+              <a:rPr lang="ko-KR" altLang="en-US" dirty="0"/>
               <a:t>목차</a:t>
             </a:r>
-            <a:endParaRPr lang="ko-KR" altLang="en-US" sz="6000" dirty="0"/>
           </a:p>
         </p:txBody>
       </p:sp>
@@ -3695,7 +3691,7 @@
         </p:spPr>
         <p:txBody>
           <a:bodyPr>
-            <a:normAutofit fontScale="77500" lnSpcReduction="20000"/>
+            <a:normAutofit/>
           </a:bodyPr>
           <a:lstStyle/>
           <a:p>
@@ -3703,28 +3699,24 @@
           </a:p>
           <a:p>
             <a:r>
-              <a:rPr lang="ko-KR" altLang="en-US" sz="3600" dirty="0"/>
-              <a:t>프로그램 </a:t>
-            </a:r>
-            <a:r>
-              <a:rPr lang="ko-KR" altLang="en-US" sz="3600" dirty="0" smtClean="0"/>
-              <a:t>소개</a:t>
-            </a:r>
-            <a:endParaRPr lang="en-US" altLang="ko-KR" sz="3600" dirty="0" smtClean="0"/>
+              <a:rPr lang="ko-KR" altLang="en-US" sz="2000" dirty="0"/>
+              <a:t>프로그램 소개</a:t>
+            </a:r>
+            <a:endParaRPr lang="en-US" altLang="ko-KR" sz="2000" dirty="0"/>
           </a:p>
           <a:p>
             <a:pPr marL="0" indent="0">
               <a:buNone/>
             </a:pPr>
-            <a:endParaRPr lang="en-US" altLang="ko-KR" sz="3600" dirty="0"/>
-          </a:p>
-          <a:p>
-            <a:r>
-              <a:rPr lang="ko-KR" altLang="en-US" sz="3600" dirty="0" smtClean="0"/>
+            <a:endParaRPr lang="en-US" altLang="ko-KR" sz="2000" dirty="0"/>
+          </a:p>
+          <a:p>
+            <a:r>
+              <a:rPr lang="ko-KR" altLang="en-US" sz="2000" dirty="0"/>
               <a:t>사용 </a:t>
             </a:r>
             <a:r>
-              <a:rPr lang="en-US" altLang="ko-KR" sz="3600" dirty="0" smtClean="0"/>
+              <a:rPr lang="en-US" altLang="ko-KR" sz="2000" dirty="0"/>
               <a:t>API</a:t>
             </a:r>
           </a:p>
@@ -3732,41 +3724,37 @@
             <a:pPr marL="0" indent="0">
               <a:buNone/>
             </a:pPr>
-            <a:endParaRPr lang="en-US" altLang="ko-KR" sz="3600" dirty="0" smtClean="0"/>
-          </a:p>
-          <a:p>
-            <a:r>
-              <a:rPr lang="ko-KR" altLang="en-US" sz="3600" dirty="0" smtClean="0"/>
+            <a:endParaRPr lang="en-US" altLang="ko-KR" sz="2000" dirty="0"/>
+          </a:p>
+          <a:p>
+            <a:r>
+              <a:rPr lang="ko-KR" altLang="en-US" sz="2000" dirty="0"/>
               <a:t>구현기능</a:t>
             </a:r>
-            <a:endParaRPr lang="en-US" altLang="ko-KR" sz="3600" dirty="0" smtClean="0"/>
-          </a:p>
-          <a:p>
-            <a:endParaRPr lang="en-US" altLang="ko-KR" sz="3600" dirty="0"/>
-          </a:p>
-          <a:p>
-            <a:r>
-              <a:rPr lang="en-US" altLang="ko-KR" sz="3600" dirty="0" err="1" smtClean="0"/>
+            <a:endParaRPr lang="en-US" altLang="ko-KR" sz="2000" dirty="0"/>
+          </a:p>
+          <a:p>
+            <a:endParaRPr lang="en-US" altLang="ko-KR" sz="2000" dirty="0"/>
+          </a:p>
+          <a:p>
+            <a:r>
+              <a:rPr lang="en-US" altLang="ko-KR" sz="2000" dirty="0" err="1"/>
               <a:t>Tkinter</a:t>
             </a:r>
             <a:r>
-              <a:rPr lang="en-US" altLang="ko-KR" sz="3600" dirty="0"/>
-              <a:t> </a:t>
-            </a:r>
-            <a:r>
-              <a:rPr lang="en-US" altLang="ko-KR" sz="3600" dirty="0" smtClean="0"/>
-              <a:t>GUI </a:t>
+              <a:rPr lang="en-US" altLang="ko-KR" sz="2000" dirty="0"/>
+              <a:t> GUI </a:t>
             </a:r>
           </a:p>
           <a:p>
             <a:pPr marL="0" indent="0">
               <a:buNone/>
             </a:pPr>
-            <a:endParaRPr lang="en-US" altLang="ko-KR" sz="3600" dirty="0" smtClean="0"/>
-          </a:p>
-          <a:p>
-            <a:r>
-              <a:rPr lang="ko-KR" altLang="en-US" sz="3600" dirty="0" smtClean="0"/>
+            <a:endParaRPr lang="en-US" altLang="ko-KR" sz="2000" dirty="0"/>
+          </a:p>
+          <a:p>
+            <a:r>
+              <a:rPr lang="ko-KR" altLang="en-US" sz="2000" dirty="0"/>
               <a:t>개발일정</a:t>
             </a:r>
             <a:endParaRPr lang="ko-KR" altLang="en-US" sz="3600" b="1" dirty="0"/>
@@ -3783,13 +3771,6 @@
   <p:clrMapOvr>
     <a:masterClrMapping/>
   </p:clrMapOvr>
-  <p:timing>
-    <p:tnLst>
-      <p:par>
-        <p:cTn id="1" dur="indefinite" restart="never" nodeType="tmRoot"/>
-      </p:par>
-    </p:tnLst>
-  </p:timing>
 </p:sld>
 </file>
 
@@ -3826,10 +3807,9 @@
           <a:lstStyle/>
           <a:p>
             <a:r>
-              <a:rPr lang="ko-KR" altLang="en-US" dirty="0" smtClean="0"/>
+              <a:rPr lang="ko-KR" altLang="en-US" dirty="0"/>
               <a:t>프로그램 소개</a:t>
             </a:r>
-            <a:endParaRPr lang="ko-KR" altLang="en-US" dirty="0"/>
           </a:p>
         </p:txBody>
       </p:sp>
@@ -3849,23 +3829,23 @@
           <a:lstStyle/>
           <a:p>
             <a:r>
-              <a:rPr lang="ko-KR" altLang="en-US" dirty="0" smtClean="0"/>
+              <a:rPr lang="ko-KR" altLang="en-US" dirty="0"/>
               <a:t>유기동물</a:t>
             </a:r>
             <a:r>
-              <a:rPr lang="en-US" altLang="ko-KR" dirty="0" smtClean="0"/>
+              <a:rPr lang="en-US" altLang="ko-KR" dirty="0"/>
               <a:t>(</a:t>
             </a:r>
             <a:r>
-              <a:rPr lang="ko-KR" altLang="en-US" dirty="0" smtClean="0"/>
+              <a:rPr lang="ko-KR" altLang="en-US" dirty="0"/>
               <a:t>강아지</a:t>
             </a:r>
             <a:r>
-              <a:rPr lang="en-US" altLang="ko-KR" dirty="0" smtClean="0"/>
+              <a:rPr lang="en-US" altLang="ko-KR" dirty="0"/>
               <a:t>, </a:t>
             </a:r>
             <a:r>
-              <a:rPr lang="ko-KR" altLang="en-US" dirty="0" smtClean="0"/>
+              <a:rPr lang="ko-KR" altLang="en-US" dirty="0"/>
               <a:t>고양이</a:t>
             </a:r>
             <a:r>
@@ -3873,15 +3853,15 @@
               <a:t> </a:t>
             </a:r>
             <a:r>
-              <a:rPr lang="ko-KR" altLang="en-US" dirty="0" smtClean="0"/>
+              <a:rPr lang="ko-KR" altLang="en-US" dirty="0"/>
               <a:t>등등</a:t>
             </a:r>
             <a:r>
-              <a:rPr lang="en-US" altLang="ko-KR" dirty="0" smtClean="0"/>
+              <a:rPr lang="en-US" altLang="ko-KR" dirty="0"/>
               <a:t>)</a:t>
             </a:r>
             <a:r>
-              <a:rPr lang="ko-KR" altLang="en-US" dirty="0" smtClean="0"/>
+              <a:rPr lang="ko-KR" altLang="en-US" dirty="0"/>
               <a:t>의 정보를 조회</a:t>
             </a:r>
             <a:endParaRPr lang="en-US" altLang="ko-KR" dirty="0"/>
@@ -3891,16 +3871,12 @@
               <a:buNone/>
             </a:pPr>
             <a:r>
-              <a:rPr lang="en-US" altLang="ko-KR" dirty="0" smtClean="0"/>
+              <a:rPr lang="en-US" altLang="ko-KR" dirty="0"/>
               <a:t>	</a:t>
             </a:r>
             <a:r>
-              <a:rPr lang="ko-KR" altLang="en-US" dirty="0" smtClean="0"/>
-              <a:t>정보 </a:t>
-            </a:r>
-            <a:r>
               <a:rPr lang="ko-KR" altLang="en-US" dirty="0"/>
-              <a:t>조회</a:t>
+              <a:t>정보 조회</a:t>
             </a:r>
             <a:r>
               <a:rPr lang="en-US" altLang="ko-KR" dirty="0"/>
@@ -3908,38 +3884,26 @@
             </a:r>
             <a:r>
               <a:rPr lang="ko-KR" altLang="en-US" dirty="0"/>
-              <a:t>품종 </a:t>
-            </a:r>
-            <a:r>
-              <a:rPr lang="ko-KR" altLang="en-US" dirty="0" smtClean="0"/>
-              <a:t>조</a:t>
+              <a:t>품종 조회</a:t>
+            </a:r>
+            <a:r>
+              <a:rPr lang="en-US" altLang="ko-KR" dirty="0"/>
+              <a:t>, </a:t>
             </a:r>
             <a:r>
               <a:rPr lang="ko-KR" altLang="en-US" dirty="0"/>
-              <a:t>회</a:t>
-            </a:r>
-            <a:r>
-              <a:rPr lang="en-US" altLang="ko-KR" dirty="0" smtClean="0"/>
+              <a:t>보호소 조회</a:t>
+            </a:r>
+            <a:r>
+              <a:rPr lang="en-US" altLang="ko-KR" dirty="0"/>
               <a:t>, </a:t>
             </a:r>
             <a:r>
               <a:rPr lang="ko-KR" altLang="en-US" dirty="0"/>
-              <a:t>보호소 </a:t>
-            </a:r>
-            <a:r>
-              <a:rPr lang="ko-KR" altLang="en-US" dirty="0" smtClean="0"/>
-              <a:t>조회</a:t>
-            </a:r>
-            <a:r>
-              <a:rPr lang="en-US" altLang="ko-KR" dirty="0" smtClean="0"/>
-              <a:t>, </a:t>
-            </a:r>
-            <a:r>
-              <a:rPr lang="ko-KR" altLang="en-US" dirty="0" smtClean="0"/>
               <a:t>시 </a:t>
             </a:r>
             <a:r>
-              <a:rPr lang="ko-KR" altLang="en-US" dirty="0" err="1" smtClean="0"/>
+              <a:rPr lang="ko-KR" altLang="en-US" dirty="0" err="1"/>
               <a:t>군구</a:t>
             </a:r>
             <a:r>
@@ -3948,13 +3912,9 @@
             </a:r>
             <a:r>
               <a:rPr lang="ko-KR" altLang="en-US" dirty="0"/>
-              <a:t>시도 </a:t>
-            </a:r>
-            <a:r>
-              <a:rPr lang="ko-KR" altLang="en-US" dirty="0" smtClean="0"/>
-              <a:t>조회</a:t>
-            </a:r>
-            <a:endParaRPr lang="en-US" altLang="ko-KR" dirty="0" smtClean="0"/>
+              <a:t>시도 조회</a:t>
+            </a:r>
+            <a:endParaRPr lang="en-US" altLang="ko-KR" dirty="0"/>
           </a:p>
           <a:p>
             <a:endParaRPr lang="ko-KR" altLang="en-US" dirty="0"/>
@@ -3971,13 +3931,6 @@
   <p:clrMapOvr>
     <a:masterClrMapping/>
   </p:clrMapOvr>
-  <p:timing>
-    <p:tnLst>
-      <p:par>
-        <p:cTn id="1" dur="indefinite" restart="never" nodeType="tmRoot"/>
-      </p:par>
-    </p:tnLst>
-  </p:timing>
 </p:sld>
 </file>
 
@@ -4014,11 +3967,11 @@
           <a:lstStyle/>
           <a:p>
             <a:r>
-              <a:rPr lang="ko-KR" altLang="en-US" dirty="0" smtClean="0"/>
+              <a:rPr lang="ko-KR" altLang="en-US" dirty="0"/>
               <a:t>사용 </a:t>
             </a:r>
             <a:r>
-              <a:rPr lang="en-US" altLang="ko-KR" dirty="0" smtClean="0"/>
+              <a:rPr lang="en-US" altLang="ko-KR" dirty="0"/>
               <a:t>API</a:t>
             </a:r>
             <a:endParaRPr lang="ko-KR" altLang="en-US" dirty="0"/>
@@ -4048,8 +4001,8 @@
         </p:blipFill>
         <p:spPr bwMode="auto">
           <a:xfrm>
-            <a:off x="3779912" y="332656"/>
-            <a:ext cx="5111130" cy="6408572"/>
+            <a:off x="2951820" y="283849"/>
+            <a:ext cx="4392488" cy="5507506"/>
           </a:xfrm>
           <a:prstGeom prst="rect">
             <a:avLst/>
@@ -4104,7 +4057,7 @@
         </p:blipFill>
         <p:spPr bwMode="auto">
           <a:xfrm>
-            <a:off x="179512" y="2924944"/>
+            <a:off x="634627" y="1844824"/>
             <a:ext cx="6588013" cy="681242"/>
           </a:xfrm>
           <a:prstGeom prst="rect">
@@ -4145,13 +4098,6 @@
   <p:clrMapOvr>
     <a:masterClrMapping/>
   </p:clrMapOvr>
-  <p:timing>
-    <p:tnLst>
-      <p:par>
-        <p:cTn id="1" dur="indefinite" restart="never" nodeType="tmRoot"/>
-      </p:par>
-    </p:tnLst>
-  </p:timing>
 </p:sld>
 </file>
 
@@ -4188,10 +4134,9 @@
           <a:lstStyle/>
           <a:p>
             <a:r>
-              <a:rPr lang="ko-KR" altLang="en-US" dirty="0" smtClean="0"/>
+              <a:rPr lang="ko-KR" altLang="en-US" dirty="0"/>
               <a:t>구현기능</a:t>
             </a:r>
-            <a:endParaRPr lang="ko-KR" altLang="en-US" dirty="0"/>
           </a:p>
         </p:txBody>
       </p:sp>
@@ -4210,13 +4155,43 @@
           <a:bodyPr/>
           <a:lstStyle/>
           <a:p>
-            <a:endParaRPr lang="en-US" altLang="ko-KR" dirty="0" smtClean="0"/>
-          </a:p>
-          <a:p>
-            <a:r>
-              <a:rPr lang="ko-KR" altLang="en-US" dirty="0" smtClean="0"/>
-              <a:t>유기동물 </a:t>
-            </a:r>
+            <a:endParaRPr lang="en-US" altLang="ko-KR" dirty="0"/>
+          </a:p>
+          <a:p>
+            <a:r>
+              <a:rPr lang="ko-KR" altLang="en-US" dirty="0"/>
+              <a:t>유기동물 정보 조회</a:t>
+            </a:r>
+            <a:r>
+              <a:rPr lang="en-US" altLang="ko-KR" dirty="0"/>
+              <a:t>(</a:t>
+            </a:r>
+            <a:r>
+              <a:rPr lang="ko-KR" altLang="en-US" dirty="0"/>
+              <a:t>나이</a:t>
+            </a:r>
+            <a:r>
+              <a:rPr lang="en-US" altLang="ko-KR" dirty="0"/>
+              <a:t>, </a:t>
+            </a:r>
+            <a:r>
+              <a:rPr lang="ko-KR" altLang="en-US" dirty="0"/>
+              <a:t>품종</a:t>
+            </a:r>
+            <a:r>
+              <a:rPr lang="en-US" altLang="ko-KR" dirty="0"/>
+              <a:t>, </a:t>
+            </a:r>
+            <a:r>
+              <a:rPr lang="ko-KR" altLang="en-US" dirty="0"/>
+              <a:t>이미지 등</a:t>
+            </a:r>
+            <a:r>
+              <a:rPr lang="en-US" altLang="ko-KR" dirty="0"/>
+              <a:t>)</a:t>
+            </a:r>
+          </a:p>
+          <a:p>
             <a:r>
               <a:rPr lang="ko-KR" altLang="en-US" dirty="0"/>
               <a:t>보호소 조회</a:t>
@@ -4227,7 +4202,23 @@
             </a:r>
             <a:r>
               <a:rPr lang="ko-KR" altLang="en-US" dirty="0"/>
-              <a:t>지도</a:t>
+              <a:t>지도연동</a:t>
+            </a:r>
+            <a:r>
+              <a:rPr lang="en-US" altLang="ko-KR" dirty="0"/>
+              <a:t>_</a:t>
+            </a:r>
+            <a:r>
+              <a:rPr lang="ko-KR" altLang="en-US" dirty="0"/>
+              <a:t>위치</a:t>
+            </a:r>
+            <a:r>
+              <a:rPr lang="en-US" altLang="ko-KR" dirty="0"/>
+              <a:t>, </a:t>
+            </a:r>
+            <a:r>
+              <a:rPr lang="ko-KR" altLang="en-US" dirty="0"/>
+              <a:t>전화번호</a:t>
             </a:r>
             <a:r>
               <a:rPr lang="en-US" altLang="ko-KR" dirty="0"/>
@@ -4237,23 +4228,76 @@
           <a:p>
             <a:r>
               <a:rPr lang="ko-KR" altLang="en-US" dirty="0"/>
-              <a:t>품종 조회</a:t>
-            </a:r>
-            <a:endParaRPr lang="en-US" altLang="ko-KR" dirty="0"/>
-          </a:p>
-          <a:p>
+              <a:t>검색</a:t>
+            </a:r>
+            <a:r>
+              <a:rPr lang="en-US" altLang="ko-KR" dirty="0"/>
+              <a:t>, </a:t>
+            </a:r>
             <a:r>
               <a:rPr lang="ko-KR" altLang="en-US" dirty="0"/>
-              <a:t>마리 수 조회 </a:t>
-            </a:r>
-            <a:endParaRPr lang="en-US" altLang="ko-KR" dirty="0"/>
-          </a:p>
-          <a:p>
-            <a:r>
-              <a:rPr lang="ko-KR" altLang="en-US" dirty="0" smtClean="0"/>
-              <a:t>전화번호</a:t>
-            </a:r>
-            <a:endParaRPr lang="en-US" altLang="ko-KR" dirty="0"/>
+              <a:t>검색 필터링 기능</a:t>
+            </a:r>
+            <a:r>
+              <a:rPr lang="en-US" altLang="ko-KR" dirty="0"/>
+              <a:t>(ex </a:t>
+            </a:r>
+            <a:r>
+              <a:rPr lang="ko-KR" altLang="en-US" dirty="0" err="1"/>
+              <a:t>축종코드</a:t>
+            </a:r>
+            <a:r>
+              <a:rPr lang="en-US" altLang="ko-KR" dirty="0"/>
+              <a:t>, </a:t>
+            </a:r>
+            <a:r>
+              <a:rPr lang="ko-KR" altLang="en-US" dirty="0"/>
+              <a:t>보호소 위치 등</a:t>
+            </a:r>
+            <a:r>
+              <a:rPr lang="en-US" altLang="ko-KR" dirty="0"/>
+              <a:t>)</a:t>
+            </a:r>
+          </a:p>
+          <a:p>
+            <a:r>
+              <a:rPr lang="ko-KR" altLang="en-US" dirty="0"/>
+              <a:t>정렬 기능</a:t>
+            </a:r>
+            <a:r>
+              <a:rPr lang="en-US" altLang="ko-KR" dirty="0"/>
+              <a:t>(ex </a:t>
+            </a:r>
+            <a:r>
+              <a:rPr lang="ko-KR" altLang="en-US" dirty="0"/>
+              <a:t>유기날짜 순</a:t>
+            </a:r>
+            <a:r>
+              <a:rPr lang="en-US" altLang="ko-KR" dirty="0"/>
+              <a:t>, </a:t>
+            </a:r>
+            <a:r>
+              <a:rPr lang="ko-KR" altLang="en-US" dirty="0"/>
+              <a:t>보호소 </a:t>
+            </a:r>
+            <a:r>
+              <a:rPr lang="ko-KR" altLang="en-US" dirty="0" err="1"/>
+              <a:t>시군구</a:t>
+            </a:r>
+            <a:r>
+              <a:rPr lang="ko-KR" altLang="en-US" dirty="0"/>
+              <a:t> 코드 순</a:t>
+            </a:r>
+            <a:r>
+              <a:rPr lang="en-US" altLang="ko-KR" dirty="0"/>
+              <a:t>)</a:t>
+            </a:r>
+          </a:p>
+          <a:p>
+            <a:r>
+              <a:rPr lang="ko-KR" altLang="en-US" dirty="0"/>
+              <a:t>이메일 전송</a:t>
+            </a:r>
           </a:p>
           <a:p>
             <a:endParaRPr lang="en-US" altLang="ko-KR" dirty="0"/>
@@ -4273,13 +4317,6 @@
   <p:clrMapOvr>
     <a:masterClrMapping/>
   </p:clrMapOvr>
-  <p:timing>
-    <p:tnLst>
-      <p:par>
-        <p:cTn id="1" dur="indefinite" restart="never" nodeType="tmRoot"/>
-      </p:par>
-    </p:tnLst>
-  </p:timing>
 </p:sld>
 </file>
 
@@ -4354,78 +4391,66 @@
           <a:lstStyle/>
           <a:p>
             <a:r>
-              <a:rPr lang="ko-KR" altLang="en-US" dirty="0" smtClean="0"/>
+              <a:rPr lang="ko-KR" altLang="en-US" dirty="0"/>
               <a:t>유기 동물의 검색결과가 나온다</a:t>
             </a:r>
             <a:endParaRPr lang="en-US" altLang="ko-KR" dirty="0"/>
           </a:p>
           <a:p>
             <a:r>
-              <a:rPr lang="ko-KR" altLang="en-US" dirty="0" smtClean="0"/>
+              <a:rPr lang="ko-KR" altLang="en-US" dirty="0"/>
               <a:t>보호소 주소</a:t>
             </a:r>
-            <a:endParaRPr lang="en-US" altLang="ko-KR" dirty="0" smtClean="0"/>
-          </a:p>
-          <a:p>
-            <a:r>
-              <a:rPr lang="ko-KR" altLang="en-US" dirty="0" smtClean="0"/>
-              <a:t>보호소 </a:t>
-            </a:r>
+            <a:endParaRPr lang="en-US" altLang="ko-KR" dirty="0"/>
+          </a:p>
+          <a:p>
             <a:r>
               <a:rPr lang="ko-KR" altLang="en-US" dirty="0"/>
-              <a:t>이름</a:t>
-            </a:r>
-          </a:p>
-          <a:p>
-            <a:r>
-              <a:rPr lang="ko-KR" altLang="en-US" dirty="0" smtClean="0"/>
+              <a:t>보호소 이름</a:t>
+            </a:r>
+          </a:p>
+          <a:p>
+            <a:r>
+              <a:rPr lang="ko-KR" altLang="en-US" dirty="0"/>
               <a:t>보호소 번호</a:t>
             </a:r>
-            <a:endParaRPr lang="en-US" altLang="ko-KR" dirty="0" smtClean="0"/>
-          </a:p>
-          <a:p>
-            <a:r>
-              <a:rPr lang="ko-KR" altLang="en-US" dirty="0" smtClean="0"/>
+            <a:endParaRPr lang="en-US" altLang="ko-KR" dirty="0"/>
+          </a:p>
+          <a:p>
+            <a:r>
+              <a:rPr lang="ko-KR" altLang="en-US" dirty="0"/>
               <a:t>나이</a:t>
             </a:r>
-            <a:endParaRPr lang="ko-KR" altLang="en-US" dirty="0"/>
-          </a:p>
-          <a:p>
-            <a:r>
-              <a:rPr lang="ko-KR" altLang="en-US" dirty="0" smtClean="0"/>
+          </a:p>
+          <a:p>
+            <a:r>
+              <a:rPr lang="ko-KR" altLang="en-US" dirty="0"/>
               <a:t>털 색깔</a:t>
             </a:r>
             <a:endParaRPr lang="en-US" altLang="ko-KR" dirty="0"/>
           </a:p>
           <a:p>
             <a:r>
-              <a:rPr lang="ko-KR" altLang="en-US" dirty="0" smtClean="0"/>
+              <a:rPr lang="ko-KR" altLang="en-US" dirty="0"/>
               <a:t>유기날짜</a:t>
             </a:r>
-            <a:endParaRPr lang="ko-KR" altLang="en-US" dirty="0"/>
-          </a:p>
-          <a:p>
-            <a:r>
-              <a:rPr lang="ko-KR" altLang="en-US" dirty="0" smtClean="0"/>
+          </a:p>
+          <a:p>
+            <a:r>
+              <a:rPr lang="ko-KR" altLang="en-US" dirty="0"/>
               <a:t>종</a:t>
             </a:r>
-            <a:endParaRPr lang="ko-KR" altLang="en-US" dirty="0"/>
-          </a:p>
-          <a:p>
-            <a:r>
-              <a:rPr lang="ko-KR" altLang="en-US" dirty="0" smtClean="0"/>
+          </a:p>
+          <a:p>
+            <a:r>
+              <a:rPr lang="ko-KR" altLang="en-US" dirty="0"/>
               <a:t>성별</a:t>
             </a:r>
-            <a:endParaRPr lang="ko-KR" altLang="en-US" dirty="0"/>
-          </a:p>
-          <a:p>
-            <a:r>
-              <a:rPr lang="ko-KR" altLang="en-US" dirty="0" smtClean="0"/>
-              <a:t>상태 </a:t>
-            </a:r>
+          </a:p>
+          <a:p>
             <a:r>
               <a:rPr lang="ko-KR" altLang="en-US" dirty="0"/>
-              <a:t>안락사</a:t>
+              <a:t>상태 안락사</a:t>
             </a:r>
             <a:r>
               <a:rPr lang="en-US" altLang="ko-KR" dirty="0"/>
@@ -4450,17 +4475,16 @@
           </a:p>
           <a:p>
             <a:r>
-              <a:rPr lang="ko-KR" altLang="en-US" dirty="0" smtClean="0"/>
+              <a:rPr lang="ko-KR" altLang="en-US" dirty="0"/>
               <a:t>특징</a:t>
             </a:r>
-            <a:endParaRPr lang="ko-KR" altLang="en-US" dirty="0"/>
-          </a:p>
-          <a:p>
-            <a:r>
-              <a:rPr lang="ko-KR" altLang="en-US" dirty="0" smtClean="0"/>
+          </a:p>
+          <a:p>
+            <a:r>
+              <a:rPr lang="ko-KR" altLang="en-US" dirty="0"/>
               <a:t>몸무게</a:t>
             </a:r>
-            <a:endParaRPr lang="en-US" altLang="ko-KR" dirty="0" smtClean="0"/>
+            <a:endParaRPr lang="en-US" altLang="ko-KR" dirty="0"/>
           </a:p>
         </p:txBody>
       </p:sp>
@@ -4528,18 +4552,13 @@
           <a:lstStyle/>
           <a:p>
             <a:r>
-              <a:rPr lang="ko-KR" altLang="en-US" dirty="0" smtClean="0">
+              <a:rPr lang="ko-KR" altLang="en-US" dirty="0">
                 <a:solidFill>
                   <a:schemeClr val="bg1"/>
                 </a:solidFill>
               </a:rPr>
               <a:t>유기 동물 조회</a:t>
             </a:r>
-            <a:endParaRPr lang="ko-KR" altLang="en-US" dirty="0">
-              <a:solidFill>
-                <a:schemeClr val="bg1"/>
-              </a:solidFill>
-            </a:endParaRPr>
           </a:p>
         </p:txBody>
       </p:sp>
@@ -4566,18 +4585,13 @@
           <a:lstStyle/>
           <a:p>
             <a:r>
-              <a:rPr lang="ko-KR" altLang="en-US" dirty="0" smtClean="0">
+              <a:rPr lang="ko-KR" altLang="en-US" dirty="0">
                 <a:solidFill>
                   <a:schemeClr val="bg1"/>
                 </a:solidFill>
               </a:rPr>
               <a:t>검색옵션</a:t>
             </a:r>
-            <a:endParaRPr lang="ko-KR" altLang="en-US" dirty="0">
-              <a:solidFill>
-                <a:schemeClr val="bg1"/>
-              </a:solidFill>
-            </a:endParaRPr>
           </a:p>
         </p:txBody>
       </p:sp>
@@ -4604,18 +4618,13 @@
           <a:lstStyle/>
           <a:p>
             <a:r>
-              <a:rPr lang="ko-KR" altLang="en-US" sz="1200" dirty="0" smtClean="0">
+              <a:rPr lang="ko-KR" altLang="en-US" sz="1200" dirty="0">
                 <a:solidFill>
                   <a:schemeClr val="bg1"/>
                 </a:solidFill>
               </a:rPr>
               <a:t>   강아지 </a:t>
             </a:r>
-            <a:endParaRPr lang="ko-KR" altLang="en-US" sz="1200" dirty="0">
-              <a:solidFill>
-                <a:schemeClr val="bg1"/>
-              </a:solidFill>
-            </a:endParaRPr>
           </a:p>
         </p:txBody>
       </p:sp>
@@ -4642,18 +4651,13 @@
           <a:lstStyle/>
           <a:p>
             <a:r>
-              <a:rPr lang="ko-KR" altLang="en-US" sz="1200" dirty="0" smtClean="0">
+              <a:rPr lang="ko-KR" altLang="en-US" sz="1200" dirty="0">
                 <a:solidFill>
                   <a:schemeClr val="bg1"/>
                 </a:solidFill>
               </a:rPr>
               <a:t>   고양이 </a:t>
             </a:r>
-            <a:endParaRPr lang="ko-KR" altLang="en-US" sz="1200" dirty="0">
-              <a:solidFill>
-                <a:schemeClr val="bg1"/>
-              </a:solidFill>
-            </a:endParaRPr>
           </a:p>
         </p:txBody>
       </p:sp>
@@ -4680,18 +4684,13 @@
           <a:lstStyle/>
           <a:p>
             <a:r>
-              <a:rPr lang="ko-KR" altLang="en-US" sz="1200" dirty="0" smtClean="0">
+              <a:rPr lang="ko-KR" altLang="en-US" sz="1200" dirty="0">
                 <a:solidFill>
                   <a:schemeClr val="bg1"/>
                 </a:solidFill>
               </a:rPr>
               <a:t>  전체 </a:t>
             </a:r>
-            <a:endParaRPr lang="ko-KR" altLang="en-US" sz="1200" dirty="0">
-              <a:solidFill>
-                <a:schemeClr val="bg1"/>
-              </a:solidFill>
-            </a:endParaRPr>
           </a:p>
         </p:txBody>
       </p:sp>
@@ -4718,34 +4717,13 @@
           <a:lstStyle/>
           <a:p>
             <a:r>
-              <a:rPr lang="ko-KR" altLang="en-US" sz="1400" dirty="0" smtClean="0">
-                <a:solidFill>
-                  <a:schemeClr val="bg1"/>
-                </a:solidFill>
-              </a:rPr>
-              <a:t>지</a:t>
-            </a:r>
-            <a:r>
               <a:rPr lang="ko-KR" altLang="en-US" sz="1400" dirty="0">
                 <a:solidFill>
                   <a:schemeClr val="bg1"/>
                 </a:solidFill>
               </a:rPr>
-              <a:t>역</a:t>
-            </a:r>
-            <a:r>
-              <a:rPr lang="ko-KR" altLang="en-US" sz="1400" dirty="0" smtClean="0">
-                <a:solidFill>
-                  <a:schemeClr val="bg1"/>
-                </a:solidFill>
-              </a:rPr>
-              <a:t> </a:t>
-            </a:r>
-            <a:endParaRPr lang="ko-KR" altLang="en-US" sz="1400" dirty="0">
-              <a:solidFill>
-                <a:schemeClr val="bg1"/>
-              </a:solidFill>
-            </a:endParaRPr>
+              <a:t>지역 </a:t>
+            </a:r>
           </a:p>
         </p:txBody>
       </p:sp>
@@ -4772,18 +4750,13 @@
           <a:lstStyle/>
           <a:p>
             <a:r>
-              <a:rPr lang="ko-KR" altLang="en-US" sz="1200" dirty="0" smtClean="0">
+              <a:rPr lang="ko-KR" altLang="en-US" sz="1200" dirty="0">
                 <a:solidFill>
                   <a:schemeClr val="bg1"/>
                 </a:solidFill>
               </a:rPr>
               <a:t>   검색 </a:t>
             </a:r>
-            <a:endParaRPr lang="ko-KR" altLang="en-US" sz="1200" dirty="0">
-              <a:solidFill>
-                <a:schemeClr val="bg1"/>
-              </a:solidFill>
-            </a:endParaRPr>
           </a:p>
         </p:txBody>
       </p:sp>
@@ -4810,18 +4783,13 @@
           <a:lstStyle/>
           <a:p>
             <a:r>
-              <a:rPr lang="ko-KR" altLang="en-US" sz="1600" b="1" dirty="0" smtClean="0">
+              <a:rPr lang="ko-KR" altLang="en-US" sz="1600" b="1" dirty="0">
                 <a:solidFill>
                   <a:schemeClr val="bg1"/>
                 </a:solidFill>
               </a:rPr>
               <a:t>정렬</a:t>
             </a:r>
-            <a:endParaRPr lang="ko-KR" altLang="en-US" sz="1600" b="1" dirty="0">
-              <a:solidFill>
-                <a:schemeClr val="bg1"/>
-              </a:solidFill>
-            </a:endParaRPr>
           </a:p>
         </p:txBody>
       </p:sp>
@@ -4848,7 +4816,7 @@
           <a:lstStyle/>
           <a:p>
             <a:r>
-              <a:rPr lang="ko-KR" altLang="en-US" sz="1400" smtClean="0">
+              <a:rPr lang="ko-KR" altLang="en-US" sz="1400">
                 <a:solidFill>
                   <a:schemeClr val="bg1"/>
                 </a:solidFill>
@@ -4886,7 +4854,7 @@
           <a:lstStyle/>
           <a:p>
             <a:r>
-              <a:rPr lang="ko-KR" altLang="en-US" sz="1400" dirty="0" err="1" smtClean="0">
+              <a:rPr lang="ko-KR" altLang="en-US" sz="1400" dirty="0" err="1">
                 <a:solidFill>
                   <a:schemeClr val="bg1"/>
                 </a:solidFill>
@@ -4924,20 +4892,12 @@
           <a:lstStyle/>
           <a:p>
             <a:r>
-              <a:rPr lang="ko-KR" altLang="en-US" sz="1400" dirty="0" smtClean="0">
-                <a:solidFill>
-                  <a:schemeClr val="bg1"/>
-                </a:solidFill>
-              </a:rPr>
-              <a:t>이미</a:t>
-            </a:r>
-            <a:r>
               <a:rPr lang="ko-KR" altLang="en-US" sz="1400" dirty="0">
                 <a:solidFill>
                   <a:schemeClr val="bg1"/>
                 </a:solidFill>
               </a:rPr>
-              <a:t>지</a:t>
+              <a:t>이미지</a:t>
             </a:r>
           </a:p>
         </p:txBody>
@@ -4965,20 +4925,12 @@
           <a:lstStyle/>
           <a:p>
             <a:r>
-              <a:rPr lang="ko-KR" altLang="en-US" sz="1400" smtClean="0">
-                <a:solidFill>
-                  <a:schemeClr val="bg1"/>
-                </a:solidFill>
-              </a:rPr>
-              <a:t>이메</a:t>
-            </a:r>
-            <a:r>
               <a:rPr lang="ko-KR" altLang="en-US" sz="1400">
                 <a:solidFill>
                   <a:schemeClr val="bg1"/>
                 </a:solidFill>
               </a:rPr>
-              <a:t>일</a:t>
+              <a:t>이메일</a:t>
             </a:r>
             <a:endParaRPr lang="ko-KR" altLang="en-US" sz="1400" dirty="0">
               <a:solidFill>
@@ -5011,7 +4963,7 @@
           <a:lstStyle/>
           <a:p>
             <a:r>
-              <a:rPr lang="ko-KR" altLang="en-US" sz="1400" smtClean="0">
+              <a:rPr lang="ko-KR" altLang="en-US" sz="1400">
                 <a:solidFill>
                   <a:schemeClr val="bg1"/>
                 </a:solidFill>
@@ -5127,10 +5079,9 @@
           <a:lstStyle/>
           <a:p>
             <a:r>
-              <a:rPr lang="ko-KR" altLang="en-US" dirty="0" smtClean="0"/>
+              <a:rPr lang="ko-KR" altLang="en-US" dirty="0"/>
               <a:t>웹 사이트가 나온다</a:t>
             </a:r>
-            <a:endParaRPr lang="ko-KR" altLang="en-US" dirty="0"/>
           </a:p>
         </p:txBody>
       </p:sp>
@@ -5144,13 +5095,6 @@
   <p:clrMapOvr>
     <a:masterClrMapping/>
   </p:clrMapOvr>
-  <p:timing>
-    <p:tnLst>
-      <p:par>
-        <p:cTn id="1" dur="indefinite" restart="never" nodeType="tmRoot"/>
-      </p:par>
-    </p:tnLst>
-  </p:timing>
 </p:sld>
 </file>
 
@@ -5192,10 +5136,9 @@
           <a:lstStyle/>
           <a:p>
             <a:r>
-              <a:rPr lang="ko-KR" altLang="en-US" dirty="0" smtClean="0"/>
+              <a:rPr lang="ko-KR" altLang="en-US" dirty="0"/>
               <a:t>개발일정</a:t>
             </a:r>
-            <a:endParaRPr lang="ko-KR" altLang="en-US" dirty="0"/>
           </a:p>
         </p:txBody>
       </p:sp>
@@ -5209,7 +5152,7 @@
             <p:ph sz="quarter" idx="13"/>
             <p:extLst>
               <p:ext uri="{D42A27DB-BD31-4B8C-83A1-F6EECF244321}">
-                <p14:modId xmlns:p14="http://schemas.microsoft.com/office/powerpoint/2010/main" val="2121440214"/>
+                <p14:modId xmlns:p14="http://schemas.microsoft.com/office/powerpoint/2010/main" val="3066831762"/>
               </p:ext>
             </p:extLst>
           </p:nvPr>
@@ -5225,9 +5168,27 @@
                 <a:tableStyleId>{5C22544A-7EE6-4342-B048-85BDC9FD1C3A}</a:tableStyleId>
               </a:tblPr>
               <a:tblGrid>
-                <a:gridCol w="1321373"/>
-                <a:gridCol w="3371743"/>
-                <a:gridCol w="3373740"/>
+                <a:gridCol w="1321373">
+                  <a:extLst>
+                    <a:ext uri="{9D8B030D-6E8A-4147-A177-3AD203B41FA5}">
+                      <a16:colId xmlns:a16="http://schemas.microsoft.com/office/drawing/2014/main" val="20000"/>
+                    </a:ext>
+                  </a:extLst>
+                </a:gridCol>
+                <a:gridCol w="3371743">
+                  <a:extLst>
+                    <a:ext uri="{9D8B030D-6E8A-4147-A177-3AD203B41FA5}">
+                      <a16:colId xmlns:a16="http://schemas.microsoft.com/office/drawing/2014/main" val="20001"/>
+                    </a:ext>
+                  </a:extLst>
+                </a:gridCol>
+                <a:gridCol w="3373740">
+                  <a:extLst>
+                    <a:ext uri="{9D8B030D-6E8A-4147-A177-3AD203B41FA5}">
+                      <a16:colId xmlns:a16="http://schemas.microsoft.com/office/drawing/2014/main" val="20002"/>
+                    </a:ext>
+                  </a:extLst>
+                </a:gridCol>
               </a:tblGrid>
               <a:tr h="370840">
                 <a:tc>
@@ -5237,8 +5198,65 @@
                     <a:p>
                       <a:pPr latinLnBrk="1"/>
                       <a:r>
-                        <a:rPr lang="ko-KR" altLang="en-US" dirty="0" smtClean="0"/>
+                        <a:rPr lang="ko-KR" altLang="en-US" dirty="0"/>
                         <a:t>주차</a:t>
+                      </a:r>
+                    </a:p>
+                  </a:txBody>
+                  <a:tcPr/>
+                </a:tc>
+                <a:tc>
+                  <a:txBody>
+                    <a:bodyPr/>
+                    <a:lstStyle/>
+                    <a:p>
+                      <a:pPr latinLnBrk="1"/>
+                      <a:r>
+                        <a:rPr lang="ko-KR" altLang="en-US" dirty="0"/>
+                        <a:t>계획</a:t>
+                      </a:r>
+                    </a:p>
+                  </a:txBody>
+                  <a:tcPr/>
+                </a:tc>
+                <a:tc>
+                  <a:txBody>
+                    <a:bodyPr/>
+                    <a:lstStyle/>
+                    <a:p>
+                      <a:pPr latinLnBrk="1"/>
+                      <a:r>
+                        <a:rPr lang="ko-KR" altLang="en-US" dirty="0"/>
+                        <a:t>세부계획</a:t>
+                      </a:r>
+                    </a:p>
+                  </a:txBody>
+                  <a:tcPr/>
+                </a:tc>
+                <a:extLst>
+                  <a:ext uri="{0D108BD9-81ED-4DB2-BD59-A6C34878D82A}">
+                    <a16:rowId xmlns:a16="http://schemas.microsoft.com/office/drawing/2014/main" val="10000"/>
+                  </a:ext>
+                </a:extLst>
+              </a:tr>
+              <a:tr h="370840">
+                <a:tc>
+                  <a:txBody>
+                    <a:bodyPr/>
+                    <a:lstStyle/>
+                    <a:p>
+                      <a:pPr latinLnBrk="1"/>
+                      <a:r>
+                        <a:rPr lang="en-US" altLang="ko-KR" dirty="0"/>
+                        <a:t>1</a:t>
+                      </a:r>
+                      <a:r>
+                        <a:rPr lang="ko-KR" altLang="en-US" dirty="0"/>
+                        <a:t>주</a:t>
+                      </a:r>
+                      <a:r>
+                        <a:rPr lang="en-US" altLang="ko-KR" dirty="0"/>
+                        <a:t>(5.01~5.04)</a:t>
                       </a:r>
                       <a:endParaRPr lang="ko-KR" altLang="en-US" dirty="0"/>
                     </a:p>
@@ -5252,8 +5270,83 @@
                     <a:p>
                       <a:pPr latinLnBrk="1"/>
                       <a:r>
-                        <a:rPr lang="ko-KR" altLang="en-US" dirty="0" smtClean="0"/>
-                        <a:t>계획</a:t>
+                        <a:rPr lang="ko-KR" altLang="en-US" dirty="0" err="1"/>
+                        <a:t>파이썬</a:t>
+                      </a:r>
+                      <a:r>
+                        <a:rPr lang="ko-KR" altLang="en-US" dirty="0"/>
+                        <a:t> 모듈</a:t>
+                      </a:r>
+                      <a:r>
+                        <a:rPr lang="en-US" altLang="ko-KR" dirty="0"/>
+                        <a:t>,Open API</a:t>
+                      </a:r>
+                      <a:r>
+                        <a:rPr lang="ko-KR" altLang="en-US" dirty="0"/>
+                        <a:t>조사</a:t>
+                      </a:r>
+                      <a:endParaRPr lang="en-US" altLang="ko-KR" dirty="0"/>
+                    </a:p>
+                    <a:p>
+                      <a:pPr latinLnBrk="1"/>
+                      <a:r>
+                        <a:rPr lang="ko-KR" altLang="en-US" dirty="0"/>
+                        <a:t>응용 </a:t>
+                      </a:r>
+                      <a:r>
+                        <a:rPr lang="ko-KR" altLang="en-US" dirty="0" err="1"/>
+                        <a:t>앱</a:t>
+                      </a:r>
+                      <a:r>
+                        <a:rPr lang="ko-KR" altLang="en-US" dirty="0"/>
+                        <a:t> 개발 예시 조사</a:t>
+                      </a:r>
+                    </a:p>
+                  </a:txBody>
+                  <a:tcPr/>
+                </a:tc>
+                <a:tc>
+                  <a:txBody>
+                    <a:bodyPr/>
+                    <a:lstStyle/>
+                    <a:p>
+                      <a:pPr latinLnBrk="1"/>
+                      <a:r>
+                        <a:rPr lang="ko-KR" altLang="en-US" dirty="0"/>
+                        <a:t>국가 공공 데이터 포털 활용 사례 조사</a:t>
+                      </a:r>
+                    </a:p>
+                  </a:txBody>
+                  <a:tcPr/>
+                </a:tc>
+                <a:extLst>
+                  <a:ext uri="{0D108BD9-81ED-4DB2-BD59-A6C34878D82A}">
+                    <a16:rowId xmlns:a16="http://schemas.microsoft.com/office/drawing/2014/main" val="10001"/>
+                  </a:ext>
+                </a:extLst>
+              </a:tr>
+              <a:tr h="370840">
+                <a:tc>
+                  <a:txBody>
+                    <a:bodyPr/>
+                    <a:lstStyle/>
+                    <a:p>
+                      <a:pPr latinLnBrk="1"/>
+                      <a:r>
+                        <a:rPr lang="en-US" altLang="ko-KR" dirty="0"/>
+                        <a:t>2</a:t>
+                      </a:r>
+                      <a:r>
+                        <a:rPr lang="ko-KR" altLang="en-US" dirty="0"/>
+                        <a:t>주</a:t>
+                      </a:r>
+                      <a:endParaRPr lang="en-US" altLang="ko-KR" dirty="0"/>
+                    </a:p>
+                    <a:p>
+                      <a:pPr latinLnBrk="1"/>
+                      <a:r>
+                        <a:rPr lang="en-US" altLang="ko-KR" dirty="0"/>
+                        <a:t>(5.05~5.11)</a:t>
                       </a:r>
                       <a:endParaRPr lang="ko-KR" altLang="en-US" dirty="0"/>
                     </a:p>
@@ -5267,14 +5360,40 @@
                     <a:p>
                       <a:pPr latinLnBrk="1"/>
                       <a:r>
-                        <a:rPr lang="ko-KR" altLang="en-US" dirty="0" smtClean="0"/>
-                        <a:t>세부계획</a:t>
-                      </a:r>
-                      <a:endParaRPr lang="ko-KR" altLang="en-US" dirty="0"/>
+                        <a:rPr lang="ko-KR" altLang="en-US" dirty="0"/>
+                        <a:t>상세 기능 확인 및 구현 가능 기능조사</a:t>
+                      </a:r>
                     </a:p>
                   </a:txBody>
                   <a:tcPr/>
                 </a:tc>
+                <a:tc>
+                  <a:txBody>
+                    <a:bodyPr/>
+                    <a:lstStyle/>
+                    <a:p>
+                      <a:pPr latinLnBrk="1"/>
+                      <a:r>
+                        <a:rPr lang="ko-KR" altLang="en-US" dirty="0"/>
+                        <a:t>유기동물 정보 서비스 </a:t>
+                      </a:r>
+                      <a:r>
+                        <a:rPr lang="en-US" altLang="ko-KR" dirty="0"/>
+                        <a:t>API</a:t>
+                      </a:r>
+                      <a:r>
+                        <a:rPr lang="ko-KR" altLang="en-US" dirty="0"/>
+                        <a:t>를 동해 구현 가능한 기능조사</a:t>
+                      </a:r>
+                    </a:p>
+                  </a:txBody>
+                  <a:tcPr/>
+                </a:tc>
+                <a:extLst>
+                  <a:ext uri="{0D108BD9-81ED-4DB2-BD59-A6C34878D82A}">
+                    <a16:rowId xmlns:a16="http://schemas.microsoft.com/office/drawing/2014/main" val="10002"/>
+                  </a:ext>
+                </a:extLst>
               </a:tr>
               <a:tr h="370840">
                 <a:tc>
@@ -5284,16 +5403,20 @@
                     <a:p>
                       <a:pPr latinLnBrk="1"/>
                       <a:r>
-                        <a:rPr lang="en-US" altLang="ko-KR" dirty="0" smtClean="0"/>
-                        <a:t>1</a:t>
-                      </a:r>
-                      <a:r>
-                        <a:rPr lang="ko-KR" altLang="en-US" dirty="0" smtClean="0"/>
+                        <a:rPr lang="en-US" altLang="ko-KR" dirty="0"/>
+                        <a:t>3</a:t>
+                      </a:r>
+                      <a:r>
+                        <a:rPr lang="ko-KR" altLang="en-US" dirty="0"/>
                         <a:t>주</a:t>
                       </a:r>
-                      <a:r>
-                        <a:rPr lang="en-US" altLang="ko-KR" dirty="0" smtClean="0"/>
-                        <a:t>(5.01~5.04)</a:t>
+                      <a:endParaRPr lang="en-US" altLang="ko-KR" dirty="0"/>
+                    </a:p>
+                    <a:p>
+                      <a:pPr latinLnBrk="1"/>
+                      <a:r>
+                        <a:rPr lang="en-US" altLang="ko-KR" dirty="0"/>
+                        <a:t>(5.12~5.18)</a:t>
                       </a:r>
                       <a:endParaRPr lang="ko-KR" altLang="en-US" dirty="0"/>
                     </a:p>
@@ -5307,169 +5430,11 @@
                     <a:p>
                       <a:pPr latinLnBrk="1"/>
                       <a:r>
-                        <a:rPr lang="ko-KR" altLang="en-US" dirty="0" err="1" smtClean="0"/>
-                        <a:t>파이썬</a:t>
-                      </a:r>
-                      <a:r>
-                        <a:rPr lang="ko-KR" altLang="en-US" dirty="0" smtClean="0"/>
-                        <a:t> 모듈</a:t>
-                      </a:r>
-                      <a:r>
-                        <a:rPr lang="en-US" altLang="ko-KR" dirty="0" smtClean="0"/>
-                        <a:t>,Open API</a:t>
-                      </a:r>
-                      <a:r>
-                        <a:rPr lang="ko-KR" altLang="en-US" dirty="0" smtClean="0"/>
-                        <a:t>조사</a:t>
-                      </a:r>
-                      <a:endParaRPr lang="en-US" altLang="ko-KR" dirty="0" smtClean="0"/>
-                    </a:p>
-                    <a:p>
-                      <a:pPr latinLnBrk="1"/>
-                      <a:r>
-                        <a:rPr lang="ko-KR" altLang="en-US" dirty="0" smtClean="0"/>
-                        <a:t>응용 </a:t>
-                      </a:r>
-                      <a:r>
-                        <a:rPr lang="ko-KR" altLang="en-US" dirty="0" err="1" smtClean="0"/>
-                        <a:t>앱</a:t>
-                      </a:r>
-                      <a:r>
-                        <a:rPr lang="ko-KR" altLang="en-US" dirty="0" smtClean="0"/>
-                        <a:t> 개발 예시 조사</a:t>
-                      </a:r>
-                      <a:endParaRPr lang="ko-KR" altLang="en-US" dirty="0"/>
-                    </a:p>
-                  </a:txBody>
-                  <a:tcPr/>
-                </a:tc>
-                <a:tc>
-                  <a:txBody>
-                    <a:bodyPr/>
-                    <a:lstStyle/>
-                    <a:p>
-                      <a:pPr latinLnBrk="1"/>
-                      <a:r>
-                        <a:rPr lang="ko-KR" altLang="en-US" dirty="0" smtClean="0"/>
-                        <a:t>국가 공공 데이터 포털 활용 사례 조사</a:t>
-                      </a:r>
-                      <a:endParaRPr lang="ko-KR" altLang="en-US" dirty="0"/>
-                    </a:p>
-                  </a:txBody>
-                  <a:tcPr/>
-                </a:tc>
-              </a:tr>
-              <a:tr h="370840">
-                <a:tc>
-                  <a:txBody>
-                    <a:bodyPr/>
-                    <a:lstStyle/>
-                    <a:p>
-                      <a:pPr latinLnBrk="1"/>
-                      <a:r>
-                        <a:rPr lang="en-US" altLang="ko-KR" dirty="0" smtClean="0"/>
-                        <a:t>2</a:t>
-                      </a:r>
-                      <a:r>
-                        <a:rPr lang="ko-KR" altLang="en-US" dirty="0" smtClean="0"/>
-                        <a:t>주</a:t>
-                      </a:r>
-                      <a:endParaRPr lang="en-US" altLang="ko-KR" dirty="0" smtClean="0"/>
-                    </a:p>
-                    <a:p>
-                      <a:pPr latinLnBrk="1"/>
-                      <a:r>
-                        <a:rPr lang="en-US" altLang="ko-KR" dirty="0" smtClean="0"/>
-                        <a:t>(5.05~5.11)</a:t>
-                      </a:r>
-                      <a:endParaRPr lang="ko-KR" altLang="en-US" dirty="0"/>
-                    </a:p>
-                  </a:txBody>
-                  <a:tcPr/>
-                </a:tc>
-                <a:tc>
-                  <a:txBody>
-                    <a:bodyPr/>
-                    <a:lstStyle/>
-                    <a:p>
-                      <a:pPr latinLnBrk="1"/>
-                      <a:r>
-                        <a:rPr lang="ko-KR" altLang="en-US" dirty="0" smtClean="0"/>
-                        <a:t>상세 기능 확인 및 구현 가능 </a:t>
-                      </a:r>
-                      <a:r>
-                        <a:rPr lang="ko-KR" altLang="en-US" dirty="0" smtClean="0"/>
-                        <a:t>기능조사</a:t>
-                      </a:r>
-                      <a:endParaRPr lang="ko-KR" altLang="en-US" dirty="0"/>
-                    </a:p>
-                  </a:txBody>
-                  <a:tcPr/>
-                </a:tc>
-                <a:tc>
-                  <a:txBody>
-                    <a:bodyPr/>
-                    <a:lstStyle/>
-                    <a:p>
-                      <a:pPr latinLnBrk="1"/>
-                      <a:r>
-                        <a:rPr lang="ko-KR" altLang="en-US" dirty="0" smtClean="0"/>
-                        <a:t>유기동물 정보 서비스 </a:t>
-                      </a:r>
-                      <a:r>
-                        <a:rPr lang="en-US" altLang="ko-KR" dirty="0" smtClean="0"/>
-                        <a:t>API</a:t>
-                      </a:r>
-                      <a:r>
-                        <a:rPr lang="ko-KR" altLang="en-US" dirty="0" smtClean="0"/>
-                        <a:t>를 동해 구현 가능한 기능조사</a:t>
-                      </a:r>
-                      <a:endParaRPr lang="ko-KR" altLang="en-US" dirty="0"/>
-                    </a:p>
-                  </a:txBody>
-                  <a:tcPr/>
-                </a:tc>
-              </a:tr>
-              <a:tr h="370840">
-                <a:tc>
-                  <a:txBody>
-                    <a:bodyPr/>
-                    <a:lstStyle/>
-                    <a:p>
-                      <a:pPr latinLnBrk="1"/>
-                      <a:r>
-                        <a:rPr lang="en-US" altLang="ko-KR" dirty="0" smtClean="0"/>
-                        <a:t>3</a:t>
-                      </a:r>
-                      <a:r>
-                        <a:rPr lang="ko-KR" altLang="en-US" dirty="0" smtClean="0"/>
-                        <a:t>주</a:t>
-                      </a:r>
-                      <a:endParaRPr lang="en-US" altLang="ko-KR" dirty="0" smtClean="0"/>
-                    </a:p>
-                    <a:p>
-                      <a:pPr latinLnBrk="1"/>
-                      <a:r>
-                        <a:rPr lang="en-US" altLang="ko-KR" dirty="0" smtClean="0"/>
-                        <a:t>(5.12~5.18)</a:t>
-                      </a:r>
-                      <a:endParaRPr lang="ko-KR" altLang="en-US" dirty="0"/>
-                    </a:p>
-                  </a:txBody>
-                  <a:tcPr/>
-                </a:tc>
-                <a:tc>
-                  <a:txBody>
-                    <a:bodyPr/>
-                    <a:lstStyle/>
-                    <a:p>
-                      <a:pPr latinLnBrk="1"/>
-                      <a:r>
-                        <a:rPr lang="ko-KR" altLang="en-US" dirty="0" smtClean="0"/>
+                        <a:rPr lang="ko-KR" altLang="en-US" dirty="0"/>
                         <a:t>기획발표 </a:t>
                       </a:r>
                       <a:r>
-                        <a:rPr lang="en-US" altLang="ko-KR" dirty="0" smtClean="0"/>
+                        <a:rPr lang="en-US" altLang="ko-KR" dirty="0"/>
                         <a:t>5.16</a:t>
                       </a:r>
                     </a:p>
@@ -5492,15 +5457,15 @@
                         <a:defRPr/>
                       </a:pPr>
                       <a:r>
-                        <a:rPr lang="en-US" altLang="ko-KR" dirty="0" err="1" smtClean="0"/>
+                        <a:rPr lang="en-US" altLang="ko-KR" dirty="0" err="1"/>
                         <a:t>tkinter</a:t>
                       </a:r>
                       <a:r>
-                        <a:rPr lang="en-US" altLang="ko-KR" dirty="0" smtClean="0"/>
+                        <a:rPr lang="en-US" altLang="ko-KR" dirty="0"/>
                         <a:t> GUI </a:t>
                       </a:r>
                       <a:r>
-                        <a:rPr lang="ko-KR" altLang="en-US" dirty="0" smtClean="0"/>
+                        <a:rPr lang="ko-KR" altLang="en-US" dirty="0"/>
                         <a:t>구현</a:t>
                       </a:r>
                     </a:p>
@@ -5530,21 +5495,26 @@
                         <a:defRPr/>
                       </a:pPr>
                       <a:r>
-                        <a:rPr lang="en-US" altLang="ko-KR" dirty="0" err="1" smtClean="0"/>
+                        <a:rPr lang="en-US" altLang="ko-KR" dirty="0" err="1"/>
                         <a:t>tkinter</a:t>
                       </a:r>
                       <a:r>
-                        <a:rPr lang="en-US" altLang="ko-KR" dirty="0" smtClean="0"/>
+                        <a:rPr lang="en-US" altLang="ko-KR" dirty="0"/>
                         <a:t> GUI </a:t>
                       </a:r>
                       <a:r>
-                        <a:rPr lang="ko-KR" altLang="en-US" dirty="0" smtClean="0"/>
+                        <a:rPr lang="ko-KR" altLang="en-US" dirty="0"/>
                         <a:t>를 통해 인터페이스를 구현</a:t>
                       </a:r>
                     </a:p>
                   </a:txBody>
                   <a:tcPr/>
                 </a:tc>
+                <a:extLst>
+                  <a:ext uri="{0D108BD9-81ED-4DB2-BD59-A6C34878D82A}">
+                    <a16:rowId xmlns:a16="http://schemas.microsoft.com/office/drawing/2014/main" val="10003"/>
+                  </a:ext>
+                </a:extLst>
               </a:tr>
               <a:tr h="370840">
                 <a:tc>
@@ -5554,19 +5524,19 @@
                     <a:p>
                       <a:pPr latinLnBrk="1"/>
                       <a:r>
-                        <a:rPr lang="en-US" altLang="ko-KR" dirty="0" smtClean="0"/>
+                        <a:rPr lang="en-US" altLang="ko-KR" dirty="0"/>
                         <a:t>4</a:t>
                       </a:r>
                       <a:r>
-                        <a:rPr lang="ko-KR" altLang="en-US" dirty="0" smtClean="0"/>
+                        <a:rPr lang="ko-KR" altLang="en-US" dirty="0"/>
                         <a:t>주</a:t>
                       </a:r>
-                      <a:endParaRPr lang="en-US" altLang="ko-KR" dirty="0" smtClean="0"/>
+                      <a:endParaRPr lang="en-US" altLang="ko-KR" dirty="0"/>
                     </a:p>
                     <a:p>
                       <a:pPr latinLnBrk="1"/>
                       <a:r>
-                        <a:rPr lang="en-US" altLang="ko-KR" dirty="0" smtClean="0"/>
+                        <a:rPr lang="en-US" altLang="ko-KR" dirty="0"/>
                         <a:t>(5.19~5.25)</a:t>
                       </a:r>
                       <a:endParaRPr lang="ko-KR" altLang="en-US" dirty="0"/>
@@ -5597,7 +5567,7 @@
                         <a:defRPr/>
                       </a:pPr>
                       <a:r>
-                        <a:rPr lang="ko-KR" altLang="en-US" dirty="0" smtClean="0"/>
+                        <a:rPr lang="ko-KR" altLang="en-US" dirty="0"/>
                         <a:t>다양한 검색 및 조회 기능 구현</a:t>
                       </a:r>
                     </a:p>
@@ -5615,50 +5585,54 @@
                     <a:p>
                       <a:pPr latinLnBrk="1"/>
                       <a:r>
-                        <a:rPr lang="ko-KR" altLang="en-US" dirty="0" smtClean="0"/>
+                        <a:rPr lang="ko-KR" altLang="en-US" dirty="0"/>
                         <a:t>유기동물 정보 조회</a:t>
                       </a:r>
                       <a:r>
-                        <a:rPr lang="en-US" altLang="ko-KR" dirty="0" smtClean="0"/>
+                        <a:rPr lang="en-US" altLang="ko-KR" dirty="0"/>
                         <a:t>, </a:t>
                       </a:r>
                       <a:r>
-                        <a:rPr lang="ko-KR" altLang="en-US" dirty="0" smtClean="0"/>
+                        <a:rPr lang="ko-KR" altLang="en-US" dirty="0"/>
                         <a:t>보호소 조회</a:t>
                       </a:r>
                       <a:r>
-                        <a:rPr lang="en-US" altLang="ko-KR" dirty="0" smtClean="0"/>
+                        <a:rPr lang="en-US" altLang="ko-KR" dirty="0"/>
                         <a:t>,</a:t>
                       </a:r>
                       <a:r>
-                        <a:rPr lang="ko-KR" altLang="en-US" dirty="0" smtClean="0"/>
+                        <a:rPr lang="ko-KR" altLang="en-US" dirty="0"/>
                         <a:t>품종 </a:t>
                       </a:r>
                       <a:r>
-                        <a:rPr lang="en-US" altLang="ko-KR" dirty="0" smtClean="0"/>
+                        <a:rPr lang="en-US" altLang="ko-KR" dirty="0"/>
                         <a:t>,</a:t>
                       </a:r>
                       <a:r>
-                        <a:rPr lang="ko-KR" altLang="en-US" dirty="0" smtClean="0"/>
+                        <a:rPr lang="ko-KR" altLang="en-US" dirty="0"/>
                         <a:t>마리 수</a:t>
                       </a:r>
                       <a:r>
-                        <a:rPr lang="en-US" altLang="ko-KR" dirty="0" smtClean="0"/>
+                        <a:rPr lang="en-US" altLang="ko-KR" dirty="0"/>
                         <a:t>,</a:t>
                       </a:r>
                       <a:r>
-                        <a:rPr lang="en-US" altLang="ko-KR" baseline="0" dirty="0" smtClean="0"/>
+                        <a:rPr lang="en-US" altLang="ko-KR" baseline="0" dirty="0"/>
                         <a:t> </a:t>
                       </a:r>
                       <a:r>
-                        <a:rPr lang="ko-KR" altLang="en-US" dirty="0" smtClean="0"/>
+                        <a:rPr lang="ko-KR" altLang="en-US" dirty="0"/>
                         <a:t>전화번호 조회</a:t>
                       </a:r>
-                      <a:endParaRPr lang="ko-KR" altLang="en-US" dirty="0"/>
                     </a:p>
                   </a:txBody>
                   <a:tcPr/>
                 </a:tc>
+                <a:extLst>
+                  <a:ext uri="{0D108BD9-81ED-4DB2-BD59-A6C34878D82A}">
+                    <a16:rowId xmlns:a16="http://schemas.microsoft.com/office/drawing/2014/main" val="10004"/>
+                  </a:ext>
+                </a:extLst>
               </a:tr>
               <a:tr h="370840">
                 <a:tc>
@@ -5668,19 +5642,19 @@
                     <a:p>
                       <a:pPr latinLnBrk="1"/>
                       <a:r>
-                        <a:rPr lang="en-US" altLang="ko-KR" dirty="0" smtClean="0"/>
+                        <a:rPr lang="en-US" altLang="ko-KR" dirty="0"/>
                         <a:t>5</a:t>
                       </a:r>
                       <a:r>
-                        <a:rPr lang="ko-KR" altLang="en-US" dirty="0" smtClean="0"/>
+                        <a:rPr lang="ko-KR" altLang="en-US" dirty="0"/>
                         <a:t>주</a:t>
                       </a:r>
-                      <a:endParaRPr lang="en-US" altLang="ko-KR" dirty="0" smtClean="0"/>
+                      <a:endParaRPr lang="en-US" altLang="ko-KR" dirty="0"/>
                     </a:p>
                     <a:p>
                       <a:pPr latinLnBrk="1"/>
                       <a:r>
-                        <a:rPr lang="en-US" altLang="ko-KR" dirty="0" smtClean="0"/>
+                        <a:rPr lang="en-US" altLang="ko-KR" dirty="0"/>
                         <a:t>(5.26~6.01)</a:t>
                       </a:r>
                       <a:endParaRPr lang="ko-KR" altLang="en-US" dirty="0"/>
@@ -5695,13 +5669,21 @@
                     <a:p>
                       <a:pPr latinLnBrk="1"/>
                       <a:r>
-                        <a:rPr lang="ko-KR" altLang="en-US" dirty="0" smtClean="0"/>
+                        <a:rPr lang="ko-KR" altLang="en-US" dirty="0"/>
                         <a:t>중간발표 </a:t>
                       </a:r>
                       <a:r>
-                        <a:rPr lang="en-US" altLang="ko-KR" dirty="0" smtClean="0"/>
+                        <a:rPr lang="en-US" altLang="ko-KR" dirty="0"/>
                         <a:t>5.29</a:t>
                       </a:r>
+                    </a:p>
+                    <a:p>
+                      <a:pPr latinLnBrk="1"/>
+                      <a:r>
+                        <a:rPr lang="ko-KR" altLang="en-US" baseline="0" dirty="0"/>
+                        <a:t>정렬기능 구현</a:t>
+                      </a:r>
+                      <a:endParaRPr lang="en-US" altLang="ko-KR" dirty="0"/>
                     </a:p>
                   </a:txBody>
                   <a:tcPr/>
@@ -5712,30 +5694,38 @@
                     <a:lstStyle/>
                     <a:p>
                       <a:r>
-                        <a:rPr lang="en-US" altLang="ko-KR" dirty="0" err="1" smtClean="0"/>
+                        <a:rPr lang="en-US" altLang="ko-KR" dirty="0" err="1"/>
                         <a:t>Youtube</a:t>
                       </a:r>
                       <a:r>
-                        <a:rPr lang="en-US" altLang="ko-KR" baseline="0" dirty="0" smtClean="0"/>
+                        <a:rPr lang="en-US" altLang="ko-KR" baseline="0" dirty="0"/>
                         <a:t> </a:t>
                       </a:r>
                       <a:r>
-                        <a:rPr lang="ko-KR" altLang="en-US" baseline="0" dirty="0" smtClean="0"/>
+                        <a:rPr lang="ko-KR" altLang="en-US" baseline="0" dirty="0"/>
                         <a:t>활용 중간 시연 발표</a:t>
                       </a:r>
-                      <a:r>
-                        <a:rPr lang="en-US" altLang="ko-KR" baseline="0" dirty="0" smtClean="0"/>
-                        <a:t> </a:t>
-                      </a:r>
-                      <a:r>
-                        <a:rPr lang="en-US" altLang="ko-KR" baseline="0" dirty="0" smtClean="0"/>
-                        <a:t> </a:t>
+                      <a:endParaRPr lang="en-US" altLang="ko-KR" baseline="0" dirty="0"/>
+                    </a:p>
+                    <a:p>
+                      <a:r>
+                        <a:rPr lang="ko-KR" altLang="en-US" baseline="0"/>
+                        <a:t>정렬 기능 구현</a:t>
+                      </a:r>
+                      <a:r>
+                        <a:rPr lang="en-US" altLang="ko-KR" baseline="0"/>
+                        <a:t>  </a:t>
                       </a:r>
                       <a:endParaRPr lang="ko-KR" altLang="en-US" dirty="0"/>
                     </a:p>
                   </a:txBody>
                   <a:tcPr/>
                 </a:tc>
+                <a:extLst>
+                  <a:ext uri="{0D108BD9-81ED-4DB2-BD59-A6C34878D82A}">
+                    <a16:rowId xmlns:a16="http://schemas.microsoft.com/office/drawing/2014/main" val="10005"/>
+                  </a:ext>
+                </a:extLst>
               </a:tr>
               <a:tr h="705832">
                 <a:tc>
@@ -5745,19 +5735,19 @@
                     <a:p>
                       <a:pPr latinLnBrk="1"/>
                       <a:r>
-                        <a:rPr lang="en-US" altLang="ko-KR" dirty="0" smtClean="0"/>
+                        <a:rPr lang="en-US" altLang="ko-KR" dirty="0"/>
                         <a:t>6</a:t>
                       </a:r>
                       <a:r>
-                        <a:rPr lang="ko-KR" altLang="en-US" dirty="0" smtClean="0"/>
+                        <a:rPr lang="ko-KR" altLang="en-US" dirty="0"/>
                         <a:t>주</a:t>
                       </a:r>
-                      <a:endParaRPr lang="en-US" altLang="ko-KR" dirty="0" smtClean="0"/>
+                      <a:endParaRPr lang="en-US" altLang="ko-KR" dirty="0"/>
                     </a:p>
                     <a:p>
                       <a:pPr latinLnBrk="1"/>
                       <a:r>
-                        <a:rPr lang="en-US" altLang="ko-KR" dirty="0" smtClean="0"/>
+                        <a:rPr lang="en-US" altLang="ko-KR" dirty="0"/>
                         <a:t>(6.02~6.08)</a:t>
                       </a:r>
                       <a:endParaRPr lang="ko-KR" altLang="en-US" dirty="0"/>
@@ -5788,26 +5778,26 @@
                         <a:defRPr/>
                       </a:pPr>
                       <a:r>
-                        <a:rPr lang="ko-KR" altLang="en-US" dirty="0" smtClean="0"/>
+                        <a:rPr lang="ko-KR" altLang="en-US" dirty="0"/>
                         <a:t>검색 </a:t>
                       </a:r>
                       <a:r>
-                        <a:rPr lang="ko-KR" altLang="en-US" dirty="0" err="1" smtClean="0"/>
+                        <a:rPr lang="ko-KR" altLang="en-US" dirty="0" err="1"/>
                         <a:t>필터링</a:t>
                       </a:r>
                       <a:r>
-                        <a:rPr lang="ko-KR" altLang="en-US" dirty="0" smtClean="0"/>
+                        <a:rPr lang="ko-KR" altLang="en-US" dirty="0"/>
                         <a:t> 기능</a:t>
                       </a:r>
                       <a:r>
-                        <a:rPr lang="ko-KR" altLang="en-US" baseline="0" dirty="0" smtClean="0"/>
+                        <a:rPr lang="ko-KR" altLang="en-US" baseline="0" dirty="0"/>
                         <a:t> 구현</a:t>
                       </a:r>
-                      <a:endParaRPr lang="ko-KR" altLang="en-US" dirty="0" smtClean="0"/>
+                      <a:endParaRPr lang="ko-KR" altLang="en-US" dirty="0"/>
                     </a:p>
                     <a:p>
                       <a:pPr latinLnBrk="1"/>
-                      <a:endParaRPr lang="ko-KR" altLang="en-US" dirty="0" smtClean="0"/>
+                      <a:endParaRPr lang="ko-KR" altLang="en-US" dirty="0"/>
                     </a:p>
                   </a:txBody>
                   <a:tcPr/>
@@ -5818,22 +5808,26 @@
                     <a:lstStyle/>
                     <a:p>
                       <a:r>
-                        <a:rPr lang="ko-KR" altLang="en-US" dirty="0" smtClean="0"/>
+                        <a:rPr lang="ko-KR" altLang="en-US" dirty="0"/>
                         <a:t>검색 </a:t>
                       </a:r>
                       <a:r>
-                        <a:rPr lang="ko-KR" altLang="en-US" dirty="0" err="1" smtClean="0"/>
+                        <a:rPr lang="ko-KR" altLang="en-US" dirty="0" err="1"/>
                         <a:t>필터링</a:t>
                       </a:r>
                       <a:r>
-                        <a:rPr lang="ko-KR" altLang="en-US" dirty="0" smtClean="0"/>
+                        <a:rPr lang="ko-KR" altLang="en-US" dirty="0"/>
                         <a:t> 기능 구현</a:t>
                       </a:r>
-                      <a:endParaRPr lang="ko-KR" altLang="en-US" dirty="0"/>
                     </a:p>
                   </a:txBody>
                   <a:tcPr/>
                 </a:tc>
+                <a:extLst>
+                  <a:ext uri="{0D108BD9-81ED-4DB2-BD59-A6C34878D82A}">
+                    <a16:rowId xmlns:a16="http://schemas.microsoft.com/office/drawing/2014/main" val="10006"/>
+                  </a:ext>
+                </a:extLst>
               </a:tr>
               <a:tr h="475456">
                 <a:tc>
@@ -5843,19 +5837,19 @@
                     <a:p>
                       <a:pPr latinLnBrk="1"/>
                       <a:r>
-                        <a:rPr lang="en-US" altLang="ko-KR" dirty="0" smtClean="0"/>
+                        <a:rPr lang="en-US" altLang="ko-KR" dirty="0"/>
                         <a:t>7</a:t>
                       </a:r>
                       <a:r>
-                        <a:rPr lang="ko-KR" altLang="en-US" dirty="0" smtClean="0"/>
+                        <a:rPr lang="ko-KR" altLang="en-US" dirty="0"/>
                         <a:t>주</a:t>
                       </a:r>
-                      <a:endParaRPr lang="en-US" altLang="ko-KR" dirty="0" smtClean="0"/>
+                      <a:endParaRPr lang="en-US" altLang="ko-KR" dirty="0"/>
                     </a:p>
                     <a:p>
                       <a:pPr latinLnBrk="1"/>
                       <a:r>
-                        <a:rPr lang="en-US" altLang="ko-KR" dirty="0" smtClean="0"/>
+                        <a:rPr lang="en-US" altLang="ko-KR" dirty="0"/>
                         <a:t>(6.09~6.15)</a:t>
                       </a:r>
                       <a:endParaRPr lang="ko-KR" altLang="en-US" dirty="0"/>
@@ -5886,7 +5880,7 @@
                         <a:defRPr/>
                       </a:pPr>
                       <a:r>
-                        <a:rPr lang="ko-KR" altLang="en-US" dirty="0" smtClean="0"/>
+                        <a:rPr lang="ko-KR" altLang="en-US" dirty="0"/>
                         <a:t>추가 기능 구현</a:t>
                       </a:r>
                     </a:p>
@@ -5916,46 +5910,43 @@
                         <a:defRPr/>
                       </a:pPr>
                       <a:r>
-                        <a:rPr lang="ko-KR" altLang="en-US" dirty="0" err="1" smtClean="0"/>
+                        <a:rPr lang="ko-KR" altLang="en-US" dirty="0" err="1"/>
                         <a:t>이메일</a:t>
                       </a:r>
                       <a:r>
-                        <a:rPr lang="ko-KR" altLang="en-US" dirty="0" smtClean="0"/>
+                        <a:rPr lang="ko-KR" altLang="en-US" dirty="0"/>
                         <a:t> 전송</a:t>
                       </a:r>
                       <a:r>
-                        <a:rPr lang="en-US" altLang="ko-KR" dirty="0" smtClean="0"/>
+                        <a:rPr lang="en-US" altLang="ko-KR" dirty="0"/>
                         <a:t>,</a:t>
                       </a:r>
                       <a:r>
-                        <a:rPr lang="en-US" altLang="ko-KR" baseline="0" dirty="0" smtClean="0"/>
+                        <a:rPr lang="en-US" altLang="ko-KR" baseline="0" dirty="0"/>
                         <a:t> </a:t>
                       </a:r>
                       <a:r>
-                        <a:rPr lang="ko-KR" altLang="en-US" baseline="0" dirty="0" smtClean="0"/>
-                        <a:t>정렬기능</a:t>
-                      </a:r>
-                      <a:r>
-                        <a:rPr lang="en-US" altLang="ko-KR" baseline="0" dirty="0" smtClean="0"/>
+                        <a:rPr lang="ko-KR" altLang="en-US" baseline="0" dirty="0"/>
+                        <a:t>위치 지도</a:t>
+                      </a:r>
+                      <a:r>
+                        <a:rPr lang="en-US" altLang="ko-KR" baseline="0" dirty="0"/>
                         <a:t>, </a:t>
                       </a:r>
                       <a:r>
-                        <a:rPr lang="ko-KR" altLang="en-US" baseline="0" dirty="0" smtClean="0"/>
-                        <a:t>위치 지도</a:t>
-                      </a:r>
-                      <a:r>
-                        <a:rPr lang="en-US" altLang="ko-KR" baseline="0" dirty="0" smtClean="0"/>
-                        <a:t>, </a:t>
-                      </a:r>
-                      <a:r>
-                        <a:rPr lang="ko-KR" altLang="en-US" baseline="0" dirty="0" smtClean="0"/>
+                        <a:rPr lang="ko-KR" altLang="en-US" baseline="0" dirty="0"/>
                         <a:t>동물 이미지</a:t>
                       </a:r>
-                      <a:endParaRPr lang="ko-KR" altLang="en-US" dirty="0" smtClean="0"/>
+                      <a:endParaRPr lang="ko-KR" altLang="en-US" dirty="0"/>
                     </a:p>
                   </a:txBody>
                   <a:tcPr/>
                 </a:tc>
+                <a:extLst>
+                  <a:ext uri="{0D108BD9-81ED-4DB2-BD59-A6C34878D82A}">
+                    <a16:rowId xmlns:a16="http://schemas.microsoft.com/office/drawing/2014/main" val="10007"/>
+                  </a:ext>
+                </a:extLst>
               </a:tr>
               <a:tr h="370840">
                 <a:tc>
@@ -5965,19 +5956,19 @@
                     <a:p>
                       <a:pPr latinLnBrk="1"/>
                       <a:r>
-                        <a:rPr lang="en-US" altLang="ko-KR" dirty="0" smtClean="0"/>
+                        <a:rPr lang="en-US" altLang="ko-KR" dirty="0"/>
                         <a:t>8</a:t>
                       </a:r>
                       <a:r>
-                        <a:rPr lang="ko-KR" altLang="en-US" dirty="0" smtClean="0"/>
+                        <a:rPr lang="ko-KR" altLang="en-US" dirty="0"/>
                         <a:t>주</a:t>
                       </a:r>
-                      <a:endParaRPr lang="en-US" altLang="ko-KR" dirty="0" smtClean="0"/>
+                      <a:endParaRPr lang="en-US" altLang="ko-KR" dirty="0"/>
                     </a:p>
                     <a:p>
                       <a:pPr latinLnBrk="1"/>
                       <a:r>
-                        <a:rPr lang="en-US" altLang="ko-KR" dirty="0" smtClean="0"/>
+                        <a:rPr lang="en-US" altLang="ko-KR" dirty="0"/>
                         <a:t>(6.16~6.22)</a:t>
                       </a:r>
                       <a:endParaRPr lang="ko-KR" altLang="en-US" dirty="0"/>
@@ -5992,11 +5983,11 @@
                     <a:p>
                       <a:pPr latinLnBrk="1"/>
                       <a:r>
-                        <a:rPr lang="ko-KR" altLang="en-US" dirty="0" smtClean="0"/>
+                        <a:rPr lang="ko-KR" altLang="en-US" dirty="0"/>
                         <a:t>최종발표 </a:t>
                       </a:r>
                       <a:r>
-                        <a:rPr lang="en-US" altLang="ko-KR" dirty="0" smtClean="0"/>
+                        <a:rPr lang="en-US" altLang="ko-KR" dirty="0"/>
                         <a:t>6.20</a:t>
                       </a:r>
                       <a:endParaRPr lang="ko-KR" altLang="en-US" dirty="0"/>
@@ -6011,19 +6002,19 @@
                     <a:p>
                       <a:pPr latinLnBrk="1"/>
                       <a:r>
-                        <a:rPr lang="en-US" altLang="ko-KR" dirty="0" err="1" smtClean="0"/>
+                        <a:rPr lang="en-US" altLang="ko-KR" dirty="0" err="1"/>
                         <a:t>Youtube</a:t>
                       </a:r>
                       <a:r>
-                        <a:rPr lang="en-US" altLang="ko-KR" baseline="0" dirty="0" smtClean="0"/>
+                        <a:rPr lang="en-US" altLang="ko-KR" baseline="0" dirty="0"/>
                         <a:t> </a:t>
                       </a:r>
                       <a:r>
-                        <a:rPr lang="ko-KR" altLang="en-US" baseline="0" dirty="0" smtClean="0"/>
+                        <a:rPr lang="ko-KR" altLang="en-US" baseline="0" dirty="0"/>
                         <a:t>활용 최종 시연 발표</a:t>
                       </a:r>
                       <a:r>
-                        <a:rPr lang="en-US" altLang="ko-KR" baseline="0" dirty="0" smtClean="0"/>
+                        <a:rPr lang="en-US" altLang="ko-KR" baseline="0" dirty="0"/>
                         <a:t> </a:t>
                       </a:r>
                       <a:endParaRPr lang="ko-KR" altLang="en-US" dirty="0"/>
@@ -6031,6 +6022,11 @@
                   </a:txBody>
                   <a:tcPr/>
                 </a:tc>
+                <a:extLst>
+                  <a:ext uri="{0D108BD9-81ED-4DB2-BD59-A6C34878D82A}">
+                    <a16:rowId xmlns:a16="http://schemas.microsoft.com/office/drawing/2014/main" val="10008"/>
+                  </a:ext>
+                </a:extLst>
               </a:tr>
             </a:tbl>
           </a:graphicData>
@@ -6046,13 +6042,6 @@
   <p:clrMapOvr>
     <a:masterClrMapping/>
   </p:clrMapOvr>
-  <p:timing>
-    <p:tnLst>
-      <p:par>
-        <p:cTn id="1" dur="indefinite" restart="never" nodeType="tmRoot"/>
-      </p:par>
-    </p:tnLst>
-  </p:timing>
 </p:sld>
 </file>
 
